--- a/Presentacion_2022_07_14.pptx
+++ b/Presentacion_2022_07_14.pptx
@@ -2418,7 +2418,7 @@
         <p:spPr>
           <a:xfrm>
             <a:off x="685800" y="1524001"/>
-            <a:ext cx="5181600" cy="2954655"/>
+            <a:ext cx="5181600" cy="3139321"/>
           </a:xfrm>
         </p:spPr>
         <p:txBody>
@@ -2436,19 +2436,73 @@
           </a:p>
           <a:p>
             <a:r>
-              <a:rPr lang="de-DE" dirty="0">
-                <a:solidFill>
-                  <a:schemeClr val="tx1"/>
-                </a:solidFill>
-              </a:rPr>
-              <a:t>-</a:t>
-            </a:r>
-            <a:r>
               <a:rPr lang="de-DE" sz="2400" dirty="0">
                 <a:solidFill>
                   <a:schemeClr val="tx1"/>
                 </a:solidFill>
               </a:rPr>
+              <a:t>- More </a:t>
+            </a:r>
+            <a:r>
+              <a:rPr lang="de-DE" sz="2400" dirty="0" err="1">
+                <a:solidFill>
+                  <a:schemeClr val="tx1"/>
+                </a:solidFill>
+              </a:rPr>
+              <a:t>connection</a:t>
+            </a:r>
+            <a:r>
+              <a:rPr lang="de-DE" sz="2400" dirty="0">
+                <a:solidFill>
+                  <a:schemeClr val="tx1"/>
+                </a:solidFill>
+              </a:rPr>
+              <a:t> </a:t>
+            </a:r>
+            <a:r>
+              <a:rPr lang="de-DE" sz="2400" dirty="0" err="1">
+                <a:solidFill>
+                  <a:schemeClr val="tx1"/>
+                </a:solidFill>
+              </a:rPr>
+              <a:t>closed</a:t>
+            </a:r>
+            <a:r>
+              <a:rPr lang="de-DE" sz="2400" dirty="0">
+                <a:solidFill>
+                  <a:schemeClr val="tx1"/>
+                </a:solidFill>
+              </a:rPr>
+              <a:t> </a:t>
+            </a:r>
+            <a:r>
+              <a:rPr lang="de-DE" sz="2400" dirty="0" err="1">
+                <a:solidFill>
+                  <a:schemeClr val="tx1"/>
+                </a:solidFill>
+              </a:rPr>
+              <a:t>responses</a:t>
+            </a:r>
+            <a:r>
+              <a:rPr lang="de-DE" sz="2400" dirty="0">
+                <a:solidFill>
+                  <a:schemeClr val="tx1"/>
+                </a:solidFill>
+              </a:rPr>
+              <a:t> due fin packet</a:t>
+            </a:r>
+          </a:p>
+          <a:p>
+            <a:pPr marL="342900" indent="-342900">
+              <a:buFontTx/>
+              <a:buChar char="-"/>
+            </a:pPr>
+            <a:r>
+              <a:rPr lang="de-DE" sz="2400" dirty="0">
+                <a:solidFill>
+                  <a:schemeClr val="tx1"/>
+                </a:solidFill>
+              </a:rPr>
               <a:t>More </a:t>
             </a:r>
             <a:r>
@@ -2457,7 +2511,7 @@
                   <a:schemeClr val="tx1"/>
                 </a:solidFill>
               </a:rPr>
-              <a:t>connection</a:t>
+              <a:t>reliant</a:t>
             </a:r>
             <a:r>
               <a:rPr lang="de-DE" sz="2400" dirty="0">
@@ -2465,7 +2519,7 @@
                   <a:schemeClr val="tx1"/>
                 </a:solidFill>
               </a:rPr>
-              <a:t> </a:t>
+              <a:t> on larger </a:t>
             </a:r>
             <a:r>
               <a:rPr lang="de-DE" sz="2400" dirty="0" err="1">
@@ -2473,7 +2527,22 @@
                   <a:schemeClr val="tx1"/>
                 </a:solidFill>
               </a:rPr>
-              <a:t>closed</a:t>
+              <a:t>packets</a:t>
+            </a:r>
+            <a:endParaRPr lang="de-DE" sz="2400" dirty="0">
+              <a:solidFill>
+                <a:schemeClr val="tx1"/>
+              </a:solidFill>
+            </a:endParaRPr>
+          </a:p>
+          <a:p>
+            <a:r>
+              <a:rPr lang="de-DE" sz="2400">
+                <a:solidFill>
+                  <a:schemeClr val="tx1"/>
+                </a:solidFill>
+              </a:rPr>
+              <a:t>-&gt; </a:t>
             </a:r>
             <a:r>
               <a:rPr lang="de-DE" sz="2400" dirty="0">
@@ -2481,7 +2550,7 @@
                   <a:schemeClr val="tx1"/>
                 </a:solidFill>
               </a:rPr>
-              <a:t> </a:t>
+              <a:t>still </a:t>
             </a:r>
             <a:r>
               <a:rPr lang="de-DE" sz="2400" dirty="0" err="1">
@@ -2489,7 +2558,7 @@
                   <a:schemeClr val="tx1"/>
                 </a:solidFill>
               </a:rPr>
-              <a:t>responses</a:t>
+              <a:t>problems</a:t>
             </a:r>
             <a:r>
               <a:rPr lang="de-DE" sz="2400" dirty="0">
@@ -2497,11 +2566,81 @@
                   <a:schemeClr val="tx1"/>
                 </a:solidFill>
               </a:rPr>
-              <a:t> due fin packet</a:t>
-            </a:r>
-          </a:p>
-          <a:p>
-            <a:endParaRPr lang="de-DE" dirty="0">
+              <a:t> </a:t>
+            </a:r>
+            <a:r>
+              <a:rPr lang="de-DE" sz="2400" dirty="0" err="1">
+                <a:solidFill>
+                  <a:schemeClr val="tx1"/>
+                </a:solidFill>
+              </a:rPr>
+              <a:t>when</a:t>
+            </a:r>
+            <a:r>
+              <a:rPr lang="de-DE" sz="2400" dirty="0">
+                <a:solidFill>
+                  <a:schemeClr val="tx1"/>
+                </a:solidFill>
+              </a:rPr>
+              <a:t> lots </a:t>
+            </a:r>
+            <a:r>
+              <a:rPr lang="de-DE" sz="2400" dirty="0" err="1">
+                <a:solidFill>
+                  <a:schemeClr val="tx1"/>
+                </a:solidFill>
+              </a:rPr>
+              <a:t>of</a:t>
+            </a:r>
+            <a:r>
+              <a:rPr lang="de-DE" sz="2400" dirty="0">
+                <a:solidFill>
+                  <a:schemeClr val="tx1"/>
+                </a:solidFill>
+              </a:rPr>
+              <a:t> </a:t>
+            </a:r>
+            <a:r>
+              <a:rPr lang="de-DE" sz="2400" dirty="0" err="1">
+                <a:solidFill>
+                  <a:schemeClr val="tx1"/>
+                </a:solidFill>
+              </a:rPr>
+              <a:t>data</a:t>
+            </a:r>
+            <a:r>
+              <a:rPr lang="de-DE" sz="2400" dirty="0">
+                <a:solidFill>
+                  <a:schemeClr val="tx1"/>
+                </a:solidFill>
+              </a:rPr>
+              <a:t> in </a:t>
+            </a:r>
+            <a:r>
+              <a:rPr lang="de-DE" sz="2400" dirty="0" err="1">
+                <a:solidFill>
+                  <a:schemeClr val="tx1"/>
+                </a:solidFill>
+              </a:rPr>
+              <a:t>short</a:t>
+            </a:r>
+            <a:r>
+              <a:rPr lang="de-DE" sz="2400" dirty="0">
+                <a:solidFill>
+                  <a:schemeClr val="tx1"/>
+                </a:solidFill>
+              </a:rPr>
+              <a:t> time on same </a:t>
+            </a:r>
+            <a:r>
+              <a:rPr lang="de-DE" sz="2400" dirty="0" err="1">
+                <a:solidFill>
+                  <a:schemeClr val="tx1"/>
+                </a:solidFill>
+              </a:rPr>
+              <a:t>port</a:t>
+            </a:r>
+            <a:endParaRPr lang="de-DE" sz="2400" dirty="0">
               <a:solidFill>
                 <a:schemeClr val="tx1"/>
               </a:solidFill>
@@ -2533,7 +2672,7 @@
         <p:spPr>
           <a:xfrm>
             <a:off x="5867400" y="1524001"/>
-            <a:ext cx="5410200" cy="3693319"/>
+            <a:ext cx="5410200" cy="4062651"/>
           </a:xfrm>
           <a:prstGeom prst="rect">
             <a:avLst/>
@@ -2893,6 +3032,64 @@
               </a:rPr>
               <a:t>arrived</a:t>
             </a:r>
+            <a:r>
+              <a:rPr lang="de-DE" sz="2400" kern="0" dirty="0">
+                <a:solidFill>
+                  <a:schemeClr val="tx1"/>
+                </a:solidFill>
+              </a:rPr>
+              <a:t> -&gt;</a:t>
+            </a:r>
+          </a:p>
+          <a:p>
+            <a:r>
+              <a:rPr lang="de-DE" sz="2400" kern="0" dirty="0">
+                <a:solidFill>
+                  <a:schemeClr val="tx1"/>
+                </a:solidFill>
+              </a:rPr>
+              <a:t>	</a:t>
+            </a:r>
+            <a:r>
+              <a:rPr lang="de-DE" sz="2400" kern="0" dirty="0" err="1">
+                <a:solidFill>
+                  <a:schemeClr val="tx1"/>
+                </a:solidFill>
+              </a:rPr>
+              <a:t>paket</a:t>
+            </a:r>
+            <a:r>
+              <a:rPr lang="de-DE" sz="2400" kern="0" dirty="0">
+                <a:solidFill>
+                  <a:schemeClr val="tx1"/>
+                </a:solidFill>
+              </a:rPr>
+              <a:t> </a:t>
+            </a:r>
+            <a:r>
+              <a:rPr lang="de-DE" sz="2400" kern="0" dirty="0" err="1">
+                <a:solidFill>
+                  <a:schemeClr val="tx1"/>
+                </a:solidFill>
+              </a:rPr>
+              <a:t>length</a:t>
+            </a:r>
+            <a:r>
+              <a:rPr lang="de-DE" sz="2400" kern="0" dirty="0">
+                <a:solidFill>
+                  <a:schemeClr val="tx1"/>
+                </a:solidFill>
+              </a:rPr>
+              <a:t> &gt; </a:t>
+            </a:r>
+            <a:r>
+              <a:rPr lang="de-DE" sz="2400" kern="0" dirty="0" err="1">
+                <a:solidFill>
+                  <a:schemeClr val="tx1"/>
+                </a:solidFill>
+              </a:rPr>
+              <a:t>buffersize</a:t>
+            </a:r>
             <a:endParaRPr lang="de-DE" sz="2400" kern="0" dirty="0">
               <a:solidFill>
                 <a:schemeClr val="tx1"/>
@@ -2935,8 +3132,8 @@
         </p:nvSpPr>
         <p:spPr>
           <a:xfrm>
-            <a:off x="685800" y="3903345"/>
-            <a:ext cx="11049000" cy="2954655"/>
+            <a:off x="685800" y="4478656"/>
+            <a:ext cx="11049000" cy="3046988"/>
           </a:xfrm>
           <a:prstGeom prst="rect">
             <a:avLst/>
@@ -3026,7 +3223,49 @@
           </a:p>
           <a:p>
             <a:r>
-              <a:rPr lang="de-DE" kern="0" dirty="0">
+              <a:rPr lang="de-DE" sz="2400" kern="0" dirty="0">
+                <a:solidFill>
+                  <a:schemeClr val="tx1"/>
+                </a:solidFill>
+              </a:rPr>
+              <a:t>-Easy </a:t>
+            </a:r>
+            <a:r>
+              <a:rPr lang="de-DE" sz="2400" kern="0" dirty="0" err="1">
+                <a:solidFill>
+                  <a:schemeClr val="tx1"/>
+                </a:solidFill>
+              </a:rPr>
+              <a:t>to</a:t>
+            </a:r>
+            <a:r>
+              <a:rPr lang="de-DE" sz="2400" kern="0" dirty="0">
+                <a:solidFill>
+                  <a:schemeClr val="tx1"/>
+                </a:solidFill>
+              </a:rPr>
+              <a:t> fake IP/Port and </a:t>
+            </a:r>
+            <a:r>
+              <a:rPr lang="de-DE" sz="2400" kern="0" dirty="0" err="1">
+                <a:solidFill>
+                  <a:schemeClr val="tx1"/>
+                </a:solidFill>
+              </a:rPr>
+              <a:t>be</a:t>
+            </a:r>
+            <a:r>
+              <a:rPr lang="de-DE" sz="2400" kern="0" dirty="0">
+                <a:solidFill>
+                  <a:schemeClr val="tx1"/>
+                </a:solidFill>
+              </a:rPr>
+              <a:t> Nick, Max, Juan</a:t>
+            </a:r>
+          </a:p>
+          <a:p>
+            <a:r>
+              <a:rPr lang="de-DE" sz="2400" kern="0" dirty="0">
                 <a:solidFill>
                   <a:schemeClr val="tx1"/>
                 </a:solidFill>
@@ -3034,12 +3273,20 @@
               <a:t>-</a:t>
             </a:r>
             <a:r>
+              <a:rPr lang="de-DE" sz="2400" kern="0" dirty="0" err="1">
+                <a:solidFill>
+                  <a:schemeClr val="tx1"/>
+                </a:solidFill>
+              </a:rPr>
+              <a:t>No</a:t>
+            </a:r>
+            <a:r>
               <a:rPr lang="de-DE" sz="2400" kern="0" dirty="0">
                 <a:solidFill>
                   <a:schemeClr val="tx1"/>
                 </a:solidFill>
               </a:rPr>
-              <a:t>Easy </a:t>
+              <a:t> </a:t>
             </a:r>
             <a:r>
               <a:rPr lang="de-DE" sz="2400" kern="0" dirty="0" err="1">
@@ -3047,32 +3294,13 @@
                   <a:schemeClr val="tx1"/>
                 </a:solidFill>
               </a:rPr>
-              <a:t>to</a:t>
-            </a:r>
-            <a:r>
-              <a:rPr lang="de-DE" sz="2400" kern="0" dirty="0">
-                <a:solidFill>
-                  <a:schemeClr val="tx1"/>
-                </a:solidFill>
-              </a:rPr>
-              <a:t> fake IP/Port and </a:t>
-            </a:r>
-            <a:r>
-              <a:rPr lang="de-DE" sz="2400" kern="0" dirty="0" err="1">
-                <a:solidFill>
-                  <a:schemeClr val="tx1"/>
-                </a:solidFill>
-              </a:rPr>
-              <a:t>be</a:t>
-            </a:r>
-            <a:r>
-              <a:rPr lang="de-DE" sz="2400" kern="0" dirty="0">
-                <a:solidFill>
-                  <a:schemeClr val="tx1"/>
-                </a:solidFill>
-              </a:rPr>
-              <a:t> Nick, Max, Juan</a:t>
-            </a:r>
+              <a:t>encryption</a:t>
+            </a:r>
+            <a:endParaRPr lang="de-DE" sz="2400" kern="0" dirty="0">
+              <a:solidFill>
+                <a:schemeClr val="tx1"/>
+              </a:solidFill>
+            </a:endParaRPr>
           </a:p>
           <a:p>
             <a:endParaRPr lang="de-DE" sz="2400" kern="0" dirty="0">

--- a/Presentacion_2022_07_14.pptx
+++ b/Presentacion_2022_07_14.pptx
@@ -11,11 +11,14 @@
     <p:sldId id="287" r:id="rId5"/>
     <p:sldId id="295" r:id="rId6"/>
     <p:sldId id="297" r:id="rId7"/>
-    <p:sldId id="299" r:id="rId8"/>
-    <p:sldId id="292" r:id="rId9"/>
-    <p:sldId id="300" r:id="rId10"/>
-    <p:sldId id="298" r:id="rId11"/>
-    <p:sldId id="278" r:id="rId12"/>
+    <p:sldId id="303" r:id="rId8"/>
+    <p:sldId id="304" r:id="rId9"/>
+    <p:sldId id="299" r:id="rId10"/>
+    <p:sldId id="292" r:id="rId11"/>
+    <p:sldId id="300" r:id="rId12"/>
+    <p:sldId id="298" r:id="rId13"/>
+    <p:sldId id="301" r:id="rId14"/>
+    <p:sldId id="278" r:id="rId15"/>
   </p:sldIdLst>
   <p:sldSz cx="12192000" cy="6858000"/>
   <p:notesSz cx="12192000" cy="6858000"/>
@@ -2359,6 +2362,829 @@
       </p:grpSpPr>
       <p:sp>
         <p:nvSpPr>
+          <p:cNvPr id="2" name="object 2"/>
+          <p:cNvSpPr txBox="1">
+            <a:spLocks noGrp="1"/>
+          </p:cNvSpPr>
+          <p:nvPr>
+            <p:ph type="title"/>
+          </p:nvPr>
+        </p:nvSpPr>
+        <p:spPr>
+          <a:xfrm>
+            <a:off x="533400" y="287527"/>
+            <a:ext cx="9296400" cy="696595"/>
+          </a:xfrm>
+          <a:prstGeom prst="rect">
+            <a:avLst/>
+          </a:prstGeom>
+        </p:spPr>
+        <p:txBody>
+          <a:bodyPr vert="horz" wrap="square" lIns="0" tIns="12700" rIns="0" bIns="0" rtlCol="0">
+            <a:spAutoFit/>
+          </a:bodyPr>
+          <a:lstStyle/>
+          <a:p>
+            <a:pPr marL="12700" algn="ctr">
+              <a:lnSpc>
+                <a:spcPct val="100000"/>
+              </a:lnSpc>
+              <a:spcBef>
+                <a:spcPts val="100"/>
+              </a:spcBef>
+            </a:pPr>
+            <a:r>
+              <a:rPr lang="es-ES" sz="4400" dirty="0" err="1">
+                <a:latin typeface="Times New Roman" panose="02020603050405020304" pitchFamily="18" charset="0"/>
+                <a:cs typeface="Times New Roman" panose="02020603050405020304" pitchFamily="18" charset="0"/>
+              </a:rPr>
+              <a:t>Results</a:t>
+            </a:r>
+            <a:r>
+              <a:rPr lang="es-ES" sz="4400" dirty="0">
+                <a:latin typeface="Times New Roman" panose="02020603050405020304" pitchFamily="18" charset="0"/>
+                <a:cs typeface="Times New Roman" panose="02020603050405020304" pitchFamily="18" charset="0"/>
+              </a:rPr>
+              <a:t> </a:t>
+            </a:r>
+            <a:endParaRPr sz="4400" dirty="0">
+              <a:latin typeface="Times New Roman" panose="02020603050405020304" pitchFamily="18" charset="0"/>
+              <a:cs typeface="Times New Roman" panose="02020603050405020304" pitchFamily="18" charset="0"/>
+            </a:endParaRPr>
+          </a:p>
+        </p:txBody>
+      </p:sp>
+      <p:sp>
+        <p:nvSpPr>
+          <p:cNvPr id="13" name="object 13"/>
+          <p:cNvSpPr/>
+          <p:nvPr/>
+        </p:nvSpPr>
+        <p:spPr>
+          <a:xfrm>
+            <a:off x="115823" y="6356603"/>
+            <a:ext cx="2988945" cy="364490"/>
+          </a:xfrm>
+          <a:custGeom>
+            <a:avLst/>
+            <a:gdLst/>
+            <a:ahLst/>
+            <a:cxnLst/>
+            <a:rect l="l" t="t" r="r" b="b"/>
+            <a:pathLst>
+              <a:path w="2988945" h="364490">
+                <a:moveTo>
+                  <a:pt x="2988564" y="0"/>
+                </a:moveTo>
+                <a:lnTo>
+                  <a:pt x="0" y="0"/>
+                </a:lnTo>
+                <a:lnTo>
+                  <a:pt x="0" y="364236"/>
+                </a:lnTo>
+                <a:lnTo>
+                  <a:pt x="2988564" y="364236"/>
+                </a:lnTo>
+                <a:lnTo>
+                  <a:pt x="2988564" y="0"/>
+                </a:lnTo>
+                <a:close/>
+              </a:path>
+            </a:pathLst>
+          </a:custGeom>
+          <a:solidFill>
+            <a:srgbClr val="585858"/>
+          </a:solidFill>
+        </p:spPr>
+        <p:txBody>
+          <a:bodyPr wrap="square" lIns="0" tIns="0" rIns="0" bIns="0" rtlCol="0"/>
+          <a:lstStyle/>
+          <a:p>
+            <a:endParaRPr/>
+          </a:p>
+        </p:txBody>
+      </p:sp>
+      <p:sp>
+        <p:nvSpPr>
+          <p:cNvPr id="14" name="object 14"/>
+          <p:cNvSpPr/>
+          <p:nvPr/>
+        </p:nvSpPr>
+        <p:spPr>
+          <a:xfrm>
+            <a:off x="3194304" y="6356603"/>
+            <a:ext cx="6040120" cy="364490"/>
+          </a:xfrm>
+          <a:custGeom>
+            <a:avLst/>
+            <a:gdLst/>
+            <a:ahLst/>
+            <a:cxnLst/>
+            <a:rect l="l" t="t" r="r" b="b"/>
+            <a:pathLst>
+              <a:path w="6040120" h="364490">
+                <a:moveTo>
+                  <a:pt x="6039612" y="0"/>
+                </a:moveTo>
+                <a:lnTo>
+                  <a:pt x="0" y="0"/>
+                </a:lnTo>
+                <a:lnTo>
+                  <a:pt x="0" y="364236"/>
+                </a:lnTo>
+                <a:lnTo>
+                  <a:pt x="6039612" y="364236"/>
+                </a:lnTo>
+                <a:lnTo>
+                  <a:pt x="6039612" y="0"/>
+                </a:lnTo>
+                <a:close/>
+              </a:path>
+            </a:pathLst>
+          </a:custGeom>
+          <a:solidFill>
+            <a:srgbClr val="585858"/>
+          </a:solidFill>
+        </p:spPr>
+        <p:txBody>
+          <a:bodyPr wrap="square" lIns="0" tIns="0" rIns="0" bIns="0" rtlCol="0"/>
+          <a:lstStyle/>
+          <a:p>
+            <a:endParaRPr/>
+          </a:p>
+        </p:txBody>
+      </p:sp>
+      <p:sp>
+        <p:nvSpPr>
+          <p:cNvPr id="15" name="object 15"/>
+          <p:cNvSpPr/>
+          <p:nvPr/>
+        </p:nvSpPr>
+        <p:spPr>
+          <a:xfrm>
+            <a:off x="9323831" y="6356603"/>
+            <a:ext cx="2743200" cy="364490"/>
+          </a:xfrm>
+          <a:custGeom>
+            <a:avLst/>
+            <a:gdLst/>
+            <a:ahLst/>
+            <a:cxnLst/>
+            <a:rect l="l" t="t" r="r" b="b"/>
+            <a:pathLst>
+              <a:path w="2743200" h="364490">
+                <a:moveTo>
+                  <a:pt x="2743200" y="0"/>
+                </a:moveTo>
+                <a:lnTo>
+                  <a:pt x="0" y="0"/>
+                </a:lnTo>
+                <a:lnTo>
+                  <a:pt x="0" y="364236"/>
+                </a:lnTo>
+                <a:lnTo>
+                  <a:pt x="2743200" y="364236"/>
+                </a:lnTo>
+                <a:lnTo>
+                  <a:pt x="2743200" y="0"/>
+                </a:lnTo>
+                <a:close/>
+              </a:path>
+            </a:pathLst>
+          </a:custGeom>
+          <a:solidFill>
+            <a:srgbClr val="585858"/>
+          </a:solidFill>
+        </p:spPr>
+        <p:txBody>
+          <a:bodyPr wrap="square" lIns="0" tIns="0" rIns="0" bIns="0" rtlCol="0"/>
+          <a:lstStyle/>
+          <a:p>
+            <a:endParaRPr/>
+          </a:p>
+        </p:txBody>
+      </p:sp>
+      <p:sp>
+        <p:nvSpPr>
+          <p:cNvPr id="16" name="object 16"/>
+          <p:cNvSpPr txBox="1">
+            <a:spLocks noGrp="1"/>
+          </p:cNvSpPr>
+          <p:nvPr>
+            <p:ph type="ftr" sz="quarter" idx="5"/>
+          </p:nvPr>
+        </p:nvSpPr>
+        <p:spPr>
+          <a:xfrm>
+            <a:off x="194562" y="6431705"/>
+            <a:ext cx="2853438" cy="198772"/>
+          </a:xfrm>
+          <a:prstGeom prst="rect">
+            <a:avLst/>
+          </a:prstGeom>
+        </p:spPr>
+        <p:txBody>
+          <a:bodyPr vert="horz" wrap="square" lIns="0" tIns="13970" rIns="0" bIns="0" rtlCol="0">
+            <a:spAutoFit/>
+          </a:bodyPr>
+          <a:lstStyle/>
+          <a:p>
+            <a:pPr marL="12700">
+              <a:lnSpc>
+                <a:spcPct val="100000"/>
+              </a:lnSpc>
+              <a:spcBef>
+                <a:spcPts val="110"/>
+              </a:spcBef>
+            </a:pPr>
+            <a:r>
+              <a:rPr lang="es-CL" spc="-25" dirty="0">
+                <a:latin typeface="Times New Roman" panose="02020603050405020304" pitchFamily="18" charset="0"/>
+                <a:cs typeface="Times New Roman" panose="02020603050405020304" pitchFamily="18" charset="0"/>
+              </a:rPr>
+              <a:t>Fernández  </a:t>
+            </a:r>
+            <a:r>
+              <a:rPr lang="es-CL" spc="-15" dirty="0">
+                <a:latin typeface="Times New Roman" panose="02020603050405020304" pitchFamily="18" charset="0"/>
+                <a:cs typeface="Times New Roman" panose="02020603050405020304" pitchFamily="18" charset="0"/>
+              </a:rPr>
+              <a:t>–</a:t>
+            </a:r>
+            <a:r>
+              <a:rPr lang="es-CL" spc="-30" dirty="0">
+                <a:latin typeface="Times New Roman" panose="02020603050405020304" pitchFamily="18" charset="0"/>
+                <a:cs typeface="Times New Roman" panose="02020603050405020304" pitchFamily="18" charset="0"/>
+              </a:rPr>
+              <a:t> </a:t>
+            </a:r>
+            <a:r>
+              <a:rPr lang="es-CL" spc="-100" dirty="0">
+                <a:latin typeface="Times New Roman" panose="02020603050405020304" pitchFamily="18" charset="0"/>
+                <a:cs typeface="Times New Roman" panose="02020603050405020304" pitchFamily="18" charset="0"/>
+              </a:rPr>
+              <a:t>2022</a:t>
+            </a:r>
+          </a:p>
+        </p:txBody>
+      </p:sp>
+      <p:sp>
+        <p:nvSpPr>
+          <p:cNvPr id="17" name="object 17"/>
+          <p:cNvSpPr txBox="1">
+            <a:spLocks noGrp="1"/>
+          </p:cNvSpPr>
+          <p:nvPr>
+            <p:ph type="dt" sz="half" idx="6"/>
+          </p:nvPr>
+        </p:nvSpPr>
+        <p:spPr>
+          <a:xfrm>
+            <a:off x="4113403" y="6431705"/>
+            <a:ext cx="4649597" cy="198772"/>
+          </a:xfrm>
+          <a:prstGeom prst="rect">
+            <a:avLst/>
+          </a:prstGeom>
+        </p:spPr>
+        <p:txBody>
+          <a:bodyPr vert="horz" wrap="square" lIns="0" tIns="13970" rIns="0" bIns="0" rtlCol="0">
+            <a:spAutoFit/>
+          </a:bodyPr>
+          <a:lstStyle/>
+          <a:p>
+            <a:pPr marL="12700">
+              <a:spcBef>
+                <a:spcPts val="110"/>
+              </a:spcBef>
+            </a:pPr>
+            <a:r>
+              <a:rPr lang="es-ES" sz="1200" dirty="0">
+                <a:solidFill>
+                  <a:schemeClr val="bg1"/>
+                </a:solidFill>
+                <a:latin typeface="Times New Roman" panose="02020603050405020304" pitchFamily="18" charset="0"/>
+                <a:cs typeface="Times New Roman" panose="02020603050405020304" pitchFamily="18" charset="0"/>
+              </a:rPr>
+              <a:t>Consultoría de Proyecto Informático - </a:t>
+            </a:r>
+            <a:r>
+              <a:rPr lang="es-CL" sz="1200" spc="60" dirty="0">
+                <a:solidFill>
+                  <a:srgbClr val="F1F1F1"/>
+                </a:solidFill>
+                <a:latin typeface="Times New Roman" panose="02020603050405020304" pitchFamily="18" charset="0"/>
+                <a:cs typeface="Times New Roman" panose="02020603050405020304" pitchFamily="18" charset="0"/>
+              </a:rPr>
+              <a:t>Informe de formulación</a:t>
+            </a:r>
+          </a:p>
+        </p:txBody>
+      </p:sp>
+      <p:sp>
+        <p:nvSpPr>
+          <p:cNvPr id="18" name="object 18"/>
+          <p:cNvSpPr txBox="1"/>
+          <p:nvPr/>
+        </p:nvSpPr>
+        <p:spPr>
+          <a:xfrm>
+            <a:off x="11767439" y="6431705"/>
+            <a:ext cx="247650" cy="212725"/>
+          </a:xfrm>
+          <a:prstGeom prst="rect">
+            <a:avLst/>
+          </a:prstGeom>
+        </p:spPr>
+        <p:txBody>
+          <a:bodyPr vert="horz" wrap="square" lIns="0" tIns="13970" rIns="0" bIns="0" rtlCol="0">
+            <a:spAutoFit/>
+          </a:bodyPr>
+          <a:lstStyle/>
+          <a:p>
+            <a:pPr marL="38100">
+              <a:lnSpc>
+                <a:spcPct val="100000"/>
+              </a:lnSpc>
+              <a:spcBef>
+                <a:spcPts val="110"/>
+              </a:spcBef>
+            </a:pPr>
+            <a:fld id="{81D60167-4931-47E6-BA6A-407CBD079E47}" type="slidenum">
+              <a:rPr sz="1200" b="1" spc="-95" dirty="0">
+                <a:solidFill>
+                  <a:srgbClr val="FFFFFF"/>
+                </a:solidFill>
+                <a:latin typeface="Tahoma"/>
+                <a:cs typeface="Tahoma"/>
+              </a:rPr>
+              <a:t>10</a:t>
+            </a:fld>
+            <a:endParaRPr sz="1200">
+              <a:latin typeface="Tahoma"/>
+              <a:cs typeface="Tahoma"/>
+            </a:endParaRPr>
+          </a:p>
+        </p:txBody>
+      </p:sp>
+      <p:pic>
+        <p:nvPicPr>
+          <p:cNvPr id="4100" name="Picture 4" descr="7 consejos que necesita saber para implementar la gestión de resultados">
+            <a:extLst>
+              <a:ext uri="{FF2B5EF4-FFF2-40B4-BE49-F238E27FC236}">
+                <a16:creationId xmlns:a16="http://schemas.microsoft.com/office/drawing/2014/main" id="{AF1F15E4-EBC8-4FA9-9376-673316CD3C14}"/>
+              </a:ext>
+            </a:extLst>
+          </p:cNvPr>
+          <p:cNvPicPr>
+            <a:picLocks noChangeAspect="1" noChangeArrowheads="1"/>
+          </p:cNvPicPr>
+          <p:nvPr/>
+        </p:nvPicPr>
+        <p:blipFill>
+          <a:blip r:embed="rId2">
+            <a:extLst>
+              <a:ext uri="{28A0092B-C50C-407E-A947-70E740481C1C}">
+                <a14:useLocalDpi xmlns:a14="http://schemas.microsoft.com/office/drawing/2010/main" val="0"/>
+              </a:ext>
+            </a:extLst>
+          </a:blip>
+          <a:srcRect/>
+          <a:stretch>
+            <a:fillRect/>
+          </a:stretch>
+        </p:blipFill>
+        <p:spPr bwMode="auto">
+          <a:xfrm>
+            <a:off x="2133600" y="1600200"/>
+            <a:ext cx="7391400" cy="4480265"/>
+          </a:xfrm>
+          <a:prstGeom prst="rect">
+            <a:avLst/>
+          </a:prstGeom>
+          <a:noFill/>
+          <a:extLst>
+            <a:ext uri="{909E8E84-426E-40DD-AFC4-6F175D3DCCD1}">
+              <a14:hiddenFill xmlns:a14="http://schemas.microsoft.com/office/drawing/2010/main">
+                <a:solidFill>
+                  <a:srgbClr val="FFFFFF"/>
+                </a:solidFill>
+              </a14:hiddenFill>
+            </a:ext>
+          </a:extLst>
+        </p:spPr>
+      </p:pic>
+    </p:spTree>
+    <p:extLst>
+      <p:ext uri="{BB962C8B-B14F-4D97-AF65-F5344CB8AC3E}">
+        <p14:creationId xmlns:p14="http://schemas.microsoft.com/office/powerpoint/2010/main" val="159880573"/>
+      </p:ext>
+    </p:extLst>
+  </p:cSld>
+  <p:clrMapOvr>
+    <a:masterClrMapping/>
+  </p:clrMapOvr>
+</p:sld>
+</file>
+
+<file path=ppt/slides/slide11.xml><?xml version="1.0" encoding="utf-8"?>
+<p:sld xmlns:a="http://schemas.openxmlformats.org/drawingml/2006/main" xmlns:r="http://schemas.openxmlformats.org/officeDocument/2006/relationships" xmlns:p="http://schemas.openxmlformats.org/presentationml/2006/main">
+  <p:cSld>
+    <p:spTree>
+      <p:nvGrpSpPr>
+        <p:cNvPr id="1" name=""/>
+        <p:cNvGrpSpPr/>
+        <p:nvPr/>
+      </p:nvGrpSpPr>
+      <p:grpSpPr>
+        <a:xfrm>
+          <a:off x="0" y="0"/>
+          <a:ext cx="0" cy="0"/>
+          <a:chOff x="0" y="0"/>
+          <a:chExt cx="0" cy="0"/>
+        </a:xfrm>
+      </p:grpSpPr>
+      <p:sp>
+        <p:nvSpPr>
+          <p:cNvPr id="2" name="Titel 1">
+            <a:extLst>
+              <a:ext uri="{FF2B5EF4-FFF2-40B4-BE49-F238E27FC236}">
+                <a16:creationId xmlns:a16="http://schemas.microsoft.com/office/drawing/2014/main" id="{6807FD7E-4598-F6A1-B683-E1DA54F714D0}"/>
+              </a:ext>
+            </a:extLst>
+          </p:cNvPr>
+          <p:cNvSpPr>
+            <a:spLocks noGrp="1"/>
+          </p:cNvSpPr>
+          <p:nvPr>
+            <p:ph type="title"/>
+          </p:nvPr>
+        </p:nvSpPr>
+        <p:spPr>
+          <a:xfrm>
+            <a:off x="959002" y="48260"/>
+            <a:ext cx="10273995" cy="615553"/>
+          </a:xfrm>
+        </p:spPr>
+        <p:txBody>
+          <a:bodyPr/>
+          <a:lstStyle/>
+          <a:p>
+            <a:r>
+              <a:rPr lang="de-DE" dirty="0" err="1"/>
+              <a:t>Testing</a:t>
+            </a:r>
+            <a:r>
+              <a:rPr lang="de-DE" dirty="0"/>
+              <a:t> Environment</a:t>
+            </a:r>
+          </a:p>
+        </p:txBody>
+      </p:sp>
+      <p:sp>
+        <p:nvSpPr>
+          <p:cNvPr id="3" name="Textplatzhalter 2">
+            <a:extLst>
+              <a:ext uri="{FF2B5EF4-FFF2-40B4-BE49-F238E27FC236}">
+                <a16:creationId xmlns:a16="http://schemas.microsoft.com/office/drawing/2014/main" id="{6C00BB5D-A5BF-B6EF-57BE-6F1047EEAE6C}"/>
+              </a:ext>
+            </a:extLst>
+          </p:cNvPr>
+          <p:cNvSpPr>
+            <a:spLocks noGrp="1"/>
+          </p:cNvSpPr>
+          <p:nvPr>
+            <p:ph type="body" idx="1"/>
+          </p:nvPr>
+        </p:nvSpPr>
+        <p:spPr>
+          <a:xfrm>
+            <a:off x="426821" y="2276347"/>
+            <a:ext cx="11338356" cy="2769989"/>
+          </a:xfrm>
+        </p:spPr>
+        <p:txBody>
+          <a:bodyPr/>
+          <a:lstStyle/>
+          <a:p>
+            <a:r>
+              <a:rPr lang="de-DE" sz="2000" dirty="0" err="1">
+                <a:solidFill>
+                  <a:schemeClr val="tx1"/>
+                </a:solidFill>
+              </a:rPr>
+              <a:t>Tested</a:t>
+            </a:r>
+            <a:r>
+              <a:rPr lang="de-DE" sz="2000" dirty="0">
+                <a:solidFill>
+                  <a:schemeClr val="tx1"/>
+                </a:solidFill>
+              </a:rPr>
+              <a:t> on </a:t>
+            </a:r>
+            <a:r>
+              <a:rPr lang="de-DE" sz="2000" dirty="0" err="1">
+                <a:solidFill>
+                  <a:schemeClr val="tx1"/>
+                </a:solidFill>
+              </a:rPr>
+              <a:t>local</a:t>
+            </a:r>
+            <a:r>
+              <a:rPr lang="de-DE" sz="2000" dirty="0">
+                <a:solidFill>
+                  <a:schemeClr val="tx1"/>
+                </a:solidFill>
+              </a:rPr>
+              <a:t> network on </a:t>
+            </a:r>
+            <a:r>
+              <a:rPr lang="de-DE" sz="2000" dirty="0" err="1">
+                <a:solidFill>
+                  <a:schemeClr val="tx1"/>
+                </a:solidFill>
+              </a:rPr>
+              <a:t>single</a:t>
+            </a:r>
+            <a:r>
+              <a:rPr lang="de-DE" sz="2000" dirty="0">
+                <a:solidFill>
+                  <a:schemeClr val="tx1"/>
+                </a:solidFill>
+              </a:rPr>
+              <a:t> </a:t>
+            </a:r>
+            <a:r>
+              <a:rPr lang="de-DE" sz="2000" dirty="0" err="1">
+                <a:solidFill>
+                  <a:schemeClr val="tx1"/>
+                </a:solidFill>
+              </a:rPr>
+              <a:t>computer</a:t>
+            </a:r>
+            <a:r>
+              <a:rPr lang="de-DE" sz="2000" dirty="0">
+                <a:solidFill>
+                  <a:schemeClr val="tx1"/>
+                </a:solidFill>
+              </a:rPr>
+              <a:t> -&gt; limited </a:t>
+            </a:r>
+            <a:r>
+              <a:rPr lang="de-DE" sz="2000" dirty="0" err="1">
+                <a:solidFill>
+                  <a:schemeClr val="tx1"/>
+                </a:solidFill>
+              </a:rPr>
+              <a:t>testing</a:t>
+            </a:r>
+            <a:r>
+              <a:rPr lang="de-DE" sz="2000" dirty="0">
+                <a:solidFill>
+                  <a:schemeClr val="tx1"/>
+                </a:solidFill>
+              </a:rPr>
+              <a:t> </a:t>
+            </a:r>
+            <a:r>
+              <a:rPr lang="de-DE" sz="2000" dirty="0" err="1">
+                <a:solidFill>
+                  <a:schemeClr val="tx1"/>
+                </a:solidFill>
+              </a:rPr>
+              <a:t>methods</a:t>
+            </a:r>
+            <a:endParaRPr lang="de-DE" sz="2000" dirty="0">
+              <a:solidFill>
+                <a:schemeClr val="tx1"/>
+              </a:solidFill>
+            </a:endParaRPr>
+          </a:p>
+          <a:p>
+            <a:endParaRPr lang="de-DE" sz="2000" dirty="0">
+              <a:solidFill>
+                <a:schemeClr val="tx1"/>
+              </a:solidFill>
+            </a:endParaRPr>
+          </a:p>
+          <a:p>
+            <a:r>
+              <a:rPr lang="de-DE" sz="2000" dirty="0">
+                <a:solidFill>
+                  <a:schemeClr val="tx1"/>
+                </a:solidFill>
+              </a:rPr>
+              <a:t>Single Computer on </a:t>
+            </a:r>
+            <a:r>
+              <a:rPr lang="de-DE" sz="2000" dirty="0" err="1">
+                <a:solidFill>
+                  <a:schemeClr val="tx1"/>
+                </a:solidFill>
+              </a:rPr>
+              <a:t>localhost</a:t>
+            </a:r>
+            <a:r>
+              <a:rPr lang="de-DE" sz="2000" dirty="0">
+                <a:solidFill>
+                  <a:schemeClr val="tx1"/>
+                </a:solidFill>
+              </a:rPr>
+              <a:t> / </a:t>
+            </a:r>
+            <a:r>
+              <a:rPr lang="de-DE" sz="2000" dirty="0" err="1">
+                <a:solidFill>
+                  <a:schemeClr val="tx1"/>
+                </a:solidFill>
+              </a:rPr>
+              <a:t>port</a:t>
+            </a:r>
+            <a:r>
+              <a:rPr lang="de-DE" sz="2000" dirty="0">
+                <a:solidFill>
+                  <a:schemeClr val="tx1"/>
+                </a:solidFill>
+              </a:rPr>
+              <a:t> (</a:t>
+            </a:r>
+            <a:r>
+              <a:rPr lang="de-DE" sz="2000" dirty="0" err="1">
+                <a:solidFill>
+                  <a:schemeClr val="tx1"/>
+                </a:solidFill>
+              </a:rPr>
+              <a:t>server</a:t>
+            </a:r>
+            <a:r>
+              <a:rPr lang="de-DE" sz="2000" dirty="0">
+                <a:solidFill>
+                  <a:schemeClr val="tx1"/>
+                </a:solidFill>
+              </a:rPr>
+              <a:t> </a:t>
+            </a:r>
+            <a:r>
+              <a:rPr lang="de-DE" sz="2000" dirty="0" err="1">
+                <a:solidFill>
+                  <a:schemeClr val="tx1"/>
+                </a:solidFill>
+              </a:rPr>
+              <a:t>fixed</a:t>
+            </a:r>
+            <a:r>
+              <a:rPr lang="de-DE" sz="2000" dirty="0">
+                <a:solidFill>
+                  <a:schemeClr val="tx1"/>
+                </a:solidFill>
+              </a:rPr>
+              <a:t> </a:t>
+            </a:r>
+            <a:r>
+              <a:rPr lang="de-DE" sz="2000" dirty="0" err="1">
+                <a:solidFill>
+                  <a:schemeClr val="tx1"/>
+                </a:solidFill>
+              </a:rPr>
+              <a:t>port</a:t>
+            </a:r>
+            <a:r>
+              <a:rPr lang="de-DE" sz="2000" dirty="0">
+                <a:solidFill>
+                  <a:schemeClr val="tx1"/>
+                </a:solidFill>
+              </a:rPr>
+              <a:t>, </a:t>
+            </a:r>
+            <a:r>
+              <a:rPr lang="de-DE" sz="2000" dirty="0" err="1">
+                <a:solidFill>
+                  <a:schemeClr val="tx1"/>
+                </a:solidFill>
+              </a:rPr>
+              <a:t>clients</a:t>
+            </a:r>
+            <a:r>
+              <a:rPr lang="de-DE" sz="2000" dirty="0">
+                <a:solidFill>
+                  <a:schemeClr val="tx1"/>
+                </a:solidFill>
+              </a:rPr>
+              <a:t> flexible </a:t>
+            </a:r>
+            <a:r>
+              <a:rPr lang="de-DE" sz="2000" dirty="0" err="1">
+                <a:solidFill>
+                  <a:schemeClr val="tx1"/>
+                </a:solidFill>
+              </a:rPr>
+              <a:t>port</a:t>
+            </a:r>
+            <a:r>
+              <a:rPr lang="de-DE" sz="2000" dirty="0">
+                <a:solidFill>
+                  <a:schemeClr val="tx1"/>
+                </a:solidFill>
+              </a:rPr>
+              <a:t>)</a:t>
+            </a:r>
+          </a:p>
+          <a:p>
+            <a:endParaRPr lang="de-DE" sz="2000" dirty="0">
+              <a:solidFill>
+                <a:schemeClr val="tx1"/>
+              </a:solidFill>
+            </a:endParaRPr>
+          </a:p>
+          <a:p>
+            <a:r>
+              <a:rPr lang="de-DE" sz="2000" dirty="0" err="1">
+                <a:solidFill>
+                  <a:schemeClr val="tx1"/>
+                </a:solidFill>
+              </a:rPr>
+              <a:t>Processor</a:t>
+            </a:r>
+            <a:r>
+              <a:rPr lang="de-DE" sz="2000" dirty="0">
+                <a:solidFill>
+                  <a:schemeClr val="tx1"/>
+                </a:solidFill>
+              </a:rPr>
+              <a:t>: Intel(R) Core(TM) i5 CPU M 560 @ 2.67GHz, 2667 MHz – </a:t>
+            </a:r>
+            <a:r>
+              <a:rPr lang="de-DE" sz="2000" b="1" dirty="0">
+                <a:solidFill>
+                  <a:schemeClr val="tx1"/>
+                </a:solidFill>
+              </a:rPr>
+              <a:t>2010</a:t>
+            </a:r>
+          </a:p>
+          <a:p>
+            <a:endParaRPr lang="de-DE" sz="2000" b="1" dirty="0">
+              <a:solidFill>
+                <a:schemeClr val="tx1"/>
+              </a:solidFill>
+            </a:endParaRPr>
+          </a:p>
+          <a:p>
+            <a:endParaRPr lang="de-DE" sz="2000" b="1" dirty="0">
+              <a:solidFill>
+                <a:schemeClr val="tx1"/>
+              </a:solidFill>
+            </a:endParaRPr>
+          </a:p>
+          <a:p>
+            <a:endParaRPr lang="de-DE" sz="2000" dirty="0">
+              <a:solidFill>
+                <a:schemeClr val="tx1"/>
+              </a:solidFill>
+            </a:endParaRPr>
+          </a:p>
+          <a:p>
+            <a:endParaRPr lang="de-DE" sz="2000" dirty="0">
+              <a:solidFill>
+                <a:schemeClr val="tx1"/>
+              </a:solidFill>
+            </a:endParaRPr>
+          </a:p>
+        </p:txBody>
+      </p:sp>
+    </p:spTree>
+    <p:extLst>
+      <p:ext uri="{BB962C8B-B14F-4D97-AF65-F5344CB8AC3E}">
+        <p14:creationId xmlns:p14="http://schemas.microsoft.com/office/powerpoint/2010/main" val="572562583"/>
+      </p:ext>
+    </p:extLst>
+  </p:cSld>
+  <p:clrMapOvr>
+    <a:masterClrMapping/>
+  </p:clrMapOvr>
+</p:sld>
+</file>
+
+<file path=ppt/slides/slide12.xml><?xml version="1.0" encoding="utf-8"?>
+<p:sld xmlns:a="http://schemas.openxmlformats.org/drawingml/2006/main" xmlns:r="http://schemas.openxmlformats.org/officeDocument/2006/relationships" xmlns:p="http://schemas.openxmlformats.org/presentationml/2006/main">
+  <p:cSld>
+    <p:spTree>
+      <p:nvGrpSpPr>
+        <p:cNvPr id="1" name=""/>
+        <p:cNvGrpSpPr/>
+        <p:nvPr/>
+      </p:nvGrpSpPr>
+      <p:grpSpPr>
+        <a:xfrm>
+          <a:off x="0" y="0"/>
+          <a:ext cx="0" cy="0"/>
+          <a:chOff x="0" y="0"/>
+          <a:chExt cx="0" cy="0"/>
+        </a:xfrm>
+      </p:grpSpPr>
+      <p:sp>
+        <p:nvSpPr>
           <p:cNvPr id="2" name="Titel 1">
             <a:extLst>
               <a:ext uri="{FF2B5EF4-FFF2-40B4-BE49-F238E27FC236}">
@@ -2418,7 +3244,7 @@
         <p:spPr>
           <a:xfrm>
             <a:off x="685800" y="1524001"/>
-            <a:ext cx="5181600" cy="3139321"/>
+            <a:ext cx="5181600" cy="1938992"/>
           </a:xfrm>
         </p:spPr>
         <p:txBody>
@@ -2426,41 +3252,33 @@
           <a:lstStyle/>
           <a:p>
             <a:r>
-              <a:rPr lang="de-DE" dirty="0">
-                <a:solidFill>
-                  <a:schemeClr val="tx1"/>
-                </a:solidFill>
-              </a:rPr>
-              <a:t>TCP:</a:t>
-            </a:r>
-          </a:p>
-          <a:p>
-            <a:r>
-              <a:rPr lang="de-DE" sz="2400" dirty="0">
-                <a:solidFill>
-                  <a:schemeClr val="tx1"/>
-                </a:solidFill>
-              </a:rPr>
-              <a:t>- More </a:t>
-            </a:r>
-            <a:r>
-              <a:rPr lang="de-DE" sz="2400" dirty="0" err="1">
-                <a:solidFill>
-                  <a:schemeClr val="tx1"/>
-                </a:solidFill>
-              </a:rPr>
-              <a:t>connection</a:t>
-            </a:r>
-            <a:r>
-              <a:rPr lang="de-DE" sz="2400" dirty="0">
-                <a:solidFill>
-                  <a:schemeClr val="tx1"/>
-                </a:solidFill>
-              </a:rPr>
-              <a:t> </a:t>
-            </a:r>
-            <a:r>
-              <a:rPr lang="de-DE" sz="2400" dirty="0" err="1">
+              <a:rPr lang="de-DE" sz="1800" b="1" dirty="0">
+                <a:solidFill>
+                  <a:schemeClr val="tx1"/>
+                </a:solidFill>
+              </a:rPr>
+              <a:t>TCP</a:t>
+            </a:r>
+            <a:r>
+              <a:rPr lang="de-DE" sz="1800" dirty="0">
+                <a:solidFill>
+                  <a:schemeClr val="tx1"/>
+                </a:solidFill>
+              </a:rPr>
+              <a:t>:</a:t>
+            </a:r>
+          </a:p>
+          <a:p>
+            <a:r>
+              <a:rPr lang="de-DE" sz="1800" dirty="0">
+                <a:solidFill>
+                  <a:schemeClr val="tx1"/>
+                </a:solidFill>
+              </a:rPr>
+              <a:t>- Connection </a:t>
+            </a:r>
+            <a:r>
+              <a:rPr lang="de-DE" sz="1800" dirty="0" err="1">
                 <a:solidFill>
                   <a:schemeClr val="tx1"/>
                 </a:solidFill>
@@ -2468,15 +3286,15 @@
               <a:t>closed</a:t>
             </a:r>
             <a:r>
-              <a:rPr lang="de-DE" sz="2400" dirty="0">
-                <a:solidFill>
-                  <a:schemeClr val="tx1"/>
-                </a:solidFill>
-              </a:rPr>
-              <a:t> </a:t>
-            </a:r>
-            <a:r>
-              <a:rPr lang="de-DE" sz="2400" dirty="0" err="1">
+              <a:rPr lang="de-DE" sz="1800" dirty="0">
+                <a:solidFill>
+                  <a:schemeClr val="tx1"/>
+                </a:solidFill>
+              </a:rPr>
+              <a:t> </a:t>
+            </a:r>
+            <a:r>
+              <a:rPr lang="de-DE" sz="1800" dirty="0" err="1">
                 <a:solidFill>
                   <a:schemeClr val="tx1"/>
                 </a:solidFill>
@@ -2484,7 +3302,7 @@
               <a:t>responses</a:t>
             </a:r>
             <a:r>
-              <a:rPr lang="de-DE" sz="2400" dirty="0">
+              <a:rPr lang="de-DE" sz="1800" dirty="0">
                 <a:solidFill>
                   <a:schemeClr val="tx1"/>
                 </a:solidFill>
@@ -2498,7 +3316,7 @@
               <a:buChar char="-"/>
             </a:pPr>
             <a:r>
-              <a:rPr lang="de-DE" sz="2400" dirty="0">
+              <a:rPr lang="de-DE" sz="1800" dirty="0">
                 <a:solidFill>
                   <a:schemeClr val="tx1"/>
                 </a:solidFill>
@@ -2506,7 +3324,7 @@
               <a:t>More </a:t>
             </a:r>
             <a:r>
-              <a:rPr lang="de-DE" sz="2400" dirty="0" err="1">
+              <a:rPr lang="de-DE" sz="1800" dirty="0" err="1">
                 <a:solidFill>
                   <a:schemeClr val="tx1"/>
                 </a:solidFill>
@@ -2514,7 +3332,7 @@
               <a:t>reliant</a:t>
             </a:r>
             <a:r>
-              <a:rPr lang="de-DE" sz="2400" dirty="0">
+              <a:rPr lang="de-DE" sz="1800" dirty="0">
                 <a:solidFill>
                   <a:schemeClr val="tx1"/>
                 </a:solidFill>
@@ -2522,14 +3340,14 @@
               <a:t> on larger </a:t>
             </a:r>
             <a:r>
-              <a:rPr lang="de-DE" sz="2400" dirty="0" err="1">
+              <a:rPr lang="de-DE" sz="1800" dirty="0" err="1">
                 <a:solidFill>
                   <a:schemeClr val="tx1"/>
                 </a:solidFill>
               </a:rPr>
               <a:t>packets</a:t>
             </a:r>
-            <a:endParaRPr lang="de-DE" sz="2400" dirty="0">
+            <a:endParaRPr lang="de-DE" sz="1800" dirty="0">
               <a:solidFill>
                 <a:schemeClr val="tx1"/>
               </a:solidFill>
@@ -2537,23 +3355,15 @@
           </a:p>
           <a:p>
             <a:r>
-              <a:rPr lang="de-DE" sz="2400">
-                <a:solidFill>
-                  <a:schemeClr val="tx1"/>
-                </a:solidFill>
-              </a:rPr>
-              <a:t>-&gt; </a:t>
-            </a:r>
-            <a:r>
-              <a:rPr lang="de-DE" sz="2400" dirty="0">
-                <a:solidFill>
-                  <a:schemeClr val="tx1"/>
-                </a:solidFill>
-              </a:rPr>
-              <a:t>still </a:t>
-            </a:r>
-            <a:r>
-              <a:rPr lang="de-DE" sz="2400" dirty="0" err="1">
+              <a:rPr lang="de-DE" sz="1800" dirty="0">
+                <a:solidFill>
+                  <a:schemeClr val="tx1"/>
+                </a:solidFill>
+              </a:rPr>
+              <a:t>   -&gt; still </a:t>
+            </a:r>
+            <a:r>
+              <a:rPr lang="de-DE" sz="1800" dirty="0" err="1">
                 <a:solidFill>
                   <a:schemeClr val="tx1"/>
                 </a:solidFill>
@@ -2561,15 +3371,15 @@
               <a:t>problems</a:t>
             </a:r>
             <a:r>
-              <a:rPr lang="de-DE" sz="2400" dirty="0">
-                <a:solidFill>
-                  <a:schemeClr val="tx1"/>
-                </a:solidFill>
-              </a:rPr>
-              <a:t> </a:t>
-            </a:r>
-            <a:r>
-              <a:rPr lang="de-DE" sz="2400" dirty="0" err="1">
+              <a:rPr lang="de-DE" sz="1800" dirty="0">
+                <a:solidFill>
+                  <a:schemeClr val="tx1"/>
+                </a:solidFill>
+              </a:rPr>
+              <a:t> </a:t>
+            </a:r>
+            <a:r>
+              <a:rPr lang="de-DE" sz="1800" dirty="0" err="1">
                 <a:solidFill>
                   <a:schemeClr val="tx1"/>
                 </a:solidFill>
@@ -2577,7 +3387,7 @@
               <a:t>when</a:t>
             </a:r>
             <a:r>
-              <a:rPr lang="de-DE" sz="2400" dirty="0">
+              <a:rPr lang="de-DE" sz="1800" dirty="0">
                 <a:solidFill>
                   <a:schemeClr val="tx1"/>
                 </a:solidFill>
@@ -2585,7 +3395,7 @@
               <a:t> lots </a:t>
             </a:r>
             <a:r>
-              <a:rPr lang="de-DE" sz="2400" dirty="0" err="1">
+              <a:rPr lang="de-DE" sz="1800" dirty="0" err="1">
                 <a:solidFill>
                   <a:schemeClr val="tx1"/>
                 </a:solidFill>
@@ -2593,15 +3403,15 @@
               <a:t>of</a:t>
             </a:r>
             <a:r>
-              <a:rPr lang="de-DE" sz="2400" dirty="0">
-                <a:solidFill>
-                  <a:schemeClr val="tx1"/>
-                </a:solidFill>
-              </a:rPr>
-              <a:t> </a:t>
-            </a:r>
-            <a:r>
-              <a:rPr lang="de-DE" sz="2400" dirty="0" err="1">
+              <a:rPr lang="de-DE" sz="1800" dirty="0">
+                <a:solidFill>
+                  <a:schemeClr val="tx1"/>
+                </a:solidFill>
+              </a:rPr>
+              <a:t> </a:t>
+            </a:r>
+            <a:r>
+              <a:rPr lang="de-DE" sz="1800" dirty="0" err="1">
                 <a:solidFill>
                   <a:schemeClr val="tx1"/>
                 </a:solidFill>
@@ -2609,15 +3419,15 @@
               <a:t>data</a:t>
             </a:r>
             <a:r>
-              <a:rPr lang="de-DE" sz="2400" dirty="0">
-                <a:solidFill>
-                  <a:schemeClr val="tx1"/>
-                </a:solidFill>
-              </a:rPr>
-              <a:t> in </a:t>
-            </a:r>
-            <a:r>
-              <a:rPr lang="de-DE" sz="2400" dirty="0" err="1">
+              <a:rPr lang="de-DE" sz="1800" dirty="0">
+                <a:solidFill>
+                  <a:schemeClr val="tx1"/>
+                </a:solidFill>
+              </a:rPr>
+              <a:t> in      	</a:t>
+            </a:r>
+            <a:r>
+              <a:rPr lang="de-DE" sz="1800" dirty="0" err="1">
                 <a:solidFill>
                   <a:schemeClr val="tx1"/>
                 </a:solidFill>
@@ -2625,7 +3435,7 @@
               <a:t>short</a:t>
             </a:r>
             <a:r>
-              <a:rPr lang="de-DE" sz="2400" dirty="0">
+              <a:rPr lang="de-DE" sz="1800" dirty="0">
                 <a:solidFill>
                   <a:schemeClr val="tx1"/>
                 </a:solidFill>
@@ -2633,21 +3443,21 @@
               <a:t> time on same </a:t>
             </a:r>
             <a:r>
-              <a:rPr lang="de-DE" sz="2400" dirty="0" err="1">
+              <a:rPr lang="de-DE" sz="1800" dirty="0" err="1">
                 <a:solidFill>
                   <a:schemeClr val="tx1"/>
                 </a:solidFill>
               </a:rPr>
               <a:t>port</a:t>
             </a:r>
-            <a:endParaRPr lang="de-DE" sz="2400" dirty="0">
+            <a:endParaRPr lang="de-DE" sz="1800" dirty="0">
               <a:solidFill>
                 <a:schemeClr val="tx1"/>
               </a:solidFill>
             </a:endParaRPr>
           </a:p>
           <a:p>
-            <a:endParaRPr lang="de-DE" dirty="0">
+            <a:endParaRPr lang="de-DE" sz="1800" dirty="0">
               <a:solidFill>
                 <a:schemeClr val="tx1"/>
               </a:solidFill>
@@ -2672,7 +3482,7 @@
         <p:spPr>
           <a:xfrm>
             <a:off x="5867400" y="1524001"/>
-            <a:ext cx="5410200" cy="4062651"/>
+            <a:ext cx="5410200" cy="1938992"/>
           </a:xfrm>
           <a:prstGeom prst="rect">
             <a:avLst/>
@@ -2752,12 +3562,20 @@
           </a:lstStyle>
           <a:p>
             <a:r>
-              <a:rPr lang="de-DE" kern="0" dirty="0">
-                <a:solidFill>
-                  <a:schemeClr val="tx1"/>
-                </a:solidFill>
-              </a:rPr>
-              <a:t>UDP:</a:t>
+              <a:rPr lang="de-DE" sz="1800" b="1" kern="0" dirty="0">
+                <a:solidFill>
+                  <a:schemeClr val="tx1"/>
+                </a:solidFill>
+              </a:rPr>
+              <a:t>UDP</a:t>
+            </a:r>
+            <a:r>
+              <a:rPr lang="de-DE" sz="1800" kern="0" dirty="0">
+                <a:solidFill>
+                  <a:schemeClr val="tx1"/>
+                </a:solidFill>
+              </a:rPr>
+              <a:t>:</a:t>
             </a:r>
           </a:p>
           <a:p>
@@ -2766,7 +3584,7 @@
               <a:buChar char="-"/>
             </a:pPr>
             <a:r>
-              <a:rPr lang="de-DE" sz="2400" kern="0" dirty="0">
+              <a:rPr lang="de-DE" sz="1800" kern="0" dirty="0">
                 <a:solidFill>
                   <a:schemeClr val="tx1"/>
                 </a:solidFill>
@@ -2774,7 +3592,7 @@
               <a:t>Not possible </a:t>
             </a:r>
             <a:r>
-              <a:rPr lang="de-DE" sz="2400" kern="0" dirty="0" err="1">
+              <a:rPr lang="de-DE" sz="1800" kern="0" dirty="0" err="1">
                 <a:solidFill>
                   <a:schemeClr val="tx1"/>
                 </a:solidFill>
@@ -2782,15 +3600,15 @@
               <a:t>to</a:t>
             </a:r>
             <a:r>
-              <a:rPr lang="de-DE" sz="2400" kern="0" dirty="0">
-                <a:solidFill>
-                  <a:schemeClr val="tx1"/>
-                </a:solidFill>
-              </a:rPr>
-              <a:t> </a:t>
-            </a:r>
-            <a:r>
-              <a:rPr lang="de-DE" sz="2400" kern="0" dirty="0" err="1">
+              <a:rPr lang="de-DE" sz="1800" kern="0" dirty="0">
+                <a:solidFill>
+                  <a:schemeClr val="tx1"/>
+                </a:solidFill>
+              </a:rPr>
+              <a:t> </a:t>
+            </a:r>
+            <a:r>
+              <a:rPr lang="de-DE" sz="1800" kern="0" dirty="0" err="1">
                 <a:solidFill>
                   <a:schemeClr val="tx1"/>
                 </a:solidFill>
@@ -2798,15 +3616,15 @@
               <a:t>see</a:t>
             </a:r>
             <a:r>
-              <a:rPr lang="de-DE" sz="2400" kern="0" dirty="0">
-                <a:solidFill>
-                  <a:schemeClr val="tx1"/>
-                </a:solidFill>
-              </a:rPr>
-              <a:t> </a:t>
-            </a:r>
-            <a:r>
-              <a:rPr lang="de-DE" sz="2400" kern="0" dirty="0" err="1">
+              <a:rPr lang="de-DE" sz="1800" kern="0" dirty="0">
+                <a:solidFill>
+                  <a:schemeClr val="tx1"/>
+                </a:solidFill>
+              </a:rPr>
+              <a:t> </a:t>
+            </a:r>
+            <a:r>
+              <a:rPr lang="de-DE" sz="1800" kern="0" dirty="0" err="1">
                 <a:solidFill>
                   <a:schemeClr val="tx1"/>
                 </a:solidFill>
@@ -2814,15 +3632,15 @@
               <a:t>if</a:t>
             </a:r>
             <a:r>
-              <a:rPr lang="de-DE" sz="2400" kern="0" dirty="0">
-                <a:solidFill>
-                  <a:schemeClr val="tx1"/>
-                </a:solidFill>
-              </a:rPr>
-              <a:t> </a:t>
-            </a:r>
-            <a:r>
-              <a:rPr lang="de-DE" sz="2400" kern="0" dirty="0" err="1">
+              <a:rPr lang="de-DE" sz="1800" kern="0" dirty="0">
+                <a:solidFill>
+                  <a:schemeClr val="tx1"/>
+                </a:solidFill>
+              </a:rPr>
+              <a:t> </a:t>
+            </a:r>
+            <a:r>
+              <a:rPr lang="de-DE" sz="1800" kern="0" dirty="0" err="1">
                 <a:solidFill>
                   <a:schemeClr val="tx1"/>
                 </a:solidFill>
@@ -2830,7 +3648,7 @@
               <a:t>client</a:t>
             </a:r>
             <a:r>
-              <a:rPr lang="de-DE" sz="2400" kern="0" dirty="0">
+              <a:rPr lang="de-DE" sz="1800" kern="0" dirty="0">
                 <a:solidFill>
                   <a:schemeClr val="tx1"/>
                 </a:solidFill>
@@ -2838,7 +3656,7 @@
               <a:t>/</a:t>
             </a:r>
             <a:r>
-              <a:rPr lang="de-DE" sz="2400" kern="0" dirty="0" err="1">
+              <a:rPr lang="de-DE" sz="1800" kern="0" dirty="0" err="1">
                 <a:solidFill>
                   <a:schemeClr val="tx1"/>
                 </a:solidFill>
@@ -2846,15 +3664,15 @@
               <a:t>server</a:t>
             </a:r>
             <a:r>
-              <a:rPr lang="de-DE" sz="2400" kern="0" dirty="0">
-                <a:solidFill>
-                  <a:schemeClr val="tx1"/>
-                </a:solidFill>
-              </a:rPr>
-              <a:t> </a:t>
-            </a:r>
-            <a:r>
-              <a:rPr lang="de-DE" sz="2400" kern="0" dirty="0" err="1">
+              <a:rPr lang="de-DE" sz="1800" kern="0" dirty="0">
+                <a:solidFill>
+                  <a:schemeClr val="tx1"/>
+                </a:solidFill>
+              </a:rPr>
+              <a:t> </a:t>
+            </a:r>
+            <a:r>
+              <a:rPr lang="de-DE" sz="1800" kern="0" dirty="0" err="1">
                 <a:solidFill>
                   <a:schemeClr val="tx1"/>
                 </a:solidFill>
@@ -2862,15 +3680,15 @@
               <a:t>is</a:t>
             </a:r>
             <a:r>
-              <a:rPr lang="de-DE" sz="2400" kern="0" dirty="0">
-                <a:solidFill>
-                  <a:schemeClr val="tx1"/>
-                </a:solidFill>
-              </a:rPr>
-              <a:t> </a:t>
-            </a:r>
-            <a:r>
-              <a:rPr lang="de-DE" sz="2400" kern="0" dirty="0" err="1">
+              <a:rPr lang="de-DE" sz="1800" kern="0" dirty="0">
+                <a:solidFill>
+                  <a:schemeClr val="tx1"/>
+                </a:solidFill>
+              </a:rPr>
+              <a:t> </a:t>
+            </a:r>
+            <a:r>
+              <a:rPr lang="de-DE" sz="1800" kern="0" dirty="0" err="1">
                 <a:solidFill>
                   <a:schemeClr val="tx1"/>
                 </a:solidFill>
@@ -2878,7 +3696,7 @@
               <a:t>up</a:t>
             </a:r>
             <a:r>
-              <a:rPr lang="de-DE" sz="2400" kern="0" dirty="0">
+              <a:rPr lang="de-DE" sz="1800" kern="0" dirty="0">
                 <a:solidFill>
                   <a:schemeClr val="tx1"/>
                 </a:solidFill>
@@ -2886,7 +3704,7 @@
               <a:t>, </a:t>
             </a:r>
             <a:r>
-              <a:rPr lang="de-DE" sz="2400" kern="0" dirty="0" err="1">
+              <a:rPr lang="de-DE" sz="1800" kern="0" dirty="0" err="1">
                 <a:solidFill>
                   <a:schemeClr val="tx1"/>
                 </a:solidFill>
@@ -2894,15 +3712,15 @@
               <a:t>without</a:t>
             </a:r>
             <a:r>
-              <a:rPr lang="de-DE" sz="2400" kern="0" dirty="0">
-                <a:solidFill>
-                  <a:schemeClr val="tx1"/>
-                </a:solidFill>
-              </a:rPr>
-              <a:t> </a:t>
-            </a:r>
-            <a:r>
-              <a:rPr lang="de-DE" sz="2400" kern="0" dirty="0" err="1">
+              <a:rPr lang="de-DE" sz="1800" kern="0" dirty="0">
+                <a:solidFill>
+                  <a:schemeClr val="tx1"/>
+                </a:solidFill>
+              </a:rPr>
+              <a:t> </a:t>
+            </a:r>
+            <a:r>
+              <a:rPr lang="de-DE" sz="1800" kern="0" dirty="0" err="1">
                 <a:solidFill>
                   <a:schemeClr val="tx1"/>
                 </a:solidFill>
@@ -2910,15 +3728,15 @@
               <a:t>no</a:t>
             </a:r>
             <a:r>
-              <a:rPr lang="de-DE" sz="2400" kern="0" dirty="0">
-                <a:solidFill>
-                  <a:schemeClr val="tx1"/>
-                </a:solidFill>
-              </a:rPr>
-              <a:t> </a:t>
-            </a:r>
-            <a:r>
-              <a:rPr lang="de-DE" sz="2400" kern="0" dirty="0" err="1">
+              <a:rPr lang="de-DE" sz="1800" kern="0" dirty="0">
+                <a:solidFill>
+                  <a:schemeClr val="tx1"/>
+                </a:solidFill>
+              </a:rPr>
+              <a:t> </a:t>
+            </a:r>
+            <a:r>
+              <a:rPr lang="de-DE" sz="1800" kern="0" dirty="0" err="1">
                 <a:solidFill>
                   <a:schemeClr val="tx1"/>
                 </a:solidFill>
@@ -2926,22 +3744,22 @@
               <a:t>programmed</a:t>
             </a:r>
             <a:r>
-              <a:rPr lang="de-DE" sz="2400" kern="0" dirty="0">
-                <a:solidFill>
-                  <a:schemeClr val="tx1"/>
-                </a:solidFill>
-              </a:rPr>
-              <a:t> </a:t>
-            </a:r>
-            <a:r>
-              <a:rPr lang="de-DE" sz="2400" kern="0" dirty="0" err="1">
+              <a:rPr lang="de-DE" sz="1800" kern="0" dirty="0">
+                <a:solidFill>
+                  <a:schemeClr val="tx1"/>
+                </a:solidFill>
+              </a:rPr>
+              <a:t> </a:t>
+            </a:r>
+            <a:r>
+              <a:rPr lang="de-DE" sz="1800" kern="0" dirty="0" err="1">
                 <a:solidFill>
                   <a:schemeClr val="tx1"/>
                 </a:solidFill>
               </a:rPr>
               <a:t>response</a:t>
             </a:r>
-            <a:endParaRPr lang="de-DE" sz="2400" kern="0" dirty="0">
+            <a:endParaRPr lang="de-DE" sz="1800" kern="0" dirty="0">
               <a:solidFill>
                 <a:schemeClr val="tx1"/>
               </a:solidFill>
@@ -2953,7 +3771,7 @@
               <a:buChar char="-"/>
             </a:pPr>
             <a:r>
-              <a:rPr lang="de-DE" sz="2400" kern="0" dirty="0">
+              <a:rPr lang="de-DE" sz="1800" kern="0" dirty="0">
                 <a:solidFill>
                   <a:schemeClr val="tx1"/>
                 </a:solidFill>
@@ -2961,7 +3779,7 @@
               <a:t>Hard </a:t>
             </a:r>
             <a:r>
-              <a:rPr lang="de-DE" sz="2400" kern="0" dirty="0" err="1">
+              <a:rPr lang="de-DE" sz="1800" kern="0" dirty="0" err="1">
                 <a:solidFill>
                   <a:schemeClr val="tx1"/>
                 </a:solidFill>
@@ -2969,15 +3787,15 @@
               <a:t>to</a:t>
             </a:r>
             <a:r>
-              <a:rPr lang="de-DE" sz="2400" kern="0" dirty="0">
-                <a:solidFill>
-                  <a:schemeClr val="tx1"/>
-                </a:solidFill>
-              </a:rPr>
-              <a:t> </a:t>
-            </a:r>
-            <a:r>
-              <a:rPr lang="de-DE" sz="2400" kern="0" dirty="0" err="1">
+              <a:rPr lang="de-DE" sz="1800" kern="0" dirty="0">
+                <a:solidFill>
+                  <a:schemeClr val="tx1"/>
+                </a:solidFill>
+              </a:rPr>
+              <a:t> </a:t>
+            </a:r>
+            <a:r>
+              <a:rPr lang="de-DE" sz="1800" kern="0" dirty="0" err="1">
                 <a:solidFill>
                   <a:schemeClr val="tx1"/>
                 </a:solidFill>
@@ -2985,15 +3803,15 @@
               <a:t>determine</a:t>
             </a:r>
             <a:r>
-              <a:rPr lang="de-DE" sz="2400" kern="0" dirty="0">
-                <a:solidFill>
-                  <a:schemeClr val="tx1"/>
-                </a:solidFill>
-              </a:rPr>
-              <a:t> </a:t>
-            </a:r>
-            <a:r>
-              <a:rPr lang="de-DE" sz="2400" kern="0" dirty="0" err="1">
+              <a:rPr lang="de-DE" sz="1800" kern="0" dirty="0">
+                <a:solidFill>
+                  <a:schemeClr val="tx1"/>
+                </a:solidFill>
+              </a:rPr>
+              <a:t> </a:t>
+            </a:r>
+            <a:r>
+              <a:rPr lang="de-DE" sz="1800" kern="0" dirty="0" err="1">
                 <a:solidFill>
                   <a:schemeClr val="tx1"/>
                 </a:solidFill>
@@ -3001,15 +3819,15 @@
               <a:t>which</a:t>
             </a:r>
             <a:r>
-              <a:rPr lang="de-DE" sz="2400" kern="0" dirty="0">
-                <a:solidFill>
-                  <a:schemeClr val="tx1"/>
-                </a:solidFill>
-              </a:rPr>
-              <a:t> </a:t>
-            </a:r>
-            <a:r>
-              <a:rPr lang="de-DE" sz="2400" kern="0" dirty="0" err="1">
+              <a:rPr lang="de-DE" sz="1800" kern="0" dirty="0">
+                <a:solidFill>
+                  <a:schemeClr val="tx1"/>
+                </a:solidFill>
+              </a:rPr>
+              <a:t> </a:t>
+            </a:r>
+            <a:r>
+              <a:rPr lang="de-DE" sz="1800" kern="0" dirty="0" err="1">
                 <a:solidFill>
                   <a:schemeClr val="tx1"/>
                 </a:solidFill>
@@ -3017,15 +3835,15 @@
               <a:t>paket</a:t>
             </a:r>
             <a:r>
-              <a:rPr lang="de-DE" sz="2400" kern="0" dirty="0">
-                <a:solidFill>
-                  <a:schemeClr val="tx1"/>
-                </a:solidFill>
-              </a:rPr>
-              <a:t> </a:t>
-            </a:r>
-            <a:r>
-              <a:rPr lang="de-DE" sz="2400" kern="0" dirty="0" err="1">
+              <a:rPr lang="de-DE" sz="1800" kern="0" dirty="0">
+                <a:solidFill>
+                  <a:schemeClr val="tx1"/>
+                </a:solidFill>
+              </a:rPr>
+              <a:t> </a:t>
+            </a:r>
+            <a:r>
+              <a:rPr lang="de-DE" sz="1800" kern="0" dirty="0" err="1">
                 <a:solidFill>
                   <a:schemeClr val="tx1"/>
                 </a:solidFill>
@@ -3033,7 +3851,7 @@
               <a:t>arrived</a:t>
             </a:r>
             <a:r>
-              <a:rPr lang="de-DE" sz="2400" kern="0" dirty="0">
+              <a:rPr lang="de-DE" sz="1800" kern="0" dirty="0">
                 <a:solidFill>
                   <a:schemeClr val="tx1"/>
                 </a:solidFill>
@@ -3043,7 +3861,7 @@
           </a:p>
           <a:p>
             <a:r>
-              <a:rPr lang="de-DE" sz="2400" kern="0" dirty="0">
+              <a:rPr lang="de-DE" sz="1800" kern="0" dirty="0">
                 <a:solidFill>
                   <a:schemeClr val="tx1"/>
                 </a:solidFill>
@@ -3051,7 +3869,7 @@
               <a:t>	</a:t>
             </a:r>
             <a:r>
-              <a:rPr lang="de-DE" sz="2400" kern="0" dirty="0" err="1">
+              <a:rPr lang="de-DE" sz="1800" kern="0" dirty="0" err="1">
                 <a:solidFill>
                   <a:schemeClr val="tx1"/>
                 </a:solidFill>
@@ -3059,15 +3877,15 @@
               <a:t>paket</a:t>
             </a:r>
             <a:r>
-              <a:rPr lang="de-DE" sz="2400" kern="0" dirty="0">
-                <a:solidFill>
-                  <a:schemeClr val="tx1"/>
-                </a:solidFill>
-              </a:rPr>
-              <a:t> </a:t>
-            </a:r>
-            <a:r>
-              <a:rPr lang="de-DE" sz="2400" kern="0" dirty="0" err="1">
+              <a:rPr lang="de-DE" sz="1800" kern="0" dirty="0">
+                <a:solidFill>
+                  <a:schemeClr val="tx1"/>
+                </a:solidFill>
+              </a:rPr>
+              <a:t> </a:t>
+            </a:r>
+            <a:r>
+              <a:rPr lang="de-DE" sz="1800" kern="0" dirty="0" err="1">
                 <a:solidFill>
                   <a:schemeClr val="tx1"/>
                 </a:solidFill>
@@ -3075,7 +3893,7 @@
               <a:t>length</a:t>
             </a:r>
             <a:r>
-              <a:rPr lang="de-DE" sz="2400" kern="0" dirty="0">
+              <a:rPr lang="de-DE" sz="1800" kern="0" dirty="0">
                 <a:solidFill>
                   <a:schemeClr val="tx1"/>
                 </a:solidFill>
@@ -3083,14 +3901,14 @@
               <a:t> &gt; </a:t>
             </a:r>
             <a:r>
-              <a:rPr lang="de-DE" sz="2400" kern="0" dirty="0" err="1">
+              <a:rPr lang="de-DE" sz="1800" kern="0" dirty="0" err="1">
                 <a:solidFill>
                   <a:schemeClr val="tx1"/>
                 </a:solidFill>
               </a:rPr>
               <a:t>buffersize</a:t>
             </a:r>
-            <a:endParaRPr lang="de-DE" sz="2400" kern="0" dirty="0">
+            <a:endParaRPr lang="de-DE" sz="1800" kern="0" dirty="0">
               <a:solidFill>
                 <a:schemeClr val="tx1"/>
               </a:solidFill>
@@ -3101,14 +3919,14 @@
               <a:buFontTx/>
               <a:buChar char="-"/>
             </a:pPr>
-            <a:endParaRPr lang="de-DE" sz="3600" kern="0" dirty="0">
+            <a:endParaRPr lang="de-DE" sz="1800" kern="0" dirty="0">
               <a:solidFill>
                 <a:schemeClr val="tx1"/>
               </a:solidFill>
             </a:endParaRPr>
           </a:p>
           <a:p>
-            <a:endParaRPr lang="de-DE" kern="0" dirty="0">
+            <a:endParaRPr lang="de-DE" sz="1800" kern="0" dirty="0">
               <a:solidFill>
                 <a:schemeClr val="tx1"/>
               </a:solidFill>
@@ -3133,7 +3951,7 @@
         <p:spPr>
           <a:xfrm>
             <a:off x="685800" y="4478656"/>
-            <a:ext cx="11049000" cy="3046988"/>
+            <a:ext cx="11049000" cy="1661993"/>
           </a:xfrm>
           <a:prstGeom prst="rect">
             <a:avLst/>
@@ -3213,17 +4031,25 @@
           </a:lstStyle>
           <a:p>
             <a:r>
-              <a:rPr lang="de-DE" kern="0" dirty="0">
-                <a:solidFill>
-                  <a:schemeClr val="tx1"/>
-                </a:solidFill>
-              </a:rPr>
-              <a:t>Both:</a:t>
-            </a:r>
-          </a:p>
-          <a:p>
-            <a:r>
-              <a:rPr lang="de-DE" sz="2400" kern="0" dirty="0">
+              <a:rPr lang="de-DE" sz="1800" b="1" kern="0" dirty="0">
+                <a:solidFill>
+                  <a:schemeClr val="tx1"/>
+                </a:solidFill>
+              </a:rPr>
+              <a:t>Both</a:t>
+            </a:r>
+            <a:r>
+              <a:rPr lang="de-DE" sz="1800" kern="0" dirty="0">
+                <a:solidFill>
+                  <a:schemeClr val="tx1"/>
+                </a:solidFill>
+              </a:rPr>
+              <a:t>:</a:t>
+            </a:r>
+          </a:p>
+          <a:p>
+            <a:r>
+              <a:rPr lang="de-DE" sz="1800" kern="0" dirty="0">
                 <a:solidFill>
                   <a:schemeClr val="tx1"/>
                 </a:solidFill>
@@ -3231,7 +4057,7 @@
               <a:t>-Easy </a:t>
             </a:r>
             <a:r>
-              <a:rPr lang="de-DE" sz="2400" kern="0" dirty="0" err="1">
+              <a:rPr lang="de-DE" sz="1800" kern="0" dirty="0" err="1">
                 <a:solidFill>
                   <a:schemeClr val="tx1"/>
                 </a:solidFill>
@@ -3239,15 +4065,31 @@
               <a:t>to</a:t>
             </a:r>
             <a:r>
-              <a:rPr lang="de-DE" sz="2400" kern="0" dirty="0">
-                <a:solidFill>
-                  <a:schemeClr val="tx1"/>
-                </a:solidFill>
-              </a:rPr>
-              <a:t> fake IP/Port and </a:t>
-            </a:r>
-            <a:r>
-              <a:rPr lang="de-DE" sz="2400" kern="0" dirty="0" err="1">
+              <a:rPr lang="de-DE" sz="1800" kern="0" dirty="0">
+                <a:solidFill>
+                  <a:schemeClr val="tx1"/>
+                </a:solidFill>
+              </a:rPr>
+              <a:t> fake IP/Port and fake </a:t>
+            </a:r>
+            <a:r>
+              <a:rPr lang="de-DE" sz="1800" kern="0" dirty="0" err="1">
+                <a:solidFill>
+                  <a:schemeClr val="tx1"/>
+                </a:solidFill>
+              </a:rPr>
+              <a:t>to</a:t>
+            </a:r>
+            <a:r>
+              <a:rPr lang="de-DE" sz="1800" kern="0" dirty="0">
+                <a:solidFill>
+                  <a:schemeClr val="tx1"/>
+                </a:solidFill>
+              </a:rPr>
+              <a:t> </a:t>
+            </a:r>
+            <a:r>
+              <a:rPr lang="de-DE" sz="1800" kern="0" dirty="0" err="1">
                 <a:solidFill>
                   <a:schemeClr val="tx1"/>
                 </a:solidFill>
@@ -3255,69 +4097,98 @@
               <a:t>be</a:t>
             </a:r>
             <a:r>
-              <a:rPr lang="de-DE" sz="2400" kern="0" dirty="0">
-                <a:solidFill>
-                  <a:schemeClr val="tx1"/>
-                </a:solidFill>
-              </a:rPr>
-              <a:t> Nick, Max, Juan</a:t>
-            </a:r>
-          </a:p>
-          <a:p>
-            <a:r>
-              <a:rPr lang="de-DE" sz="2400" kern="0" dirty="0">
-                <a:solidFill>
-                  <a:schemeClr val="tx1"/>
-                </a:solidFill>
-              </a:rPr>
-              <a:t>-</a:t>
-            </a:r>
-            <a:r>
-              <a:rPr lang="de-DE" sz="2400" kern="0" dirty="0" err="1">
-                <a:solidFill>
-                  <a:schemeClr val="tx1"/>
-                </a:solidFill>
-              </a:rPr>
-              <a:t>No</a:t>
-            </a:r>
-            <a:r>
-              <a:rPr lang="de-DE" sz="2400" kern="0" dirty="0">
-                <a:solidFill>
-                  <a:schemeClr val="tx1"/>
-                </a:solidFill>
-              </a:rPr>
-              <a:t> </a:t>
-            </a:r>
-            <a:r>
-              <a:rPr lang="de-DE" sz="2400" kern="0" dirty="0" err="1">
-                <a:solidFill>
-                  <a:schemeClr val="tx1"/>
-                </a:solidFill>
-              </a:rPr>
-              <a:t>encryption</a:t>
-            </a:r>
-            <a:endParaRPr lang="de-DE" sz="2400" kern="0" dirty="0">
+              <a:rPr lang="de-DE" sz="1800" kern="0" dirty="0">
+                <a:solidFill>
+                  <a:schemeClr val="tx1"/>
+                </a:solidFill>
+              </a:rPr>
+              <a:t> </a:t>
+            </a:r>
+            <a:r>
+              <a:rPr lang="de-DE" sz="1800" kern="0" dirty="0" err="1">
+                <a:solidFill>
+                  <a:schemeClr val="tx1"/>
+                </a:solidFill>
+              </a:rPr>
+              <a:t>user</a:t>
+            </a:r>
+            <a:endParaRPr lang="de-DE" sz="1800" kern="0" dirty="0">
               <a:solidFill>
                 <a:schemeClr val="tx1"/>
               </a:solidFill>
             </a:endParaRPr>
           </a:p>
           <a:p>
-            <a:endParaRPr lang="de-DE" sz="2400" kern="0" dirty="0">
+            <a:r>
+              <a:rPr lang="de-DE" sz="1800" kern="0" dirty="0">
+                <a:solidFill>
+                  <a:schemeClr val="tx1"/>
+                </a:solidFill>
+              </a:rPr>
+              <a:t>-</a:t>
+            </a:r>
+            <a:r>
+              <a:rPr lang="de-DE" sz="1800" kern="0" dirty="0" err="1">
+                <a:solidFill>
+                  <a:schemeClr val="tx1"/>
+                </a:solidFill>
+              </a:rPr>
+              <a:t>No</a:t>
+            </a:r>
+            <a:r>
+              <a:rPr lang="de-DE" sz="1800" kern="0" dirty="0">
+                <a:solidFill>
+                  <a:schemeClr val="tx1"/>
+                </a:solidFill>
+              </a:rPr>
+              <a:t> </a:t>
+            </a:r>
+            <a:r>
+              <a:rPr lang="de-DE" sz="1800" kern="0" dirty="0" err="1">
+                <a:solidFill>
+                  <a:schemeClr val="tx1"/>
+                </a:solidFill>
+              </a:rPr>
+              <a:t>encryption</a:t>
+            </a:r>
+            <a:r>
+              <a:rPr lang="de-DE" sz="1800" kern="0" dirty="0">
+                <a:solidFill>
+                  <a:schemeClr val="tx1"/>
+                </a:solidFill>
+              </a:rPr>
+              <a:t> and </a:t>
+            </a:r>
+            <a:r>
+              <a:rPr lang="de-DE" sz="1800" kern="0" dirty="0" err="1">
+                <a:solidFill>
+                  <a:schemeClr val="tx1"/>
+                </a:solidFill>
+              </a:rPr>
+              <a:t>authenification</a:t>
+            </a:r>
+            <a:endParaRPr lang="de-DE" sz="1800" kern="0" dirty="0">
               <a:solidFill>
                 <a:schemeClr val="tx1"/>
               </a:solidFill>
             </a:endParaRPr>
           </a:p>
           <a:p>
-            <a:endParaRPr lang="de-DE" kern="0" dirty="0">
+            <a:endParaRPr lang="de-DE" sz="1800" kern="0" dirty="0">
               <a:solidFill>
                 <a:schemeClr val="tx1"/>
               </a:solidFill>
             </a:endParaRPr>
           </a:p>
           <a:p>
-            <a:endParaRPr lang="de-DE" kern="0" dirty="0">
+            <a:endParaRPr lang="de-DE" sz="1800" kern="0" dirty="0">
+              <a:solidFill>
+                <a:schemeClr val="tx1"/>
+              </a:solidFill>
+            </a:endParaRPr>
+          </a:p>
+          <a:p>
+            <a:endParaRPr lang="de-DE" sz="1800" kern="0" dirty="0">
               <a:solidFill>
                 <a:schemeClr val="tx1"/>
               </a:solidFill>
@@ -3338,7 +4209,940 @@
 </p:sld>
 </file>
 
-<file path=ppt/slides/slide11.xml><?xml version="1.0" encoding="utf-8"?>
+<file path=ppt/slides/slide13.xml><?xml version="1.0" encoding="utf-8"?>
+<p:sld xmlns:a="http://schemas.openxmlformats.org/drawingml/2006/main" xmlns:r="http://schemas.openxmlformats.org/officeDocument/2006/relationships" xmlns:p="http://schemas.openxmlformats.org/presentationml/2006/main">
+  <p:cSld>
+    <p:spTree>
+      <p:nvGrpSpPr>
+        <p:cNvPr id="1" name=""/>
+        <p:cNvGrpSpPr/>
+        <p:nvPr/>
+      </p:nvGrpSpPr>
+      <p:grpSpPr>
+        <a:xfrm>
+          <a:off x="0" y="0"/>
+          <a:ext cx="0" cy="0"/>
+          <a:chOff x="0" y="0"/>
+          <a:chExt cx="0" cy="0"/>
+        </a:xfrm>
+      </p:grpSpPr>
+      <p:sp>
+        <p:nvSpPr>
+          <p:cNvPr id="2" name="Titel 1">
+            <a:extLst>
+              <a:ext uri="{FF2B5EF4-FFF2-40B4-BE49-F238E27FC236}">
+                <a16:creationId xmlns:a16="http://schemas.microsoft.com/office/drawing/2014/main" id="{67619C79-52E8-79B7-9418-FF21E3B9C6A3}"/>
+              </a:ext>
+            </a:extLst>
+          </p:cNvPr>
+          <p:cNvSpPr>
+            <a:spLocks noGrp="1"/>
+          </p:cNvSpPr>
+          <p:nvPr>
+            <p:ph type="title"/>
+          </p:nvPr>
+        </p:nvSpPr>
+        <p:spPr>
+          <a:xfrm>
+            <a:off x="76200" y="1524000"/>
+            <a:ext cx="10273995" cy="369332"/>
+          </a:xfrm>
+        </p:spPr>
+        <p:txBody>
+          <a:bodyPr/>
+          <a:lstStyle/>
+          <a:p>
+            <a:r>
+              <a:rPr lang="de-DE" sz="2400" b="1" dirty="0" err="1">
+                <a:solidFill>
+                  <a:schemeClr val="tx1"/>
+                </a:solidFill>
+              </a:rPr>
+              <a:t>Velocidad</a:t>
+            </a:r>
+            <a:endParaRPr lang="de-DE" sz="2400" b="1" dirty="0">
+              <a:solidFill>
+                <a:schemeClr val="tx1"/>
+              </a:solidFill>
+            </a:endParaRPr>
+          </a:p>
+        </p:txBody>
+      </p:sp>
+      <p:sp>
+        <p:nvSpPr>
+          <p:cNvPr id="3" name="Textplatzhalter 2">
+            <a:extLst>
+              <a:ext uri="{FF2B5EF4-FFF2-40B4-BE49-F238E27FC236}">
+                <a16:creationId xmlns:a16="http://schemas.microsoft.com/office/drawing/2014/main" id="{B3A9E745-7461-B56F-25B3-D4291A23F1D2}"/>
+              </a:ext>
+            </a:extLst>
+          </p:cNvPr>
+          <p:cNvSpPr>
+            <a:spLocks noGrp="1"/>
+          </p:cNvSpPr>
+          <p:nvPr>
+            <p:ph type="body" idx="1"/>
+          </p:nvPr>
+        </p:nvSpPr>
+        <p:spPr>
+          <a:xfrm>
+            <a:off x="426821" y="2276347"/>
+            <a:ext cx="11338356" cy="307777"/>
+          </a:xfrm>
+        </p:spPr>
+        <p:txBody>
+          <a:bodyPr/>
+          <a:lstStyle/>
+          <a:p>
+            <a:r>
+              <a:rPr lang="de-DE" sz="2000" dirty="0">
+                <a:solidFill>
+                  <a:schemeClr val="tx1"/>
+                </a:solidFill>
+              </a:rPr>
+              <a:t>In </a:t>
+            </a:r>
+            <a:r>
+              <a:rPr lang="de-DE" sz="2000" dirty="0" err="1">
+                <a:solidFill>
+                  <a:schemeClr val="tx1"/>
+                </a:solidFill>
+              </a:rPr>
+              <a:t>local</a:t>
+            </a:r>
+            <a:r>
+              <a:rPr lang="de-DE" sz="2000" dirty="0">
+                <a:solidFill>
+                  <a:schemeClr val="tx1"/>
+                </a:solidFill>
+              </a:rPr>
+              <a:t> network on </a:t>
+            </a:r>
+            <a:r>
+              <a:rPr lang="de-DE" sz="2000" dirty="0" err="1">
+                <a:solidFill>
+                  <a:schemeClr val="tx1"/>
+                </a:solidFill>
+              </a:rPr>
+              <a:t>localhost</a:t>
+            </a:r>
+            <a:r>
+              <a:rPr lang="de-DE" sz="2000" dirty="0">
+                <a:solidFill>
+                  <a:schemeClr val="tx1"/>
+                </a:solidFill>
+              </a:rPr>
+              <a:t> </a:t>
+            </a:r>
+            <a:r>
+              <a:rPr lang="de-DE" sz="2000" dirty="0" err="1">
+                <a:solidFill>
+                  <a:schemeClr val="tx1"/>
+                </a:solidFill>
+              </a:rPr>
+              <a:t>no</a:t>
+            </a:r>
+            <a:r>
+              <a:rPr lang="de-DE" sz="2000" dirty="0">
+                <a:solidFill>
+                  <a:schemeClr val="tx1"/>
+                </a:solidFill>
+              </a:rPr>
+              <a:t> </a:t>
+            </a:r>
+            <a:r>
+              <a:rPr lang="de-DE" sz="2000" dirty="0" err="1">
+                <a:solidFill>
+                  <a:schemeClr val="tx1"/>
+                </a:solidFill>
+              </a:rPr>
+              <a:t>markable</a:t>
+            </a:r>
+            <a:r>
+              <a:rPr lang="de-DE" sz="2000" dirty="0">
+                <a:solidFill>
+                  <a:schemeClr val="tx1"/>
+                </a:solidFill>
+              </a:rPr>
+              <a:t> </a:t>
+            </a:r>
+            <a:r>
+              <a:rPr lang="de-DE" sz="2000" dirty="0" err="1">
+                <a:solidFill>
+                  <a:schemeClr val="tx1"/>
+                </a:solidFill>
+              </a:rPr>
+              <a:t>difference</a:t>
+            </a:r>
+            <a:endParaRPr lang="de-DE" sz="2000" dirty="0">
+              <a:solidFill>
+                <a:schemeClr val="tx1"/>
+              </a:solidFill>
+            </a:endParaRPr>
+          </a:p>
+        </p:txBody>
+      </p:sp>
+      <p:sp>
+        <p:nvSpPr>
+          <p:cNvPr id="4" name="Titel 1">
+            <a:extLst>
+              <a:ext uri="{FF2B5EF4-FFF2-40B4-BE49-F238E27FC236}">
+                <a16:creationId xmlns:a16="http://schemas.microsoft.com/office/drawing/2014/main" id="{A6A1A7B4-62CD-A5D5-45AC-44C8E465A891}"/>
+              </a:ext>
+            </a:extLst>
+          </p:cNvPr>
+          <p:cNvSpPr txBox="1">
+            <a:spLocks/>
+          </p:cNvSpPr>
+          <p:nvPr/>
+        </p:nvSpPr>
+        <p:spPr>
+          <a:xfrm>
+            <a:off x="78059" y="3018052"/>
+            <a:ext cx="10273995" cy="369332"/>
+          </a:xfrm>
+          <a:prstGeom prst="rect">
+            <a:avLst/>
+          </a:prstGeom>
+        </p:spPr>
+        <p:txBody>
+          <a:bodyPr wrap="square" lIns="0" tIns="0" rIns="0" bIns="0">
+            <a:spAutoFit/>
+          </a:bodyPr>
+          <a:lstStyle>
+            <a:lvl1pPr>
+              <a:defRPr sz="4000" b="0" i="0">
+                <a:solidFill>
+                  <a:srgbClr val="F1F1F1"/>
+                </a:solidFill>
+                <a:latin typeface="Verdana"/>
+                <a:ea typeface="+mj-ea"/>
+                <a:cs typeface="Verdana"/>
+              </a:defRPr>
+            </a:lvl1pPr>
+          </a:lstStyle>
+          <a:p>
+            <a:r>
+              <a:rPr lang="de-DE" sz="2400" b="1" kern="0" dirty="0" err="1">
+                <a:solidFill>
+                  <a:schemeClr val="tx1"/>
+                </a:solidFill>
+              </a:rPr>
+              <a:t>Seguridad</a:t>
+            </a:r>
+            <a:endParaRPr lang="de-DE" sz="2400" b="1" kern="0" dirty="0">
+              <a:solidFill>
+                <a:schemeClr val="tx1"/>
+              </a:solidFill>
+            </a:endParaRPr>
+          </a:p>
+        </p:txBody>
+      </p:sp>
+      <p:sp>
+        <p:nvSpPr>
+          <p:cNvPr id="5" name="Titel 1">
+            <a:extLst>
+              <a:ext uri="{FF2B5EF4-FFF2-40B4-BE49-F238E27FC236}">
+                <a16:creationId xmlns:a16="http://schemas.microsoft.com/office/drawing/2014/main" id="{619C0176-A481-17A3-212B-2E9C4367F4D9}"/>
+              </a:ext>
+            </a:extLst>
+          </p:cNvPr>
+          <p:cNvSpPr txBox="1">
+            <a:spLocks/>
+          </p:cNvSpPr>
+          <p:nvPr/>
+        </p:nvSpPr>
+        <p:spPr>
+          <a:xfrm>
+            <a:off x="72483" y="4873823"/>
+            <a:ext cx="10273995" cy="369332"/>
+          </a:xfrm>
+          <a:prstGeom prst="rect">
+            <a:avLst/>
+          </a:prstGeom>
+        </p:spPr>
+        <p:txBody>
+          <a:bodyPr wrap="square" lIns="0" tIns="0" rIns="0" bIns="0">
+            <a:spAutoFit/>
+          </a:bodyPr>
+          <a:lstStyle>
+            <a:lvl1pPr>
+              <a:defRPr sz="4000" b="0" i="0">
+                <a:solidFill>
+                  <a:srgbClr val="F1F1F1"/>
+                </a:solidFill>
+                <a:latin typeface="Verdana"/>
+                <a:ea typeface="+mj-ea"/>
+                <a:cs typeface="Verdana"/>
+              </a:defRPr>
+            </a:lvl1pPr>
+          </a:lstStyle>
+          <a:p>
+            <a:r>
+              <a:rPr lang="de-DE" sz="2400" b="1" kern="0" dirty="0" err="1">
+                <a:solidFill>
+                  <a:schemeClr val="tx1"/>
+                </a:solidFill>
+              </a:rPr>
+              <a:t>Usabilidad</a:t>
+            </a:r>
+            <a:endParaRPr lang="de-DE" sz="2400" b="1" kern="0" dirty="0">
+              <a:solidFill>
+                <a:schemeClr val="tx1"/>
+              </a:solidFill>
+            </a:endParaRPr>
+          </a:p>
+        </p:txBody>
+      </p:sp>
+      <p:sp>
+        <p:nvSpPr>
+          <p:cNvPr id="6" name="Textplatzhalter 2">
+            <a:extLst>
+              <a:ext uri="{FF2B5EF4-FFF2-40B4-BE49-F238E27FC236}">
+                <a16:creationId xmlns:a16="http://schemas.microsoft.com/office/drawing/2014/main" id="{8C6A905B-FFA6-9556-ADA0-BCD881DB122A}"/>
+              </a:ext>
+            </a:extLst>
+          </p:cNvPr>
+          <p:cNvSpPr txBox="1">
+            <a:spLocks/>
+          </p:cNvSpPr>
+          <p:nvPr/>
+        </p:nvSpPr>
+        <p:spPr>
+          <a:xfrm>
+            <a:off x="423104" y="3821312"/>
+            <a:ext cx="11338356" cy="307777"/>
+          </a:xfrm>
+          <a:prstGeom prst="rect">
+            <a:avLst/>
+          </a:prstGeom>
+        </p:spPr>
+        <p:txBody>
+          <a:bodyPr wrap="square" lIns="0" tIns="0" rIns="0" bIns="0">
+            <a:spAutoFit/>
+          </a:bodyPr>
+          <a:lstStyle>
+            <a:lvl1pPr marL="0">
+              <a:defRPr sz="4200" b="0" i="0">
+                <a:solidFill>
+                  <a:schemeClr val="bg1"/>
+                </a:solidFill>
+                <a:latin typeface="Verdana"/>
+                <a:ea typeface="+mn-ea"/>
+                <a:cs typeface="Verdana"/>
+              </a:defRPr>
+            </a:lvl1pPr>
+            <a:lvl2pPr marL="457200">
+              <a:defRPr>
+                <a:latin typeface="+mn-lt"/>
+                <a:ea typeface="+mn-ea"/>
+                <a:cs typeface="+mn-cs"/>
+              </a:defRPr>
+            </a:lvl2pPr>
+            <a:lvl3pPr marL="914400">
+              <a:defRPr>
+                <a:latin typeface="+mn-lt"/>
+                <a:ea typeface="+mn-ea"/>
+                <a:cs typeface="+mn-cs"/>
+              </a:defRPr>
+            </a:lvl3pPr>
+            <a:lvl4pPr marL="1371600">
+              <a:defRPr>
+                <a:latin typeface="+mn-lt"/>
+                <a:ea typeface="+mn-ea"/>
+                <a:cs typeface="+mn-cs"/>
+              </a:defRPr>
+            </a:lvl4pPr>
+            <a:lvl5pPr marL="1828800">
+              <a:defRPr>
+                <a:latin typeface="+mn-lt"/>
+                <a:ea typeface="+mn-ea"/>
+                <a:cs typeface="+mn-cs"/>
+              </a:defRPr>
+            </a:lvl5pPr>
+            <a:lvl6pPr marL="2286000">
+              <a:defRPr>
+                <a:latin typeface="+mn-lt"/>
+                <a:ea typeface="+mn-ea"/>
+                <a:cs typeface="+mn-cs"/>
+              </a:defRPr>
+            </a:lvl6pPr>
+            <a:lvl7pPr marL="2743200">
+              <a:defRPr>
+                <a:latin typeface="+mn-lt"/>
+                <a:ea typeface="+mn-ea"/>
+                <a:cs typeface="+mn-cs"/>
+              </a:defRPr>
+            </a:lvl7pPr>
+            <a:lvl8pPr marL="3200400">
+              <a:defRPr>
+                <a:latin typeface="+mn-lt"/>
+                <a:ea typeface="+mn-ea"/>
+                <a:cs typeface="+mn-cs"/>
+              </a:defRPr>
+            </a:lvl8pPr>
+            <a:lvl9pPr marL="3657600">
+              <a:defRPr>
+                <a:latin typeface="+mn-lt"/>
+                <a:ea typeface="+mn-ea"/>
+                <a:cs typeface="+mn-cs"/>
+              </a:defRPr>
+            </a:lvl9pPr>
+          </a:lstStyle>
+          <a:p>
+            <a:r>
+              <a:rPr lang="de-DE" sz="2000" kern="0" dirty="0" err="1">
+                <a:solidFill>
+                  <a:schemeClr val="tx1"/>
+                </a:solidFill>
+              </a:rPr>
+              <a:t>Without</a:t>
+            </a:r>
+            <a:r>
+              <a:rPr lang="de-DE" sz="2000" kern="0" dirty="0">
+                <a:solidFill>
+                  <a:schemeClr val="tx1"/>
+                </a:solidFill>
+              </a:rPr>
+              <a:t> </a:t>
+            </a:r>
+            <a:r>
+              <a:rPr lang="de-DE" sz="2000" kern="0" dirty="0" err="1">
+                <a:solidFill>
+                  <a:schemeClr val="tx1"/>
+                </a:solidFill>
+              </a:rPr>
+              <a:t>encryption</a:t>
+            </a:r>
+            <a:r>
+              <a:rPr lang="de-DE" sz="2000" kern="0" dirty="0">
+                <a:solidFill>
+                  <a:schemeClr val="tx1"/>
+                </a:solidFill>
+              </a:rPr>
+              <a:t> and </a:t>
+            </a:r>
+            <a:r>
+              <a:rPr lang="de-DE" sz="2000" kern="0" dirty="0" err="1">
+                <a:solidFill>
+                  <a:schemeClr val="tx1"/>
+                </a:solidFill>
+              </a:rPr>
+              <a:t>authorization</a:t>
+            </a:r>
+            <a:r>
+              <a:rPr lang="de-DE" sz="2000" kern="0" dirty="0">
+                <a:solidFill>
+                  <a:schemeClr val="tx1"/>
+                </a:solidFill>
+              </a:rPr>
+              <a:t> </a:t>
+            </a:r>
+            <a:r>
+              <a:rPr lang="de-DE" sz="2000" kern="0" dirty="0" err="1">
+                <a:solidFill>
+                  <a:schemeClr val="tx1"/>
+                </a:solidFill>
+              </a:rPr>
+              <a:t>chat</a:t>
+            </a:r>
+            <a:r>
+              <a:rPr lang="de-DE" sz="2000" kern="0" dirty="0">
+                <a:solidFill>
+                  <a:schemeClr val="tx1"/>
+                </a:solidFill>
+              </a:rPr>
+              <a:t> </a:t>
+            </a:r>
+            <a:r>
+              <a:rPr lang="de-DE" sz="2000" kern="0" dirty="0" err="1">
+                <a:solidFill>
+                  <a:schemeClr val="tx1"/>
+                </a:solidFill>
+              </a:rPr>
+              <a:t>is</a:t>
+            </a:r>
+            <a:r>
+              <a:rPr lang="de-DE" sz="2000" kern="0" dirty="0">
+                <a:solidFill>
+                  <a:schemeClr val="tx1"/>
+                </a:solidFill>
+              </a:rPr>
+              <a:t> </a:t>
+            </a:r>
+            <a:r>
+              <a:rPr lang="de-DE" sz="2000" kern="0" dirty="0" err="1">
+                <a:solidFill>
+                  <a:schemeClr val="tx1"/>
+                </a:solidFill>
+              </a:rPr>
+              <a:t>unsecure</a:t>
+            </a:r>
+            <a:r>
+              <a:rPr lang="de-DE" sz="2000" kern="0" dirty="0">
+                <a:solidFill>
+                  <a:schemeClr val="tx1"/>
+                </a:solidFill>
+              </a:rPr>
+              <a:t> -&gt; not </a:t>
+            </a:r>
+            <a:r>
+              <a:rPr lang="de-DE" sz="2000" kern="0" dirty="0" err="1">
+                <a:solidFill>
+                  <a:schemeClr val="tx1"/>
+                </a:solidFill>
+              </a:rPr>
+              <a:t>protocoll</a:t>
+            </a:r>
+            <a:r>
+              <a:rPr lang="de-DE" sz="2000" kern="0" dirty="0">
+                <a:solidFill>
+                  <a:schemeClr val="tx1"/>
+                </a:solidFill>
+              </a:rPr>
+              <a:t> </a:t>
+            </a:r>
+            <a:r>
+              <a:rPr lang="de-DE" sz="2000" kern="0" dirty="0" err="1">
+                <a:solidFill>
+                  <a:schemeClr val="tx1"/>
+                </a:solidFill>
+              </a:rPr>
+              <a:t>depending</a:t>
+            </a:r>
+            <a:endParaRPr lang="de-DE" sz="2000" kern="0" dirty="0">
+              <a:solidFill>
+                <a:schemeClr val="tx1"/>
+              </a:solidFill>
+            </a:endParaRPr>
+          </a:p>
+        </p:txBody>
+      </p:sp>
+      <p:sp>
+        <p:nvSpPr>
+          <p:cNvPr id="7" name="Textplatzhalter 2">
+            <a:extLst>
+              <a:ext uri="{FF2B5EF4-FFF2-40B4-BE49-F238E27FC236}">
+                <a16:creationId xmlns:a16="http://schemas.microsoft.com/office/drawing/2014/main" id="{EFE0CA0A-5656-84A8-0ADA-3BC53A7BA681}"/>
+              </a:ext>
+            </a:extLst>
+          </p:cNvPr>
+          <p:cNvSpPr txBox="1">
+            <a:spLocks/>
+          </p:cNvSpPr>
+          <p:nvPr/>
+        </p:nvSpPr>
+        <p:spPr>
+          <a:xfrm>
+            <a:off x="423104" y="5345308"/>
+            <a:ext cx="11338356" cy="307777"/>
+          </a:xfrm>
+          <a:prstGeom prst="rect">
+            <a:avLst/>
+          </a:prstGeom>
+        </p:spPr>
+        <p:txBody>
+          <a:bodyPr wrap="square" lIns="0" tIns="0" rIns="0" bIns="0">
+            <a:spAutoFit/>
+          </a:bodyPr>
+          <a:lstStyle>
+            <a:lvl1pPr marL="0">
+              <a:defRPr sz="4200" b="0" i="0">
+                <a:solidFill>
+                  <a:schemeClr val="bg1"/>
+                </a:solidFill>
+                <a:latin typeface="Verdana"/>
+                <a:ea typeface="+mn-ea"/>
+                <a:cs typeface="Verdana"/>
+              </a:defRPr>
+            </a:lvl1pPr>
+            <a:lvl2pPr marL="457200">
+              <a:defRPr>
+                <a:latin typeface="+mn-lt"/>
+                <a:ea typeface="+mn-ea"/>
+                <a:cs typeface="+mn-cs"/>
+              </a:defRPr>
+            </a:lvl2pPr>
+            <a:lvl3pPr marL="914400">
+              <a:defRPr>
+                <a:latin typeface="+mn-lt"/>
+                <a:ea typeface="+mn-ea"/>
+                <a:cs typeface="+mn-cs"/>
+              </a:defRPr>
+            </a:lvl3pPr>
+            <a:lvl4pPr marL="1371600">
+              <a:defRPr>
+                <a:latin typeface="+mn-lt"/>
+                <a:ea typeface="+mn-ea"/>
+                <a:cs typeface="+mn-cs"/>
+              </a:defRPr>
+            </a:lvl4pPr>
+            <a:lvl5pPr marL="1828800">
+              <a:defRPr>
+                <a:latin typeface="+mn-lt"/>
+                <a:ea typeface="+mn-ea"/>
+                <a:cs typeface="+mn-cs"/>
+              </a:defRPr>
+            </a:lvl5pPr>
+            <a:lvl6pPr marL="2286000">
+              <a:defRPr>
+                <a:latin typeface="+mn-lt"/>
+                <a:ea typeface="+mn-ea"/>
+                <a:cs typeface="+mn-cs"/>
+              </a:defRPr>
+            </a:lvl6pPr>
+            <a:lvl7pPr marL="2743200">
+              <a:defRPr>
+                <a:latin typeface="+mn-lt"/>
+                <a:ea typeface="+mn-ea"/>
+                <a:cs typeface="+mn-cs"/>
+              </a:defRPr>
+            </a:lvl7pPr>
+            <a:lvl8pPr marL="3200400">
+              <a:defRPr>
+                <a:latin typeface="+mn-lt"/>
+                <a:ea typeface="+mn-ea"/>
+                <a:cs typeface="+mn-cs"/>
+              </a:defRPr>
+            </a:lvl8pPr>
+            <a:lvl9pPr marL="3657600">
+              <a:defRPr>
+                <a:latin typeface="+mn-lt"/>
+                <a:ea typeface="+mn-ea"/>
+                <a:cs typeface="+mn-cs"/>
+              </a:defRPr>
+            </a:lvl9pPr>
+          </a:lstStyle>
+          <a:p>
+            <a:r>
+              <a:rPr lang="de-DE" sz="2000" kern="0" dirty="0">
+                <a:solidFill>
+                  <a:schemeClr val="tx1"/>
+                </a:solidFill>
+              </a:rPr>
+              <a:t>TCP </a:t>
+            </a:r>
+            <a:r>
+              <a:rPr lang="de-DE" sz="2000" kern="0" dirty="0" err="1">
+                <a:solidFill>
+                  <a:schemeClr val="tx1"/>
+                </a:solidFill>
+              </a:rPr>
+              <a:t>offers</a:t>
+            </a:r>
+            <a:r>
+              <a:rPr lang="de-DE" sz="2000" kern="0" dirty="0">
+                <a:solidFill>
+                  <a:schemeClr val="tx1"/>
+                </a:solidFill>
+              </a:rPr>
+              <a:t> </a:t>
+            </a:r>
+            <a:r>
+              <a:rPr lang="de-DE" sz="2000" kern="0" dirty="0" err="1">
+                <a:solidFill>
+                  <a:schemeClr val="tx1"/>
+                </a:solidFill>
+              </a:rPr>
+              <a:t>more</a:t>
+            </a:r>
+            <a:r>
+              <a:rPr lang="de-DE" sz="2000" kern="0" dirty="0">
+                <a:solidFill>
+                  <a:schemeClr val="tx1"/>
+                </a:solidFill>
+              </a:rPr>
+              <a:t> </a:t>
+            </a:r>
+            <a:r>
+              <a:rPr lang="de-DE" sz="2000" kern="0" dirty="0" err="1">
+                <a:solidFill>
+                  <a:schemeClr val="tx1"/>
+                </a:solidFill>
+              </a:rPr>
+              <a:t>options</a:t>
+            </a:r>
+            <a:r>
+              <a:rPr lang="de-DE" sz="2000" kern="0" dirty="0">
+                <a:solidFill>
+                  <a:schemeClr val="tx1"/>
+                </a:solidFill>
+              </a:rPr>
+              <a:t> </a:t>
+            </a:r>
+            <a:r>
+              <a:rPr lang="de-DE" sz="2000" kern="0" dirty="0" err="1">
+                <a:solidFill>
+                  <a:schemeClr val="tx1"/>
+                </a:solidFill>
+              </a:rPr>
+              <a:t>for</a:t>
+            </a:r>
+            <a:r>
+              <a:rPr lang="de-DE" sz="2000" kern="0" dirty="0">
+                <a:solidFill>
+                  <a:schemeClr val="tx1"/>
+                </a:solidFill>
+              </a:rPr>
+              <a:t> </a:t>
+            </a:r>
+            <a:r>
+              <a:rPr lang="de-DE" sz="2000" kern="0" dirty="0" err="1">
+                <a:solidFill>
+                  <a:schemeClr val="tx1"/>
+                </a:solidFill>
+              </a:rPr>
+              <a:t>detecting</a:t>
+            </a:r>
+            <a:r>
+              <a:rPr lang="de-DE" sz="2000" kern="0" dirty="0">
+                <a:solidFill>
+                  <a:schemeClr val="tx1"/>
+                </a:solidFill>
+              </a:rPr>
+              <a:t> </a:t>
+            </a:r>
+            <a:r>
+              <a:rPr lang="de-DE" sz="2000" kern="0" dirty="0" err="1">
+                <a:solidFill>
+                  <a:schemeClr val="tx1"/>
+                </a:solidFill>
+              </a:rPr>
+              <a:t>connection</a:t>
+            </a:r>
+            <a:r>
+              <a:rPr lang="de-DE" sz="2000" kern="0" dirty="0">
+                <a:solidFill>
+                  <a:schemeClr val="tx1"/>
+                </a:solidFill>
+              </a:rPr>
+              <a:t> </a:t>
+            </a:r>
+            <a:r>
+              <a:rPr lang="de-DE" sz="2000" kern="0" dirty="0" err="1">
+                <a:solidFill>
+                  <a:schemeClr val="tx1"/>
+                </a:solidFill>
+              </a:rPr>
+              <a:t>abort</a:t>
+            </a:r>
+            <a:endParaRPr lang="de-DE" sz="2000" kern="0" dirty="0">
+              <a:solidFill>
+                <a:schemeClr val="tx1"/>
+              </a:solidFill>
+            </a:endParaRPr>
+          </a:p>
+        </p:txBody>
+      </p:sp>
+      <p:sp>
+        <p:nvSpPr>
+          <p:cNvPr id="8" name="Textplatzhalter 2">
+            <a:extLst>
+              <a:ext uri="{FF2B5EF4-FFF2-40B4-BE49-F238E27FC236}">
+                <a16:creationId xmlns:a16="http://schemas.microsoft.com/office/drawing/2014/main" id="{038B57FC-B59A-44D6-BA48-8D30EB726D79}"/>
+              </a:ext>
+            </a:extLst>
+          </p:cNvPr>
+          <p:cNvSpPr txBox="1">
+            <a:spLocks/>
+          </p:cNvSpPr>
+          <p:nvPr/>
+        </p:nvSpPr>
+        <p:spPr>
+          <a:xfrm>
+            <a:off x="423104" y="5834000"/>
+            <a:ext cx="11338356" cy="307777"/>
+          </a:xfrm>
+          <a:prstGeom prst="rect">
+            <a:avLst/>
+          </a:prstGeom>
+        </p:spPr>
+        <p:txBody>
+          <a:bodyPr wrap="square" lIns="0" tIns="0" rIns="0" bIns="0">
+            <a:spAutoFit/>
+          </a:bodyPr>
+          <a:lstStyle>
+            <a:lvl1pPr marL="0">
+              <a:defRPr sz="4200" b="0" i="0">
+                <a:solidFill>
+                  <a:schemeClr val="bg1"/>
+                </a:solidFill>
+                <a:latin typeface="Verdana"/>
+                <a:ea typeface="+mn-ea"/>
+                <a:cs typeface="Verdana"/>
+              </a:defRPr>
+            </a:lvl1pPr>
+            <a:lvl2pPr marL="457200">
+              <a:defRPr>
+                <a:latin typeface="+mn-lt"/>
+                <a:ea typeface="+mn-ea"/>
+                <a:cs typeface="+mn-cs"/>
+              </a:defRPr>
+            </a:lvl2pPr>
+            <a:lvl3pPr marL="914400">
+              <a:defRPr>
+                <a:latin typeface="+mn-lt"/>
+                <a:ea typeface="+mn-ea"/>
+                <a:cs typeface="+mn-cs"/>
+              </a:defRPr>
+            </a:lvl3pPr>
+            <a:lvl4pPr marL="1371600">
+              <a:defRPr>
+                <a:latin typeface="+mn-lt"/>
+                <a:ea typeface="+mn-ea"/>
+                <a:cs typeface="+mn-cs"/>
+              </a:defRPr>
+            </a:lvl4pPr>
+            <a:lvl5pPr marL="1828800">
+              <a:defRPr>
+                <a:latin typeface="+mn-lt"/>
+                <a:ea typeface="+mn-ea"/>
+                <a:cs typeface="+mn-cs"/>
+              </a:defRPr>
+            </a:lvl5pPr>
+            <a:lvl6pPr marL="2286000">
+              <a:defRPr>
+                <a:latin typeface="+mn-lt"/>
+                <a:ea typeface="+mn-ea"/>
+                <a:cs typeface="+mn-cs"/>
+              </a:defRPr>
+            </a:lvl6pPr>
+            <a:lvl7pPr marL="2743200">
+              <a:defRPr>
+                <a:latin typeface="+mn-lt"/>
+                <a:ea typeface="+mn-ea"/>
+                <a:cs typeface="+mn-cs"/>
+              </a:defRPr>
+            </a:lvl7pPr>
+            <a:lvl8pPr marL="3200400">
+              <a:defRPr>
+                <a:latin typeface="+mn-lt"/>
+                <a:ea typeface="+mn-ea"/>
+                <a:cs typeface="+mn-cs"/>
+              </a:defRPr>
+            </a:lvl8pPr>
+            <a:lvl9pPr marL="3657600">
+              <a:defRPr>
+                <a:latin typeface="+mn-lt"/>
+                <a:ea typeface="+mn-ea"/>
+                <a:cs typeface="+mn-cs"/>
+              </a:defRPr>
+            </a:lvl9pPr>
+          </a:lstStyle>
+          <a:p>
+            <a:r>
+              <a:rPr lang="de-DE" sz="2000" kern="0" dirty="0" err="1">
+                <a:solidFill>
+                  <a:schemeClr val="tx1"/>
+                </a:solidFill>
+              </a:rPr>
+              <a:t>When</a:t>
+            </a:r>
+            <a:r>
+              <a:rPr lang="de-DE" sz="2000" kern="0" dirty="0">
+                <a:solidFill>
+                  <a:schemeClr val="tx1"/>
+                </a:solidFill>
+              </a:rPr>
+              <a:t> packet </a:t>
+            </a:r>
+            <a:r>
+              <a:rPr lang="de-DE" sz="2000" kern="0" dirty="0" err="1">
+                <a:solidFill>
+                  <a:schemeClr val="tx1"/>
+                </a:solidFill>
+              </a:rPr>
+              <a:t>size</a:t>
+            </a:r>
+            <a:r>
+              <a:rPr lang="de-DE" sz="2000" kern="0" dirty="0">
+                <a:solidFill>
+                  <a:schemeClr val="tx1"/>
+                </a:solidFill>
+              </a:rPr>
+              <a:t> </a:t>
+            </a:r>
+            <a:r>
+              <a:rPr lang="de-DE" sz="2000" kern="0" dirty="0" err="1">
+                <a:solidFill>
+                  <a:schemeClr val="tx1"/>
+                </a:solidFill>
+              </a:rPr>
+              <a:t>is</a:t>
+            </a:r>
+            <a:r>
+              <a:rPr lang="de-DE" sz="2000" kern="0" dirty="0">
+                <a:solidFill>
+                  <a:schemeClr val="tx1"/>
+                </a:solidFill>
+              </a:rPr>
+              <a:t> larger, TCP </a:t>
+            </a:r>
+            <a:r>
+              <a:rPr lang="de-DE" sz="2000" kern="0" dirty="0" err="1">
+                <a:solidFill>
+                  <a:schemeClr val="tx1"/>
+                </a:solidFill>
+              </a:rPr>
+              <a:t>packets</a:t>
+            </a:r>
+            <a:r>
+              <a:rPr lang="de-DE" sz="2000" kern="0" dirty="0">
+                <a:solidFill>
+                  <a:schemeClr val="tx1"/>
+                </a:solidFill>
+              </a:rPr>
+              <a:t> </a:t>
+            </a:r>
+            <a:r>
+              <a:rPr lang="de-DE" sz="2000" kern="0" dirty="0" err="1">
+                <a:solidFill>
+                  <a:schemeClr val="tx1"/>
+                </a:solidFill>
+              </a:rPr>
+              <a:t>are</a:t>
+            </a:r>
+            <a:r>
+              <a:rPr lang="de-DE" sz="2000" kern="0" dirty="0">
+                <a:solidFill>
+                  <a:schemeClr val="tx1"/>
+                </a:solidFill>
+              </a:rPr>
+              <a:t> </a:t>
+            </a:r>
+            <a:r>
+              <a:rPr lang="de-DE" sz="2000" kern="0" dirty="0" err="1">
+                <a:solidFill>
+                  <a:schemeClr val="tx1"/>
+                </a:solidFill>
+              </a:rPr>
+              <a:t>more</a:t>
+            </a:r>
+            <a:r>
+              <a:rPr lang="de-DE" sz="2000" kern="0" dirty="0">
+                <a:solidFill>
+                  <a:schemeClr val="tx1"/>
+                </a:solidFill>
+              </a:rPr>
+              <a:t> reliable</a:t>
+            </a:r>
+          </a:p>
+        </p:txBody>
+      </p:sp>
+    </p:spTree>
+    <p:extLst>
+      <p:ext uri="{BB962C8B-B14F-4D97-AF65-F5344CB8AC3E}">
+        <p14:creationId xmlns:p14="http://schemas.microsoft.com/office/powerpoint/2010/main" val="1477719923"/>
+      </p:ext>
+    </p:extLst>
+  </p:cSld>
+  <p:clrMapOvr>
+    <a:masterClrMapping/>
+  </p:clrMapOvr>
+</p:sld>
+</file>
+
+<file path=ppt/slides/slide14.xml><?xml version="1.0" encoding="utf-8"?>
 <p:sld xmlns:a="http://schemas.openxmlformats.org/drawingml/2006/main" xmlns:r="http://schemas.openxmlformats.org/officeDocument/2006/relationships" xmlns:p="http://schemas.openxmlformats.org/presentationml/2006/main">
   <p:cSld>
     <p:spTree>
@@ -5486,36 +7290,6 @@
           <a:chExt cx="0" cy="0"/>
         </a:xfrm>
       </p:grpSpPr>
-    </p:spTree>
-    <p:extLst>
-      <p:ext uri="{BB962C8B-B14F-4D97-AF65-F5344CB8AC3E}">
-        <p14:creationId xmlns:p14="http://schemas.microsoft.com/office/powerpoint/2010/main" val="639100015"/>
-      </p:ext>
-    </p:extLst>
-  </p:cSld>
-  <p:clrMapOvr>
-    <a:masterClrMapping/>
-  </p:clrMapOvr>
-</p:sld>
-</file>
-
-<file path=ppt/slides/slide8.xml><?xml version="1.0" encoding="utf-8"?>
-<p:sld xmlns:a="http://schemas.openxmlformats.org/drawingml/2006/main" xmlns:r="http://schemas.openxmlformats.org/officeDocument/2006/relationships" xmlns:p="http://schemas.openxmlformats.org/presentationml/2006/main">
-  <p:cSld>
-    <p:spTree>
-      <p:nvGrpSpPr>
-        <p:cNvPr id="1" name=""/>
-        <p:cNvGrpSpPr/>
-        <p:nvPr/>
-      </p:nvGrpSpPr>
-      <p:grpSpPr>
-        <a:xfrm>
-          <a:off x="0" y="0"/>
-          <a:ext cx="0" cy="0"/>
-          <a:chOff x="0" y="0"/>
-          <a:chExt cx="0" cy="0"/>
-        </a:xfrm>
-      </p:grpSpPr>
       <p:sp>
         <p:nvSpPr>
           <p:cNvPr id="2" name="object 2"/>
@@ -5554,7 +7328,7 @@
                 <a:latin typeface="Times New Roman" panose="02020603050405020304" pitchFamily="18" charset="0"/>
                 <a:cs typeface="Times New Roman" panose="02020603050405020304" pitchFamily="18" charset="0"/>
               </a:rPr>
-              <a:t>Conclusión </a:t>
+              <a:t>Server </a:t>
             </a:r>
             <a:endParaRPr sz="4400" dirty="0">
               <a:latin typeface="Times New Roman" panose="02020603050405020304" pitchFamily="18" charset="0"/>
@@ -5867,7 +7641,7 @@
                 <a:latin typeface="Tahoma"/>
                 <a:cs typeface="Tahoma"/>
               </a:rPr>
-              <a:t>8</a:t>
+              <a:t>7</a:t>
             </a:fld>
             <a:endParaRPr sz="1200">
               <a:latin typeface="Tahoma"/>
@@ -5878,15 +7652,15 @@
       </p:sp>
       <p:pic>
         <p:nvPicPr>
-          <p:cNvPr id="4100" name="Picture 4" descr="7 consejos que necesita saber para implementar la gestión de resultados">
+          <p:cNvPr id="6" name="Grafik 5">
             <a:extLst>
               <a:ext uri="{FF2B5EF4-FFF2-40B4-BE49-F238E27FC236}">
-                <a16:creationId xmlns:a16="http://schemas.microsoft.com/office/drawing/2014/main" id="{AF1F15E4-EBC8-4FA9-9376-673316CD3C14}"/>
+                <a16:creationId xmlns:a16="http://schemas.microsoft.com/office/drawing/2014/main" id="{3F699EA0-D535-91B0-8EB5-93FC8AD842CD}"/>
               </a:ext>
             </a:extLst>
           </p:cNvPr>
           <p:cNvPicPr>
-            <a:picLocks noChangeAspect="1" noChangeArrowheads="1"/>
+            <a:picLocks noChangeAspect="1"/>
           </p:cNvPicPr>
           <p:nvPr/>
         </p:nvPicPr>
@@ -5898,35 +7672,450 @@
               </a:ext>
             </a:extLst>
           </a:blip>
-          <a:srcRect/>
           <a:stretch>
             <a:fillRect/>
           </a:stretch>
         </p:blipFill>
-        <p:spPr bwMode="auto">
+        <p:spPr>
           <a:xfrm>
-            <a:off x="2133600" y="1600200"/>
-            <a:ext cx="7391400" cy="4480265"/>
+            <a:off x="1682060" y="1363211"/>
+            <a:ext cx="8985940" cy="4808989"/>
           </a:xfrm>
           <a:prstGeom prst="rect">
             <a:avLst/>
           </a:prstGeom>
-          <a:noFill/>
-          <a:extLst>
-            <a:ext uri="{909E8E84-426E-40DD-AFC4-6F175D3DCCD1}">
-              <a14:hiddenFill xmlns:a14="http://schemas.microsoft.com/office/drawing/2010/main">
-                <a:solidFill>
-                  <a:srgbClr val="FFFFFF"/>
-                </a:solidFill>
-              </a14:hiddenFill>
-            </a:ext>
-          </a:extLst>
         </p:spPr>
       </p:pic>
     </p:spTree>
     <p:extLst>
       <p:ext uri="{BB962C8B-B14F-4D97-AF65-F5344CB8AC3E}">
-        <p14:creationId xmlns:p14="http://schemas.microsoft.com/office/powerpoint/2010/main" val="159880573"/>
+        <p14:creationId xmlns:p14="http://schemas.microsoft.com/office/powerpoint/2010/main" val="183345113"/>
+      </p:ext>
+    </p:extLst>
+  </p:cSld>
+  <p:clrMapOvr>
+    <a:masterClrMapping/>
+  </p:clrMapOvr>
+</p:sld>
+</file>
+
+<file path=ppt/slides/slide8.xml><?xml version="1.0" encoding="utf-8"?>
+<p:sld xmlns:a="http://schemas.openxmlformats.org/drawingml/2006/main" xmlns:r="http://schemas.openxmlformats.org/officeDocument/2006/relationships" xmlns:p="http://schemas.openxmlformats.org/presentationml/2006/main">
+  <p:cSld>
+    <p:spTree>
+      <p:nvGrpSpPr>
+        <p:cNvPr id="1" name=""/>
+        <p:cNvGrpSpPr/>
+        <p:nvPr/>
+      </p:nvGrpSpPr>
+      <p:grpSpPr>
+        <a:xfrm>
+          <a:off x="0" y="0"/>
+          <a:ext cx="0" cy="0"/>
+          <a:chOff x="0" y="0"/>
+          <a:chExt cx="0" cy="0"/>
+        </a:xfrm>
+      </p:grpSpPr>
+      <p:sp>
+        <p:nvSpPr>
+          <p:cNvPr id="2" name="object 2"/>
+          <p:cNvSpPr txBox="1">
+            <a:spLocks noGrp="1"/>
+          </p:cNvSpPr>
+          <p:nvPr>
+            <p:ph type="title"/>
+          </p:nvPr>
+        </p:nvSpPr>
+        <p:spPr>
+          <a:xfrm>
+            <a:off x="533400" y="287527"/>
+            <a:ext cx="9296400" cy="696595"/>
+          </a:xfrm>
+          <a:prstGeom prst="rect">
+            <a:avLst/>
+          </a:prstGeom>
+        </p:spPr>
+        <p:txBody>
+          <a:bodyPr vert="horz" wrap="square" lIns="0" tIns="12700" rIns="0" bIns="0" rtlCol="0">
+            <a:spAutoFit/>
+          </a:bodyPr>
+          <a:lstStyle/>
+          <a:p>
+            <a:pPr marL="12700" algn="ctr">
+              <a:lnSpc>
+                <a:spcPct val="100000"/>
+              </a:lnSpc>
+              <a:spcBef>
+                <a:spcPts val="100"/>
+              </a:spcBef>
+            </a:pPr>
+            <a:r>
+              <a:rPr lang="es-ES" sz="4400" dirty="0">
+                <a:latin typeface="Times New Roman" panose="02020603050405020304" pitchFamily="18" charset="0"/>
+                <a:cs typeface="Times New Roman" panose="02020603050405020304" pitchFamily="18" charset="0"/>
+              </a:rPr>
+              <a:t>Client </a:t>
+            </a:r>
+            <a:endParaRPr sz="4400" dirty="0">
+              <a:latin typeface="Times New Roman" panose="02020603050405020304" pitchFamily="18" charset="0"/>
+              <a:cs typeface="Times New Roman" panose="02020603050405020304" pitchFamily="18" charset="0"/>
+            </a:endParaRPr>
+          </a:p>
+        </p:txBody>
+      </p:sp>
+      <p:sp>
+        <p:nvSpPr>
+          <p:cNvPr id="13" name="object 13"/>
+          <p:cNvSpPr/>
+          <p:nvPr/>
+        </p:nvSpPr>
+        <p:spPr>
+          <a:xfrm>
+            <a:off x="115823" y="6356603"/>
+            <a:ext cx="2988945" cy="364490"/>
+          </a:xfrm>
+          <a:custGeom>
+            <a:avLst/>
+            <a:gdLst/>
+            <a:ahLst/>
+            <a:cxnLst/>
+            <a:rect l="l" t="t" r="r" b="b"/>
+            <a:pathLst>
+              <a:path w="2988945" h="364490">
+                <a:moveTo>
+                  <a:pt x="2988564" y="0"/>
+                </a:moveTo>
+                <a:lnTo>
+                  <a:pt x="0" y="0"/>
+                </a:lnTo>
+                <a:lnTo>
+                  <a:pt x="0" y="364236"/>
+                </a:lnTo>
+                <a:lnTo>
+                  <a:pt x="2988564" y="364236"/>
+                </a:lnTo>
+                <a:lnTo>
+                  <a:pt x="2988564" y="0"/>
+                </a:lnTo>
+                <a:close/>
+              </a:path>
+            </a:pathLst>
+          </a:custGeom>
+          <a:solidFill>
+            <a:srgbClr val="585858"/>
+          </a:solidFill>
+        </p:spPr>
+        <p:txBody>
+          <a:bodyPr wrap="square" lIns="0" tIns="0" rIns="0" bIns="0" rtlCol="0"/>
+          <a:lstStyle/>
+          <a:p>
+            <a:endParaRPr/>
+          </a:p>
+        </p:txBody>
+      </p:sp>
+      <p:sp>
+        <p:nvSpPr>
+          <p:cNvPr id="14" name="object 14"/>
+          <p:cNvSpPr/>
+          <p:nvPr/>
+        </p:nvSpPr>
+        <p:spPr>
+          <a:xfrm>
+            <a:off x="3194304" y="6356603"/>
+            <a:ext cx="6040120" cy="364490"/>
+          </a:xfrm>
+          <a:custGeom>
+            <a:avLst/>
+            <a:gdLst/>
+            <a:ahLst/>
+            <a:cxnLst/>
+            <a:rect l="l" t="t" r="r" b="b"/>
+            <a:pathLst>
+              <a:path w="6040120" h="364490">
+                <a:moveTo>
+                  <a:pt x="6039612" y="0"/>
+                </a:moveTo>
+                <a:lnTo>
+                  <a:pt x="0" y="0"/>
+                </a:lnTo>
+                <a:lnTo>
+                  <a:pt x="0" y="364236"/>
+                </a:lnTo>
+                <a:lnTo>
+                  <a:pt x="6039612" y="364236"/>
+                </a:lnTo>
+                <a:lnTo>
+                  <a:pt x="6039612" y="0"/>
+                </a:lnTo>
+                <a:close/>
+              </a:path>
+            </a:pathLst>
+          </a:custGeom>
+          <a:solidFill>
+            <a:srgbClr val="585858"/>
+          </a:solidFill>
+        </p:spPr>
+        <p:txBody>
+          <a:bodyPr wrap="square" lIns="0" tIns="0" rIns="0" bIns="0" rtlCol="0"/>
+          <a:lstStyle/>
+          <a:p>
+            <a:endParaRPr/>
+          </a:p>
+        </p:txBody>
+      </p:sp>
+      <p:sp>
+        <p:nvSpPr>
+          <p:cNvPr id="15" name="object 15"/>
+          <p:cNvSpPr/>
+          <p:nvPr/>
+        </p:nvSpPr>
+        <p:spPr>
+          <a:xfrm>
+            <a:off x="9323831" y="6356603"/>
+            <a:ext cx="2743200" cy="364490"/>
+          </a:xfrm>
+          <a:custGeom>
+            <a:avLst/>
+            <a:gdLst/>
+            <a:ahLst/>
+            <a:cxnLst/>
+            <a:rect l="l" t="t" r="r" b="b"/>
+            <a:pathLst>
+              <a:path w="2743200" h="364490">
+                <a:moveTo>
+                  <a:pt x="2743200" y="0"/>
+                </a:moveTo>
+                <a:lnTo>
+                  <a:pt x="0" y="0"/>
+                </a:lnTo>
+                <a:lnTo>
+                  <a:pt x="0" y="364236"/>
+                </a:lnTo>
+                <a:lnTo>
+                  <a:pt x="2743200" y="364236"/>
+                </a:lnTo>
+                <a:lnTo>
+                  <a:pt x="2743200" y="0"/>
+                </a:lnTo>
+                <a:close/>
+              </a:path>
+            </a:pathLst>
+          </a:custGeom>
+          <a:solidFill>
+            <a:srgbClr val="585858"/>
+          </a:solidFill>
+        </p:spPr>
+        <p:txBody>
+          <a:bodyPr wrap="square" lIns="0" tIns="0" rIns="0" bIns="0" rtlCol="0"/>
+          <a:lstStyle/>
+          <a:p>
+            <a:endParaRPr/>
+          </a:p>
+        </p:txBody>
+      </p:sp>
+      <p:sp>
+        <p:nvSpPr>
+          <p:cNvPr id="16" name="object 16"/>
+          <p:cNvSpPr txBox="1">
+            <a:spLocks noGrp="1"/>
+          </p:cNvSpPr>
+          <p:nvPr>
+            <p:ph type="ftr" sz="quarter" idx="5"/>
+          </p:nvPr>
+        </p:nvSpPr>
+        <p:spPr>
+          <a:xfrm>
+            <a:off x="194562" y="6431705"/>
+            <a:ext cx="2853438" cy="198772"/>
+          </a:xfrm>
+          <a:prstGeom prst="rect">
+            <a:avLst/>
+          </a:prstGeom>
+        </p:spPr>
+        <p:txBody>
+          <a:bodyPr vert="horz" wrap="square" lIns="0" tIns="13970" rIns="0" bIns="0" rtlCol="0">
+            <a:spAutoFit/>
+          </a:bodyPr>
+          <a:lstStyle/>
+          <a:p>
+            <a:pPr marL="12700">
+              <a:lnSpc>
+                <a:spcPct val="100000"/>
+              </a:lnSpc>
+              <a:spcBef>
+                <a:spcPts val="110"/>
+              </a:spcBef>
+            </a:pPr>
+            <a:r>
+              <a:rPr lang="es-CL" spc="-25" dirty="0">
+                <a:latin typeface="Times New Roman" panose="02020603050405020304" pitchFamily="18" charset="0"/>
+                <a:cs typeface="Times New Roman" panose="02020603050405020304" pitchFamily="18" charset="0"/>
+              </a:rPr>
+              <a:t>Fernández  </a:t>
+            </a:r>
+            <a:r>
+              <a:rPr lang="es-CL" spc="-15" dirty="0">
+                <a:latin typeface="Times New Roman" panose="02020603050405020304" pitchFamily="18" charset="0"/>
+                <a:cs typeface="Times New Roman" panose="02020603050405020304" pitchFamily="18" charset="0"/>
+              </a:rPr>
+              <a:t>–</a:t>
+            </a:r>
+            <a:r>
+              <a:rPr lang="es-CL" spc="-30" dirty="0">
+                <a:latin typeface="Times New Roman" panose="02020603050405020304" pitchFamily="18" charset="0"/>
+                <a:cs typeface="Times New Roman" panose="02020603050405020304" pitchFamily="18" charset="0"/>
+              </a:rPr>
+              <a:t> </a:t>
+            </a:r>
+            <a:r>
+              <a:rPr lang="es-CL" spc="-100" dirty="0">
+                <a:latin typeface="Times New Roman" panose="02020603050405020304" pitchFamily="18" charset="0"/>
+                <a:cs typeface="Times New Roman" panose="02020603050405020304" pitchFamily="18" charset="0"/>
+              </a:rPr>
+              <a:t>2022</a:t>
+            </a:r>
+          </a:p>
+        </p:txBody>
+      </p:sp>
+      <p:sp>
+        <p:nvSpPr>
+          <p:cNvPr id="17" name="object 17"/>
+          <p:cNvSpPr txBox="1">
+            <a:spLocks noGrp="1"/>
+          </p:cNvSpPr>
+          <p:nvPr>
+            <p:ph type="dt" sz="half" idx="6"/>
+          </p:nvPr>
+        </p:nvSpPr>
+        <p:spPr>
+          <a:xfrm>
+            <a:off x="4113403" y="6431705"/>
+            <a:ext cx="4649597" cy="198772"/>
+          </a:xfrm>
+          <a:prstGeom prst="rect">
+            <a:avLst/>
+          </a:prstGeom>
+        </p:spPr>
+        <p:txBody>
+          <a:bodyPr vert="horz" wrap="square" lIns="0" tIns="13970" rIns="0" bIns="0" rtlCol="0">
+            <a:spAutoFit/>
+          </a:bodyPr>
+          <a:lstStyle/>
+          <a:p>
+            <a:pPr marL="12700">
+              <a:spcBef>
+                <a:spcPts val="110"/>
+              </a:spcBef>
+            </a:pPr>
+            <a:r>
+              <a:rPr lang="es-ES" sz="1200" dirty="0">
+                <a:solidFill>
+                  <a:schemeClr val="bg1"/>
+                </a:solidFill>
+                <a:latin typeface="Times New Roman" panose="02020603050405020304" pitchFamily="18" charset="0"/>
+                <a:cs typeface="Times New Roman" panose="02020603050405020304" pitchFamily="18" charset="0"/>
+              </a:rPr>
+              <a:t>Consultoría de Proyecto Informático - </a:t>
+            </a:r>
+            <a:r>
+              <a:rPr lang="es-CL" sz="1200" spc="60" dirty="0">
+                <a:solidFill>
+                  <a:srgbClr val="F1F1F1"/>
+                </a:solidFill>
+                <a:latin typeface="Times New Roman" panose="02020603050405020304" pitchFamily="18" charset="0"/>
+                <a:cs typeface="Times New Roman" panose="02020603050405020304" pitchFamily="18" charset="0"/>
+              </a:rPr>
+              <a:t>Informe de formulación</a:t>
+            </a:r>
+          </a:p>
+        </p:txBody>
+      </p:sp>
+      <p:sp>
+        <p:nvSpPr>
+          <p:cNvPr id="18" name="object 18"/>
+          <p:cNvSpPr txBox="1"/>
+          <p:nvPr/>
+        </p:nvSpPr>
+        <p:spPr>
+          <a:xfrm>
+            <a:off x="11767439" y="6431705"/>
+            <a:ext cx="247650" cy="212725"/>
+          </a:xfrm>
+          <a:prstGeom prst="rect">
+            <a:avLst/>
+          </a:prstGeom>
+        </p:spPr>
+        <p:txBody>
+          <a:bodyPr vert="horz" wrap="square" lIns="0" tIns="13970" rIns="0" bIns="0" rtlCol="0">
+            <a:spAutoFit/>
+          </a:bodyPr>
+          <a:lstStyle/>
+          <a:p>
+            <a:pPr marL="38100">
+              <a:lnSpc>
+                <a:spcPct val="100000"/>
+              </a:lnSpc>
+              <a:spcBef>
+                <a:spcPts val="110"/>
+              </a:spcBef>
+            </a:pPr>
+            <a:fld id="{81D60167-4931-47E6-BA6A-407CBD079E47}" type="slidenum">
+              <a:rPr sz="1200" b="1" spc="-95" dirty="0">
+                <a:solidFill>
+                  <a:srgbClr val="FFFFFF"/>
+                </a:solidFill>
+                <a:latin typeface="Tahoma"/>
+                <a:cs typeface="Tahoma"/>
+              </a:rPr>
+              <a:t>8</a:t>
+            </a:fld>
+            <a:endParaRPr sz="1200">
+              <a:latin typeface="Tahoma"/>
+              <a:cs typeface="Tahoma"/>
+            </a:endParaRPr>
+          </a:p>
+        </p:txBody>
+      </p:sp>
+      <p:pic>
+        <p:nvPicPr>
+          <p:cNvPr id="9" name="Grafik 8">
+            <a:extLst>
+              <a:ext uri="{FF2B5EF4-FFF2-40B4-BE49-F238E27FC236}">
+                <a16:creationId xmlns:a16="http://schemas.microsoft.com/office/drawing/2014/main" id="{537ADCC2-BF1E-F41D-BEDC-4BE6A8F452D2}"/>
+              </a:ext>
+            </a:extLst>
+          </p:cNvPr>
+          <p:cNvPicPr>
+            <a:picLocks noChangeAspect="1"/>
+          </p:cNvPicPr>
+          <p:nvPr/>
+        </p:nvPicPr>
+        <p:blipFill>
+          <a:blip r:embed="rId2">
+            <a:extLst>
+              <a:ext uri="{28A0092B-C50C-407E-A947-70E740481C1C}">
+                <a14:useLocalDpi xmlns:a14="http://schemas.microsoft.com/office/drawing/2010/main" val="0"/>
+              </a:ext>
+            </a:extLst>
+          </a:blip>
+          <a:stretch>
+            <a:fillRect/>
+          </a:stretch>
+        </p:blipFill>
+        <p:spPr>
+          <a:xfrm>
+            <a:off x="1241381" y="1600200"/>
+            <a:ext cx="9709237" cy="4038600"/>
+          </a:xfrm>
+          <a:prstGeom prst="rect">
+            <a:avLst/>
+          </a:prstGeom>
+        </p:spPr>
+      </p:pic>
+    </p:spTree>
+    <p:extLst>
+      <p:ext uri="{BB962C8B-B14F-4D97-AF65-F5344CB8AC3E}">
+        <p14:creationId xmlns:p14="http://schemas.microsoft.com/office/powerpoint/2010/main" val="2786335138"/>
       </p:ext>
     </p:extLst>
   </p:cSld>
@@ -5953,298 +8142,46 @@
           <a:chExt cx="0" cy="0"/>
         </a:xfrm>
       </p:grpSpPr>
-      <p:sp>
-        <p:nvSpPr>
-          <p:cNvPr id="2" name="Titel 1">
+      <p:pic>
+        <p:nvPicPr>
+          <p:cNvPr id="3" name="Grafik 2" descr="Ein Bild, das Text enthält.&#10;&#10;Automatisch generierte Beschreibung">
             <a:extLst>
               <a:ext uri="{FF2B5EF4-FFF2-40B4-BE49-F238E27FC236}">
-                <a16:creationId xmlns:a16="http://schemas.microsoft.com/office/drawing/2014/main" id="{6807FD7E-4598-F6A1-B683-E1DA54F714D0}"/>
+                <a16:creationId xmlns:a16="http://schemas.microsoft.com/office/drawing/2014/main" id="{A2D6B42F-E18F-CF17-CF8D-08138C588CB8}"/>
               </a:ext>
             </a:extLst>
           </p:cNvPr>
-          <p:cNvSpPr>
-            <a:spLocks noGrp="1"/>
-          </p:cNvSpPr>
-          <p:nvPr>
-            <p:ph type="title"/>
-          </p:nvPr>
-        </p:nvSpPr>
+          <p:cNvPicPr>
+            <a:picLocks noChangeAspect="1"/>
+          </p:cNvPicPr>
+          <p:nvPr/>
+        </p:nvPicPr>
+        <p:blipFill>
+          <a:blip r:embed="rId2">
+            <a:extLst>
+              <a:ext uri="{28A0092B-C50C-407E-A947-70E740481C1C}">
+                <a14:useLocalDpi xmlns:a14="http://schemas.microsoft.com/office/drawing/2010/main" val="0"/>
+              </a:ext>
+            </a:extLst>
+          </a:blip>
+          <a:stretch>
+            <a:fillRect/>
+          </a:stretch>
+        </p:blipFill>
         <p:spPr>
           <a:xfrm>
-            <a:off x="959002" y="48260"/>
-            <a:ext cx="10273995" cy="615553"/>
+            <a:off x="3538430" y="863488"/>
+            <a:ext cx="5115139" cy="5131024"/>
           </a:xfrm>
+          <a:prstGeom prst="rect">
+            <a:avLst/>
+          </a:prstGeom>
         </p:spPr>
-        <p:txBody>
-          <a:bodyPr/>
-          <a:lstStyle/>
-          <a:p>
-            <a:r>
-              <a:rPr lang="de-DE" dirty="0" err="1"/>
-              <a:t>Testing</a:t>
-            </a:r>
-            <a:r>
-              <a:rPr lang="de-DE" dirty="0"/>
-              <a:t> Environment</a:t>
-            </a:r>
-          </a:p>
-        </p:txBody>
-      </p:sp>
-      <p:sp>
-        <p:nvSpPr>
-          <p:cNvPr id="3" name="Textplatzhalter 2">
-            <a:extLst>
-              <a:ext uri="{FF2B5EF4-FFF2-40B4-BE49-F238E27FC236}">
-                <a16:creationId xmlns:a16="http://schemas.microsoft.com/office/drawing/2014/main" id="{6C00BB5D-A5BF-B6EF-57BE-6F1047EEAE6C}"/>
-              </a:ext>
-            </a:extLst>
-          </p:cNvPr>
-          <p:cNvSpPr>
-            <a:spLocks noGrp="1"/>
-          </p:cNvSpPr>
-          <p:nvPr>
-            <p:ph type="body" idx="1"/>
-          </p:nvPr>
-        </p:nvSpPr>
-        <p:spPr>
-          <a:xfrm>
-            <a:off x="426821" y="2276347"/>
-            <a:ext cx="11338356" cy="3077766"/>
-          </a:xfrm>
-        </p:spPr>
-        <p:txBody>
-          <a:bodyPr/>
-          <a:lstStyle/>
-          <a:p>
-            <a:r>
-              <a:rPr lang="de-DE" sz="2000" dirty="0" err="1">
-                <a:solidFill>
-                  <a:schemeClr val="tx1"/>
-                </a:solidFill>
-              </a:rPr>
-              <a:t>Tested</a:t>
-            </a:r>
-            <a:r>
-              <a:rPr lang="de-DE" sz="2000" dirty="0">
-                <a:solidFill>
-                  <a:schemeClr val="tx1"/>
-                </a:solidFill>
-              </a:rPr>
-              <a:t> on </a:t>
-            </a:r>
-            <a:r>
-              <a:rPr lang="de-DE" sz="2000" dirty="0" err="1">
-                <a:solidFill>
-                  <a:schemeClr val="tx1"/>
-                </a:solidFill>
-              </a:rPr>
-              <a:t>local</a:t>
-            </a:r>
-            <a:r>
-              <a:rPr lang="de-DE" sz="2000" dirty="0">
-                <a:solidFill>
-                  <a:schemeClr val="tx1"/>
-                </a:solidFill>
-              </a:rPr>
-              <a:t> network</a:t>
-            </a:r>
-          </a:p>
-          <a:p>
-            <a:endParaRPr lang="de-DE" sz="2000" dirty="0">
-              <a:solidFill>
-                <a:schemeClr val="tx1"/>
-              </a:solidFill>
-            </a:endParaRPr>
-          </a:p>
-          <a:p>
-            <a:r>
-              <a:rPr lang="de-DE" sz="2000" dirty="0">
-                <a:solidFill>
-                  <a:schemeClr val="tx1"/>
-                </a:solidFill>
-              </a:rPr>
-              <a:t>Single Computer on </a:t>
-            </a:r>
-            <a:r>
-              <a:rPr lang="de-DE" sz="2000" dirty="0" err="1">
-                <a:solidFill>
-                  <a:schemeClr val="tx1"/>
-                </a:solidFill>
-              </a:rPr>
-              <a:t>localhost</a:t>
-            </a:r>
-            <a:r>
-              <a:rPr lang="de-DE" sz="2000" dirty="0">
-                <a:solidFill>
-                  <a:schemeClr val="tx1"/>
-                </a:solidFill>
-              </a:rPr>
-              <a:t> / </a:t>
-            </a:r>
-            <a:r>
-              <a:rPr lang="de-DE" sz="2000" dirty="0" err="1">
-                <a:solidFill>
-                  <a:schemeClr val="tx1"/>
-                </a:solidFill>
-              </a:rPr>
-              <a:t>port</a:t>
-            </a:r>
-            <a:r>
-              <a:rPr lang="de-DE" sz="2000" dirty="0">
-                <a:solidFill>
-                  <a:schemeClr val="tx1"/>
-                </a:solidFill>
-              </a:rPr>
-              <a:t> (</a:t>
-            </a:r>
-            <a:r>
-              <a:rPr lang="de-DE" sz="2000" dirty="0" err="1">
-                <a:solidFill>
-                  <a:schemeClr val="tx1"/>
-                </a:solidFill>
-              </a:rPr>
-              <a:t>server</a:t>
-            </a:r>
-            <a:r>
-              <a:rPr lang="de-DE" sz="2000" dirty="0">
-                <a:solidFill>
-                  <a:schemeClr val="tx1"/>
-                </a:solidFill>
-              </a:rPr>
-              <a:t> </a:t>
-            </a:r>
-            <a:r>
-              <a:rPr lang="de-DE" sz="2000" dirty="0" err="1">
-                <a:solidFill>
-                  <a:schemeClr val="tx1"/>
-                </a:solidFill>
-              </a:rPr>
-              <a:t>fixed</a:t>
-            </a:r>
-            <a:r>
-              <a:rPr lang="de-DE" sz="2000" dirty="0">
-                <a:solidFill>
-                  <a:schemeClr val="tx1"/>
-                </a:solidFill>
-              </a:rPr>
-              <a:t> </a:t>
-            </a:r>
-            <a:r>
-              <a:rPr lang="de-DE" sz="2000" dirty="0" err="1">
-                <a:solidFill>
-                  <a:schemeClr val="tx1"/>
-                </a:solidFill>
-              </a:rPr>
-              <a:t>port</a:t>
-            </a:r>
-            <a:r>
-              <a:rPr lang="de-DE" sz="2000" dirty="0">
-                <a:solidFill>
-                  <a:schemeClr val="tx1"/>
-                </a:solidFill>
-              </a:rPr>
-              <a:t>, </a:t>
-            </a:r>
-            <a:r>
-              <a:rPr lang="de-DE" sz="2000" dirty="0" err="1">
-                <a:solidFill>
-                  <a:schemeClr val="tx1"/>
-                </a:solidFill>
-              </a:rPr>
-              <a:t>clients</a:t>
-            </a:r>
-            <a:r>
-              <a:rPr lang="de-DE" sz="2000" dirty="0">
-                <a:solidFill>
-                  <a:schemeClr val="tx1"/>
-                </a:solidFill>
-              </a:rPr>
-              <a:t> flexible </a:t>
-            </a:r>
-            <a:r>
-              <a:rPr lang="de-DE" sz="2000" dirty="0" err="1">
-                <a:solidFill>
-                  <a:schemeClr val="tx1"/>
-                </a:solidFill>
-              </a:rPr>
-              <a:t>port</a:t>
-            </a:r>
-            <a:r>
-              <a:rPr lang="de-DE" sz="2000" dirty="0">
-                <a:solidFill>
-                  <a:schemeClr val="tx1"/>
-                </a:solidFill>
-              </a:rPr>
-              <a:t>)</a:t>
-            </a:r>
-          </a:p>
-          <a:p>
-            <a:endParaRPr lang="de-DE" sz="2000" dirty="0">
-              <a:solidFill>
-                <a:schemeClr val="tx1"/>
-              </a:solidFill>
-            </a:endParaRPr>
-          </a:p>
-          <a:p>
-            <a:r>
-              <a:rPr lang="de-DE" sz="2000" dirty="0" err="1">
-                <a:solidFill>
-                  <a:schemeClr val="tx1"/>
-                </a:solidFill>
-              </a:rPr>
-              <a:t>Prozessor:Intel</a:t>
-            </a:r>
-            <a:r>
-              <a:rPr lang="de-DE" sz="2000" dirty="0">
-                <a:solidFill>
-                  <a:schemeClr val="tx1"/>
-                </a:solidFill>
-              </a:rPr>
-              <a:t>(R) Core(TM) i5 CPU       M 560  @ 2.67GHz, 2667 MHz, 2 Kern(e), 4 logische(r) Prozessor(en) – </a:t>
-            </a:r>
-            <a:r>
-              <a:rPr lang="de-DE" sz="2000" b="1" dirty="0">
-                <a:solidFill>
-                  <a:schemeClr val="tx1"/>
-                </a:solidFill>
-              </a:rPr>
-              <a:t>2010</a:t>
-            </a:r>
-          </a:p>
-          <a:p>
-            <a:endParaRPr lang="de-DE" sz="2000" b="1" dirty="0">
-              <a:solidFill>
-                <a:schemeClr val="tx1"/>
-              </a:solidFill>
-            </a:endParaRPr>
-          </a:p>
-          <a:p>
-            <a:endParaRPr lang="de-DE" sz="2000" b="1" dirty="0">
-              <a:solidFill>
-                <a:schemeClr val="tx1"/>
-              </a:solidFill>
-            </a:endParaRPr>
-          </a:p>
-          <a:p>
-            <a:endParaRPr lang="de-DE" sz="2000" dirty="0">
-              <a:solidFill>
-                <a:schemeClr val="tx1"/>
-              </a:solidFill>
-            </a:endParaRPr>
-          </a:p>
-          <a:p>
-            <a:endParaRPr lang="de-DE" sz="2000" dirty="0">
-              <a:solidFill>
-                <a:schemeClr val="tx1"/>
-              </a:solidFill>
-            </a:endParaRPr>
-          </a:p>
-        </p:txBody>
-      </p:sp>
+      </p:pic>
     </p:spTree>
     <p:extLst>
       <p:ext uri="{BB962C8B-B14F-4D97-AF65-F5344CB8AC3E}">
-        <p14:creationId xmlns:p14="http://schemas.microsoft.com/office/powerpoint/2010/main" val="572562583"/>
+        <p14:creationId xmlns:p14="http://schemas.microsoft.com/office/powerpoint/2010/main" val="639100015"/>
       </p:ext>
     </p:extLst>
   </p:cSld>

--- a/Presentacion_2022_07_14.pptx
+++ b/Presentacion_2022_07_14.pptx
@@ -2860,7 +2860,7 @@
         <p:spPr>
           <a:xfrm>
             <a:off x="426821" y="2276347"/>
-            <a:ext cx="11338356" cy="2769989"/>
+            <a:ext cx="11338356" cy="4616648"/>
           </a:xfrm>
         </p:spPr>
         <p:txBody>
@@ -3121,6 +3121,351 @@
                 </a:solidFill>
               </a:rPr>
               <a:t>2010</a:t>
+            </a:r>
+          </a:p>
+          <a:p>
+            <a:endParaRPr lang="de-DE" sz="2000" b="1" dirty="0">
+              <a:solidFill>
+                <a:schemeClr val="tx1"/>
+              </a:solidFill>
+            </a:endParaRPr>
+          </a:p>
+          <a:p>
+            <a:endParaRPr lang="de-DE" sz="2000" b="1" dirty="0">
+              <a:solidFill>
+                <a:schemeClr val="tx1"/>
+              </a:solidFill>
+            </a:endParaRPr>
+          </a:p>
+          <a:p>
+            <a:r>
+              <a:rPr lang="de-DE" sz="2000" b="1" dirty="0" err="1">
+                <a:solidFill>
+                  <a:schemeClr val="tx1"/>
+                </a:solidFill>
+              </a:rPr>
+              <a:t>Better</a:t>
+            </a:r>
+            <a:r>
+              <a:rPr lang="de-DE" sz="2000" b="1" dirty="0">
+                <a:solidFill>
+                  <a:schemeClr val="tx1"/>
+                </a:solidFill>
+              </a:rPr>
+              <a:t>:</a:t>
+            </a:r>
+            <a:r>
+              <a:rPr lang="de-DE" sz="2000" dirty="0">
+                <a:solidFill>
+                  <a:schemeClr val="tx1"/>
+                </a:solidFill>
+              </a:rPr>
+              <a:t> Open Port on Firewall on </a:t>
+            </a:r>
+            <a:r>
+              <a:rPr lang="de-DE" sz="2000" dirty="0" err="1">
+                <a:solidFill>
+                  <a:schemeClr val="tx1"/>
+                </a:solidFill>
+              </a:rPr>
+              <a:t>router</a:t>
+            </a:r>
+            <a:r>
+              <a:rPr lang="de-DE" sz="2000" dirty="0">
+                <a:solidFill>
+                  <a:schemeClr val="tx1"/>
+                </a:solidFill>
+              </a:rPr>
+              <a:t> and </a:t>
+            </a:r>
+            <a:r>
+              <a:rPr lang="de-DE" sz="2000" dirty="0" err="1">
+                <a:solidFill>
+                  <a:schemeClr val="tx1"/>
+                </a:solidFill>
+              </a:rPr>
+              <a:t>sending</a:t>
+            </a:r>
+            <a:r>
+              <a:rPr lang="de-DE" sz="2000" dirty="0">
+                <a:solidFill>
+                  <a:schemeClr val="tx1"/>
+                </a:solidFill>
+              </a:rPr>
+              <a:t> </a:t>
+            </a:r>
+            <a:r>
+              <a:rPr lang="de-DE" sz="2000" dirty="0" err="1">
+                <a:solidFill>
+                  <a:schemeClr val="tx1"/>
+                </a:solidFill>
+              </a:rPr>
+              <a:t>packets</a:t>
+            </a:r>
+            <a:r>
+              <a:rPr lang="de-DE" sz="2000" dirty="0">
+                <a:solidFill>
+                  <a:schemeClr val="tx1"/>
+                </a:solidFill>
+              </a:rPr>
+              <a:t> </a:t>
+            </a:r>
+            <a:r>
+              <a:rPr lang="de-DE" sz="2000" dirty="0" err="1">
+                <a:solidFill>
+                  <a:schemeClr val="tx1"/>
+                </a:solidFill>
+              </a:rPr>
+              <a:t>through</a:t>
+            </a:r>
+            <a:r>
+              <a:rPr lang="de-DE" sz="2000" dirty="0">
+                <a:solidFill>
+                  <a:schemeClr val="tx1"/>
+                </a:solidFill>
+              </a:rPr>
+              <a:t> </a:t>
+            </a:r>
+            <a:r>
+              <a:rPr lang="de-DE" sz="2000" dirty="0" err="1">
+                <a:solidFill>
+                  <a:schemeClr val="tx1"/>
+                </a:solidFill>
+              </a:rPr>
+              <a:t>internet</a:t>
+            </a:r>
+            <a:r>
+              <a:rPr lang="de-DE" sz="2000" dirty="0">
+                <a:solidFill>
+                  <a:schemeClr val="tx1"/>
+                </a:solidFill>
+              </a:rPr>
+              <a:t> (not possible at </a:t>
+            </a:r>
+            <a:r>
+              <a:rPr lang="de-DE" sz="2000" dirty="0" err="1">
+                <a:solidFill>
+                  <a:schemeClr val="tx1"/>
+                </a:solidFill>
+              </a:rPr>
+              <a:t>the</a:t>
+            </a:r>
+            <a:r>
+              <a:rPr lang="de-DE" sz="2000" dirty="0">
+                <a:solidFill>
+                  <a:schemeClr val="tx1"/>
+                </a:solidFill>
+              </a:rPr>
+              <a:t> </a:t>
+            </a:r>
+            <a:r>
+              <a:rPr lang="de-DE" sz="2000" dirty="0" err="1">
+                <a:solidFill>
+                  <a:schemeClr val="tx1"/>
+                </a:solidFill>
+              </a:rPr>
+              <a:t>university</a:t>
+            </a:r>
+            <a:r>
+              <a:rPr lang="de-DE" sz="2000" dirty="0">
+                <a:solidFill>
+                  <a:schemeClr val="tx1"/>
+                </a:solidFill>
+              </a:rPr>
+              <a:t> (</a:t>
+            </a:r>
+            <a:r>
+              <a:rPr lang="de-DE" sz="2000" dirty="0" err="1">
+                <a:solidFill>
+                  <a:schemeClr val="tx1"/>
+                </a:solidFill>
+              </a:rPr>
+              <a:t>with</a:t>
+            </a:r>
+            <a:r>
+              <a:rPr lang="de-DE" sz="2000" dirty="0">
+                <a:solidFill>
+                  <a:schemeClr val="tx1"/>
+                </a:solidFill>
+              </a:rPr>
+              <a:t> </a:t>
+            </a:r>
+            <a:r>
+              <a:rPr lang="de-DE" sz="2000" dirty="0" err="1">
+                <a:solidFill>
+                  <a:schemeClr val="tx1"/>
+                </a:solidFill>
+              </a:rPr>
+              <a:t>student</a:t>
+            </a:r>
+            <a:r>
+              <a:rPr lang="de-DE" sz="2000" dirty="0">
+                <a:solidFill>
+                  <a:schemeClr val="tx1"/>
+                </a:solidFill>
+              </a:rPr>
+              <a:t> </a:t>
+            </a:r>
+            <a:r>
+              <a:rPr lang="de-DE" sz="2000" dirty="0" err="1">
+                <a:solidFill>
+                  <a:schemeClr val="tx1"/>
+                </a:solidFill>
+              </a:rPr>
+              <a:t>account</a:t>
+            </a:r>
+            <a:r>
+              <a:rPr lang="de-DE" sz="2000" dirty="0">
+                <a:solidFill>
+                  <a:schemeClr val="tx1"/>
+                </a:solidFill>
+              </a:rPr>
+              <a:t>) </a:t>
+            </a:r>
+            <a:r>
+              <a:rPr lang="de-DE" sz="2000" dirty="0" err="1">
+                <a:solidFill>
+                  <a:schemeClr val="tx1"/>
+                </a:solidFill>
+              </a:rPr>
+              <a:t>or</a:t>
+            </a:r>
+            <a:r>
+              <a:rPr lang="de-DE" sz="2000" dirty="0">
+                <a:solidFill>
+                  <a:schemeClr val="tx1"/>
+                </a:solidFill>
+              </a:rPr>
+              <a:t> in </a:t>
+            </a:r>
+            <a:r>
+              <a:rPr lang="de-DE" sz="2000" dirty="0" err="1">
+                <a:solidFill>
+                  <a:schemeClr val="tx1"/>
+                </a:solidFill>
+              </a:rPr>
+              <a:t>my</a:t>
+            </a:r>
+            <a:r>
+              <a:rPr lang="de-DE" sz="2000" dirty="0">
+                <a:solidFill>
+                  <a:schemeClr val="tx1"/>
+                </a:solidFill>
+              </a:rPr>
+              <a:t> </a:t>
+            </a:r>
+            <a:r>
+              <a:rPr lang="de-DE" sz="2000" dirty="0" err="1">
+                <a:solidFill>
+                  <a:schemeClr val="tx1"/>
+                </a:solidFill>
+              </a:rPr>
+              <a:t>home</a:t>
+            </a:r>
+            <a:r>
+              <a:rPr lang="de-DE" sz="2000" dirty="0">
+                <a:solidFill>
+                  <a:schemeClr val="tx1"/>
+                </a:solidFill>
+              </a:rPr>
+              <a:t> (</a:t>
+            </a:r>
+            <a:r>
+              <a:rPr lang="de-DE" sz="2000" dirty="0" err="1">
+                <a:solidFill>
+                  <a:schemeClr val="tx1"/>
+                </a:solidFill>
+              </a:rPr>
+              <a:t>no</a:t>
+            </a:r>
+            <a:r>
+              <a:rPr lang="de-DE" sz="2000" dirty="0">
+                <a:solidFill>
+                  <a:schemeClr val="tx1"/>
+                </a:solidFill>
+              </a:rPr>
+              <a:t> </a:t>
+            </a:r>
+            <a:r>
+              <a:rPr lang="de-DE" sz="2000" dirty="0" err="1">
+                <a:solidFill>
+                  <a:schemeClr val="tx1"/>
+                </a:solidFill>
+              </a:rPr>
+              <a:t>access</a:t>
+            </a:r>
+            <a:r>
+              <a:rPr lang="de-DE" sz="2000" dirty="0">
+                <a:solidFill>
+                  <a:schemeClr val="tx1"/>
+                </a:solidFill>
+              </a:rPr>
+              <a:t>)</a:t>
+            </a:r>
+          </a:p>
+          <a:p>
+            <a:endParaRPr lang="de-DE" sz="2000" dirty="0">
+              <a:solidFill>
+                <a:schemeClr val="tx1"/>
+              </a:solidFill>
+            </a:endParaRPr>
+          </a:p>
+          <a:p>
+            <a:r>
+              <a:rPr lang="de-DE" sz="2000" dirty="0">
+                <a:solidFill>
+                  <a:schemeClr val="tx1"/>
+                </a:solidFill>
+              </a:rPr>
+              <a:t>Advantages </a:t>
+            </a:r>
+            <a:r>
+              <a:rPr lang="de-DE" sz="2000" dirty="0" err="1">
+                <a:solidFill>
+                  <a:schemeClr val="tx1"/>
+                </a:solidFill>
+              </a:rPr>
+              <a:t>more</a:t>
+            </a:r>
+            <a:r>
+              <a:rPr lang="de-DE" sz="2000" dirty="0">
+                <a:solidFill>
+                  <a:schemeClr val="tx1"/>
+                </a:solidFill>
+              </a:rPr>
+              <a:t> </a:t>
+            </a:r>
+            <a:r>
+              <a:rPr lang="de-DE" sz="2000" dirty="0" err="1">
+                <a:solidFill>
+                  <a:schemeClr val="tx1"/>
+                </a:solidFill>
+              </a:rPr>
+              <a:t>clear</a:t>
+            </a:r>
+            <a:r>
+              <a:rPr lang="de-DE" sz="2000" dirty="0">
+                <a:solidFill>
+                  <a:schemeClr val="tx1"/>
+                </a:solidFill>
+              </a:rPr>
+              <a:t> </a:t>
+            </a:r>
+            <a:r>
+              <a:rPr lang="de-DE" sz="2000" dirty="0" err="1">
+                <a:solidFill>
+                  <a:schemeClr val="tx1"/>
+                </a:solidFill>
+              </a:rPr>
+              <a:t>between</a:t>
+            </a:r>
+            <a:r>
+              <a:rPr lang="de-DE" sz="2000" dirty="0">
+                <a:solidFill>
+                  <a:schemeClr val="tx1"/>
+                </a:solidFill>
+              </a:rPr>
+              <a:t> TCP / UDP</a:t>
             </a:r>
           </a:p>
           <a:p>
@@ -3874,6 +4219,22 @@
                   <a:schemeClr val="tx1"/>
                 </a:solidFill>
               </a:rPr>
+              <a:t>especially</a:t>
+            </a:r>
+            <a:r>
+              <a:rPr lang="de-DE" sz="1800" kern="0" dirty="0">
+                <a:solidFill>
+                  <a:schemeClr val="tx1"/>
+                </a:solidFill>
+              </a:rPr>
+              <a:t> </a:t>
+            </a:r>
+            <a:r>
+              <a:rPr lang="de-DE" sz="1800" kern="0" dirty="0" err="1">
+                <a:solidFill>
+                  <a:schemeClr val="tx1"/>
+                </a:solidFill>
+              </a:rPr>
               <a:t>paket</a:t>
             </a:r>
             <a:r>
@@ -4511,7 +4872,7 @@
         <p:spPr>
           <a:xfrm>
             <a:off x="423104" y="3821312"/>
-            <a:ext cx="11338356" cy="307777"/>
+            <a:ext cx="11338356" cy="615553"/>
           </a:xfrm>
           <a:prstGeom prst="rect">
             <a:avLst/>
@@ -4716,6 +5077,32 @@
               </a:solidFill>
             </a:endParaRPr>
           </a:p>
+          <a:p>
+            <a:r>
+              <a:rPr lang="de-DE" sz="2000" kern="0" dirty="0">
+                <a:solidFill>
+                  <a:schemeClr val="tx1"/>
+                </a:solidFill>
+              </a:rPr>
+              <a:t>-&gt; </a:t>
+            </a:r>
+            <a:r>
+              <a:rPr lang="de-DE" sz="2000" kern="0" dirty="0" err="1">
+                <a:solidFill>
+                  <a:schemeClr val="tx1"/>
+                </a:solidFill>
+              </a:rPr>
+              <a:t>spoofing</a:t>
+            </a:r>
+            <a:r>
+              <a:rPr lang="de-DE" sz="2000" kern="0" dirty="0">
+                <a:solidFill>
+                  <a:schemeClr val="tx1"/>
+                </a:solidFill>
+              </a:rPr>
+              <a:t> possible</a:t>
+            </a:r>
+          </a:p>
         </p:txBody>
       </p:sp>
       <p:sp>
@@ -4735,7 +5122,7 @@
         <p:spPr>
           <a:xfrm>
             <a:off x="423104" y="5345308"/>
-            <a:ext cx="11338356" cy="307777"/>
+            <a:ext cx="11338356" cy="1231106"/>
           </a:xfrm>
           <a:prstGeom prst="rect">
             <a:avLst/>
@@ -4932,103 +5319,6 @@
               </a:solidFill>
             </a:endParaRPr>
           </a:p>
-        </p:txBody>
-      </p:sp>
-      <p:sp>
-        <p:nvSpPr>
-          <p:cNvPr id="8" name="Textplatzhalter 2">
-            <a:extLst>
-              <a:ext uri="{FF2B5EF4-FFF2-40B4-BE49-F238E27FC236}">
-                <a16:creationId xmlns:a16="http://schemas.microsoft.com/office/drawing/2014/main" id="{038B57FC-B59A-44D6-BA48-8D30EB726D79}"/>
-              </a:ext>
-            </a:extLst>
-          </p:cNvPr>
-          <p:cNvSpPr txBox="1">
-            <a:spLocks/>
-          </p:cNvSpPr>
-          <p:nvPr/>
-        </p:nvSpPr>
-        <p:spPr>
-          <a:xfrm>
-            <a:off x="423104" y="5834000"/>
-            <a:ext cx="11338356" cy="307777"/>
-          </a:xfrm>
-          <a:prstGeom prst="rect">
-            <a:avLst/>
-          </a:prstGeom>
-        </p:spPr>
-        <p:txBody>
-          <a:bodyPr wrap="square" lIns="0" tIns="0" rIns="0" bIns="0">
-            <a:spAutoFit/>
-          </a:bodyPr>
-          <a:lstStyle>
-            <a:lvl1pPr marL="0">
-              <a:defRPr sz="4200" b="0" i="0">
-                <a:solidFill>
-                  <a:schemeClr val="bg1"/>
-                </a:solidFill>
-                <a:latin typeface="Verdana"/>
-                <a:ea typeface="+mn-ea"/>
-                <a:cs typeface="Verdana"/>
-              </a:defRPr>
-            </a:lvl1pPr>
-            <a:lvl2pPr marL="457200">
-              <a:defRPr>
-                <a:latin typeface="+mn-lt"/>
-                <a:ea typeface="+mn-ea"/>
-                <a:cs typeface="+mn-cs"/>
-              </a:defRPr>
-            </a:lvl2pPr>
-            <a:lvl3pPr marL="914400">
-              <a:defRPr>
-                <a:latin typeface="+mn-lt"/>
-                <a:ea typeface="+mn-ea"/>
-                <a:cs typeface="+mn-cs"/>
-              </a:defRPr>
-            </a:lvl3pPr>
-            <a:lvl4pPr marL="1371600">
-              <a:defRPr>
-                <a:latin typeface="+mn-lt"/>
-                <a:ea typeface="+mn-ea"/>
-                <a:cs typeface="+mn-cs"/>
-              </a:defRPr>
-            </a:lvl4pPr>
-            <a:lvl5pPr marL="1828800">
-              <a:defRPr>
-                <a:latin typeface="+mn-lt"/>
-                <a:ea typeface="+mn-ea"/>
-                <a:cs typeface="+mn-cs"/>
-              </a:defRPr>
-            </a:lvl5pPr>
-            <a:lvl6pPr marL="2286000">
-              <a:defRPr>
-                <a:latin typeface="+mn-lt"/>
-                <a:ea typeface="+mn-ea"/>
-                <a:cs typeface="+mn-cs"/>
-              </a:defRPr>
-            </a:lvl6pPr>
-            <a:lvl7pPr marL="2743200">
-              <a:defRPr>
-                <a:latin typeface="+mn-lt"/>
-                <a:ea typeface="+mn-ea"/>
-                <a:cs typeface="+mn-cs"/>
-              </a:defRPr>
-            </a:lvl7pPr>
-            <a:lvl8pPr marL="3200400">
-              <a:defRPr>
-                <a:latin typeface="+mn-lt"/>
-                <a:ea typeface="+mn-ea"/>
-                <a:cs typeface="+mn-cs"/>
-              </a:defRPr>
-            </a:lvl8pPr>
-            <a:lvl9pPr marL="3657600">
-              <a:defRPr>
-                <a:latin typeface="+mn-lt"/>
-                <a:ea typeface="+mn-ea"/>
-                <a:cs typeface="+mn-cs"/>
-              </a:defRPr>
-            </a:lvl9pPr>
-          </a:lstStyle>
           <a:p>
             <a:r>
               <a:rPr lang="de-DE" sz="2000" kern="0" dirty="0" err="1">
@@ -5126,6 +5416,61 @@
               </a:rPr>
               <a:t> reliable</a:t>
             </a:r>
+          </a:p>
+          <a:p>
+            <a:r>
+              <a:rPr lang="de-DE" sz="2000" kern="0" dirty="0" err="1">
+                <a:solidFill>
+                  <a:schemeClr val="tx1"/>
+                </a:solidFill>
+              </a:rPr>
+              <a:t>Programming</a:t>
+            </a:r>
+            <a:r>
+              <a:rPr lang="de-DE" sz="2000" kern="0" dirty="0">
+                <a:solidFill>
+                  <a:schemeClr val="tx1"/>
+                </a:solidFill>
+              </a:rPr>
+              <a:t> TCP was </a:t>
+            </a:r>
+            <a:r>
+              <a:rPr lang="de-DE" sz="2000" kern="0" dirty="0" err="1">
+                <a:solidFill>
+                  <a:schemeClr val="tx1"/>
+                </a:solidFill>
+              </a:rPr>
+              <a:t>easier</a:t>
+            </a:r>
+            <a:r>
+              <a:rPr lang="de-DE" sz="2000" kern="0" dirty="0">
+                <a:solidFill>
+                  <a:schemeClr val="tx1"/>
+                </a:solidFill>
+              </a:rPr>
+              <a:t> </a:t>
+            </a:r>
+            <a:r>
+              <a:rPr lang="de-DE" sz="2000" kern="0" dirty="0">
+                <a:solidFill>
+                  <a:schemeClr val="tx1"/>
+                </a:solidFill>
+                <a:sym typeface="Wingdings" panose="05000000000000000000" pitchFamily="2" charset="2"/>
+              </a:rPr>
+              <a:t></a:t>
+            </a:r>
+            <a:endParaRPr lang="de-DE" sz="2000" kern="0" dirty="0">
+              <a:solidFill>
+                <a:schemeClr val="tx1"/>
+              </a:solidFill>
+            </a:endParaRPr>
+          </a:p>
+          <a:p>
+            <a:endParaRPr lang="de-DE" sz="2000" kern="0" dirty="0">
+              <a:solidFill>
+                <a:schemeClr val="tx1"/>
+              </a:solidFill>
+            </a:endParaRPr>
           </a:p>
         </p:txBody>
       </p:sp>
@@ -5262,7 +5607,7 @@
                 <a:latin typeface="Times New Roman" panose="02020603050405020304" pitchFamily="18" charset="0"/>
                 <a:cs typeface="Times New Roman" panose="02020603050405020304" pitchFamily="18" charset="0"/>
               </a:rPr>
-              <a:t>30/06/2022</a:t>
+              <a:t>14/07/2022</a:t>
             </a:r>
             <a:endParaRPr sz="2200" dirty="0">
               <a:latin typeface="Times New Roman" panose="02020603050405020304" pitchFamily="18" charset="0"/>

--- a/Presentacion_2022_07_14.pptx
+++ b/Presentacion_2022_07_14.pptx
@@ -2323,7 +2323,7 @@
                 <a:latin typeface="Times New Roman" panose="02020603050405020304" pitchFamily="18" charset="0"/>
                 <a:cs typeface="Times New Roman" panose="02020603050405020304" pitchFamily="18" charset="0"/>
               </a:rPr>
-              <a:t>30/06/2022 </a:t>
+              <a:t>14/07/2022 </a:t>
             </a:r>
             <a:endParaRPr sz="2200" dirty="0">
               <a:solidFill>
@@ -8489,10 +8489,10 @@
       </p:grpSpPr>
       <p:pic>
         <p:nvPicPr>
-          <p:cNvPr id="3" name="Grafik 2" descr="Ein Bild, das Text enthält.&#10;&#10;Automatisch generierte Beschreibung">
+          <p:cNvPr id="4" name="Grafik 3" descr="Ein Bild, das Text enthält.&#10;&#10;Automatisch generierte Beschreibung">
             <a:extLst>
               <a:ext uri="{FF2B5EF4-FFF2-40B4-BE49-F238E27FC236}">
-                <a16:creationId xmlns:a16="http://schemas.microsoft.com/office/drawing/2014/main" id="{A2D6B42F-E18F-CF17-CF8D-08138C588CB8}"/>
+                <a16:creationId xmlns:a16="http://schemas.microsoft.com/office/drawing/2014/main" id="{F7B34BAE-C5A2-9916-F079-2217039640E9}"/>
               </a:ext>
             </a:extLst>
           </p:cNvPr>
@@ -8515,14 +8515,64 @@
         </p:blipFill>
         <p:spPr>
           <a:xfrm>
-            <a:off x="3538430" y="863488"/>
-            <a:ext cx="5115139" cy="5131024"/>
+            <a:off x="2971396" y="1452451"/>
+            <a:ext cx="6249207" cy="3953097"/>
           </a:xfrm>
           <a:prstGeom prst="rect">
             <a:avLst/>
           </a:prstGeom>
         </p:spPr>
       </p:pic>
+      <p:sp>
+        <p:nvSpPr>
+          <p:cNvPr id="5" name="Rechteck 4">
+            <a:extLst>
+              <a:ext uri="{FF2B5EF4-FFF2-40B4-BE49-F238E27FC236}">
+                <a16:creationId xmlns:a16="http://schemas.microsoft.com/office/drawing/2014/main" id="{04BCAECA-64C1-46BB-B5CE-F876311CBED4}"/>
+              </a:ext>
+            </a:extLst>
+          </p:cNvPr>
+          <p:cNvSpPr/>
+          <p:nvPr/>
+        </p:nvSpPr>
+        <p:spPr>
+          <a:xfrm>
+            <a:off x="2971396" y="3581400"/>
+            <a:ext cx="3124604" cy="381000"/>
+          </a:xfrm>
+          <a:prstGeom prst="rect">
+            <a:avLst/>
+          </a:prstGeom>
+          <a:noFill/>
+          <a:ln>
+            <a:solidFill>
+              <a:srgbClr val="FF0000"/>
+            </a:solidFill>
+          </a:ln>
+        </p:spPr>
+        <p:style>
+          <a:lnRef idx="2">
+            <a:schemeClr val="accent6"/>
+          </a:lnRef>
+          <a:fillRef idx="1">
+            <a:schemeClr val="lt1"/>
+          </a:fillRef>
+          <a:effectRef idx="0">
+            <a:schemeClr val="accent6"/>
+          </a:effectRef>
+          <a:fontRef idx="minor">
+            <a:schemeClr val="dk1"/>
+          </a:fontRef>
+        </p:style>
+        <p:txBody>
+          <a:bodyPr rtlCol="0" anchor="ctr"/>
+          <a:lstStyle/>
+          <a:p>
+            <a:pPr algn="ctr"/>
+            <a:endParaRPr lang="de-DE"/>
+          </a:p>
+        </p:txBody>
+      </p:sp>
     </p:spTree>
     <p:extLst>
       <p:ext uri="{BB962C8B-B14F-4D97-AF65-F5344CB8AC3E}">

--- a/Presentacion_2022_07_14.pptx
+++ b/Presentacion_2022_07_14.pptx
@@ -8,17 +8,15 @@
     <p:sldId id="256" r:id="rId2"/>
     <p:sldId id="257" r:id="rId3"/>
     <p:sldId id="293" r:id="rId4"/>
-    <p:sldId id="287" r:id="rId5"/>
-    <p:sldId id="295" r:id="rId6"/>
-    <p:sldId id="297" r:id="rId7"/>
-    <p:sldId id="303" r:id="rId8"/>
-    <p:sldId id="304" r:id="rId9"/>
-    <p:sldId id="299" r:id="rId10"/>
-    <p:sldId id="292" r:id="rId11"/>
-    <p:sldId id="300" r:id="rId12"/>
-    <p:sldId id="298" r:id="rId13"/>
-    <p:sldId id="301" r:id="rId14"/>
-    <p:sldId id="278" r:id="rId15"/>
+    <p:sldId id="297" r:id="rId5"/>
+    <p:sldId id="303" r:id="rId6"/>
+    <p:sldId id="304" r:id="rId7"/>
+    <p:sldId id="299" r:id="rId8"/>
+    <p:sldId id="292" r:id="rId9"/>
+    <p:sldId id="300" r:id="rId10"/>
+    <p:sldId id="298" r:id="rId11"/>
+    <p:sldId id="301" r:id="rId12"/>
+    <p:sldId id="278" r:id="rId13"/>
   </p:sldIdLst>
   <p:sldSz cx="12192000" cy="6858000"/>
   <p:notesSz cx="12192000" cy="6858000"/>
@@ -2362,1174 +2360,6 @@
       </p:grpSpPr>
       <p:sp>
         <p:nvSpPr>
-          <p:cNvPr id="2" name="object 2"/>
-          <p:cNvSpPr txBox="1">
-            <a:spLocks noGrp="1"/>
-          </p:cNvSpPr>
-          <p:nvPr>
-            <p:ph type="title"/>
-          </p:nvPr>
-        </p:nvSpPr>
-        <p:spPr>
-          <a:xfrm>
-            <a:off x="533400" y="287527"/>
-            <a:ext cx="9296400" cy="696595"/>
-          </a:xfrm>
-          <a:prstGeom prst="rect">
-            <a:avLst/>
-          </a:prstGeom>
-        </p:spPr>
-        <p:txBody>
-          <a:bodyPr vert="horz" wrap="square" lIns="0" tIns="12700" rIns="0" bIns="0" rtlCol="0">
-            <a:spAutoFit/>
-          </a:bodyPr>
-          <a:lstStyle/>
-          <a:p>
-            <a:pPr marL="12700" algn="ctr">
-              <a:lnSpc>
-                <a:spcPct val="100000"/>
-              </a:lnSpc>
-              <a:spcBef>
-                <a:spcPts val="100"/>
-              </a:spcBef>
-            </a:pPr>
-            <a:r>
-              <a:rPr lang="es-ES" sz="4400" dirty="0" err="1">
-                <a:latin typeface="Times New Roman" panose="02020603050405020304" pitchFamily="18" charset="0"/>
-                <a:cs typeface="Times New Roman" panose="02020603050405020304" pitchFamily="18" charset="0"/>
-              </a:rPr>
-              <a:t>Results</a:t>
-            </a:r>
-            <a:r>
-              <a:rPr lang="es-ES" sz="4400" dirty="0">
-                <a:latin typeface="Times New Roman" panose="02020603050405020304" pitchFamily="18" charset="0"/>
-                <a:cs typeface="Times New Roman" panose="02020603050405020304" pitchFamily="18" charset="0"/>
-              </a:rPr>
-              <a:t> </a:t>
-            </a:r>
-            <a:endParaRPr sz="4400" dirty="0">
-              <a:latin typeface="Times New Roman" panose="02020603050405020304" pitchFamily="18" charset="0"/>
-              <a:cs typeface="Times New Roman" panose="02020603050405020304" pitchFamily="18" charset="0"/>
-            </a:endParaRPr>
-          </a:p>
-        </p:txBody>
-      </p:sp>
-      <p:sp>
-        <p:nvSpPr>
-          <p:cNvPr id="13" name="object 13"/>
-          <p:cNvSpPr/>
-          <p:nvPr/>
-        </p:nvSpPr>
-        <p:spPr>
-          <a:xfrm>
-            <a:off x="115823" y="6356603"/>
-            <a:ext cx="2988945" cy="364490"/>
-          </a:xfrm>
-          <a:custGeom>
-            <a:avLst/>
-            <a:gdLst/>
-            <a:ahLst/>
-            <a:cxnLst/>
-            <a:rect l="l" t="t" r="r" b="b"/>
-            <a:pathLst>
-              <a:path w="2988945" h="364490">
-                <a:moveTo>
-                  <a:pt x="2988564" y="0"/>
-                </a:moveTo>
-                <a:lnTo>
-                  <a:pt x="0" y="0"/>
-                </a:lnTo>
-                <a:lnTo>
-                  <a:pt x="0" y="364236"/>
-                </a:lnTo>
-                <a:lnTo>
-                  <a:pt x="2988564" y="364236"/>
-                </a:lnTo>
-                <a:lnTo>
-                  <a:pt x="2988564" y="0"/>
-                </a:lnTo>
-                <a:close/>
-              </a:path>
-            </a:pathLst>
-          </a:custGeom>
-          <a:solidFill>
-            <a:srgbClr val="585858"/>
-          </a:solidFill>
-        </p:spPr>
-        <p:txBody>
-          <a:bodyPr wrap="square" lIns="0" tIns="0" rIns="0" bIns="0" rtlCol="0"/>
-          <a:lstStyle/>
-          <a:p>
-            <a:endParaRPr/>
-          </a:p>
-        </p:txBody>
-      </p:sp>
-      <p:sp>
-        <p:nvSpPr>
-          <p:cNvPr id="14" name="object 14"/>
-          <p:cNvSpPr/>
-          <p:nvPr/>
-        </p:nvSpPr>
-        <p:spPr>
-          <a:xfrm>
-            <a:off x="3194304" y="6356603"/>
-            <a:ext cx="6040120" cy="364490"/>
-          </a:xfrm>
-          <a:custGeom>
-            <a:avLst/>
-            <a:gdLst/>
-            <a:ahLst/>
-            <a:cxnLst/>
-            <a:rect l="l" t="t" r="r" b="b"/>
-            <a:pathLst>
-              <a:path w="6040120" h="364490">
-                <a:moveTo>
-                  <a:pt x="6039612" y="0"/>
-                </a:moveTo>
-                <a:lnTo>
-                  <a:pt x="0" y="0"/>
-                </a:lnTo>
-                <a:lnTo>
-                  <a:pt x="0" y="364236"/>
-                </a:lnTo>
-                <a:lnTo>
-                  <a:pt x="6039612" y="364236"/>
-                </a:lnTo>
-                <a:lnTo>
-                  <a:pt x="6039612" y="0"/>
-                </a:lnTo>
-                <a:close/>
-              </a:path>
-            </a:pathLst>
-          </a:custGeom>
-          <a:solidFill>
-            <a:srgbClr val="585858"/>
-          </a:solidFill>
-        </p:spPr>
-        <p:txBody>
-          <a:bodyPr wrap="square" lIns="0" tIns="0" rIns="0" bIns="0" rtlCol="0"/>
-          <a:lstStyle/>
-          <a:p>
-            <a:endParaRPr/>
-          </a:p>
-        </p:txBody>
-      </p:sp>
-      <p:sp>
-        <p:nvSpPr>
-          <p:cNvPr id="15" name="object 15"/>
-          <p:cNvSpPr/>
-          <p:nvPr/>
-        </p:nvSpPr>
-        <p:spPr>
-          <a:xfrm>
-            <a:off x="9323831" y="6356603"/>
-            <a:ext cx="2743200" cy="364490"/>
-          </a:xfrm>
-          <a:custGeom>
-            <a:avLst/>
-            <a:gdLst/>
-            <a:ahLst/>
-            <a:cxnLst/>
-            <a:rect l="l" t="t" r="r" b="b"/>
-            <a:pathLst>
-              <a:path w="2743200" h="364490">
-                <a:moveTo>
-                  <a:pt x="2743200" y="0"/>
-                </a:moveTo>
-                <a:lnTo>
-                  <a:pt x="0" y="0"/>
-                </a:lnTo>
-                <a:lnTo>
-                  <a:pt x="0" y="364236"/>
-                </a:lnTo>
-                <a:lnTo>
-                  <a:pt x="2743200" y="364236"/>
-                </a:lnTo>
-                <a:lnTo>
-                  <a:pt x="2743200" y="0"/>
-                </a:lnTo>
-                <a:close/>
-              </a:path>
-            </a:pathLst>
-          </a:custGeom>
-          <a:solidFill>
-            <a:srgbClr val="585858"/>
-          </a:solidFill>
-        </p:spPr>
-        <p:txBody>
-          <a:bodyPr wrap="square" lIns="0" tIns="0" rIns="0" bIns="0" rtlCol="0"/>
-          <a:lstStyle/>
-          <a:p>
-            <a:endParaRPr/>
-          </a:p>
-        </p:txBody>
-      </p:sp>
-      <p:sp>
-        <p:nvSpPr>
-          <p:cNvPr id="16" name="object 16"/>
-          <p:cNvSpPr txBox="1">
-            <a:spLocks noGrp="1"/>
-          </p:cNvSpPr>
-          <p:nvPr>
-            <p:ph type="ftr" sz="quarter" idx="5"/>
-          </p:nvPr>
-        </p:nvSpPr>
-        <p:spPr>
-          <a:xfrm>
-            <a:off x="194562" y="6431705"/>
-            <a:ext cx="2853438" cy="198772"/>
-          </a:xfrm>
-          <a:prstGeom prst="rect">
-            <a:avLst/>
-          </a:prstGeom>
-        </p:spPr>
-        <p:txBody>
-          <a:bodyPr vert="horz" wrap="square" lIns="0" tIns="13970" rIns="0" bIns="0" rtlCol="0">
-            <a:spAutoFit/>
-          </a:bodyPr>
-          <a:lstStyle/>
-          <a:p>
-            <a:pPr marL="12700">
-              <a:lnSpc>
-                <a:spcPct val="100000"/>
-              </a:lnSpc>
-              <a:spcBef>
-                <a:spcPts val="110"/>
-              </a:spcBef>
-            </a:pPr>
-            <a:r>
-              <a:rPr lang="es-CL" spc="-25" dirty="0">
-                <a:latin typeface="Times New Roman" panose="02020603050405020304" pitchFamily="18" charset="0"/>
-                <a:cs typeface="Times New Roman" panose="02020603050405020304" pitchFamily="18" charset="0"/>
-              </a:rPr>
-              <a:t>Fernández  </a:t>
-            </a:r>
-            <a:r>
-              <a:rPr lang="es-CL" spc="-15" dirty="0">
-                <a:latin typeface="Times New Roman" panose="02020603050405020304" pitchFamily="18" charset="0"/>
-                <a:cs typeface="Times New Roman" panose="02020603050405020304" pitchFamily="18" charset="0"/>
-              </a:rPr>
-              <a:t>–</a:t>
-            </a:r>
-            <a:r>
-              <a:rPr lang="es-CL" spc="-30" dirty="0">
-                <a:latin typeface="Times New Roman" panose="02020603050405020304" pitchFamily="18" charset="0"/>
-                <a:cs typeface="Times New Roman" panose="02020603050405020304" pitchFamily="18" charset="0"/>
-              </a:rPr>
-              <a:t> </a:t>
-            </a:r>
-            <a:r>
-              <a:rPr lang="es-CL" spc="-100" dirty="0">
-                <a:latin typeface="Times New Roman" panose="02020603050405020304" pitchFamily="18" charset="0"/>
-                <a:cs typeface="Times New Roman" panose="02020603050405020304" pitchFamily="18" charset="0"/>
-              </a:rPr>
-              <a:t>2022</a:t>
-            </a:r>
-          </a:p>
-        </p:txBody>
-      </p:sp>
-      <p:sp>
-        <p:nvSpPr>
-          <p:cNvPr id="17" name="object 17"/>
-          <p:cNvSpPr txBox="1">
-            <a:spLocks noGrp="1"/>
-          </p:cNvSpPr>
-          <p:nvPr>
-            <p:ph type="dt" sz="half" idx="6"/>
-          </p:nvPr>
-        </p:nvSpPr>
-        <p:spPr>
-          <a:xfrm>
-            <a:off x="4113403" y="6431705"/>
-            <a:ext cx="4649597" cy="198772"/>
-          </a:xfrm>
-          <a:prstGeom prst="rect">
-            <a:avLst/>
-          </a:prstGeom>
-        </p:spPr>
-        <p:txBody>
-          <a:bodyPr vert="horz" wrap="square" lIns="0" tIns="13970" rIns="0" bIns="0" rtlCol="0">
-            <a:spAutoFit/>
-          </a:bodyPr>
-          <a:lstStyle/>
-          <a:p>
-            <a:pPr marL="12700">
-              <a:spcBef>
-                <a:spcPts val="110"/>
-              </a:spcBef>
-            </a:pPr>
-            <a:r>
-              <a:rPr lang="es-ES" sz="1200" dirty="0">
-                <a:solidFill>
-                  <a:schemeClr val="bg1"/>
-                </a:solidFill>
-                <a:latin typeface="Times New Roman" panose="02020603050405020304" pitchFamily="18" charset="0"/>
-                <a:cs typeface="Times New Roman" panose="02020603050405020304" pitchFamily="18" charset="0"/>
-              </a:rPr>
-              <a:t>Consultoría de Proyecto Informático - </a:t>
-            </a:r>
-            <a:r>
-              <a:rPr lang="es-CL" sz="1200" spc="60" dirty="0">
-                <a:solidFill>
-                  <a:srgbClr val="F1F1F1"/>
-                </a:solidFill>
-                <a:latin typeface="Times New Roman" panose="02020603050405020304" pitchFamily="18" charset="0"/>
-                <a:cs typeface="Times New Roman" panose="02020603050405020304" pitchFamily="18" charset="0"/>
-              </a:rPr>
-              <a:t>Informe de formulación</a:t>
-            </a:r>
-          </a:p>
-        </p:txBody>
-      </p:sp>
-      <p:sp>
-        <p:nvSpPr>
-          <p:cNvPr id="18" name="object 18"/>
-          <p:cNvSpPr txBox="1"/>
-          <p:nvPr/>
-        </p:nvSpPr>
-        <p:spPr>
-          <a:xfrm>
-            <a:off x="11767439" y="6431705"/>
-            <a:ext cx="247650" cy="212725"/>
-          </a:xfrm>
-          <a:prstGeom prst="rect">
-            <a:avLst/>
-          </a:prstGeom>
-        </p:spPr>
-        <p:txBody>
-          <a:bodyPr vert="horz" wrap="square" lIns="0" tIns="13970" rIns="0" bIns="0" rtlCol="0">
-            <a:spAutoFit/>
-          </a:bodyPr>
-          <a:lstStyle/>
-          <a:p>
-            <a:pPr marL="38100">
-              <a:lnSpc>
-                <a:spcPct val="100000"/>
-              </a:lnSpc>
-              <a:spcBef>
-                <a:spcPts val="110"/>
-              </a:spcBef>
-            </a:pPr>
-            <a:fld id="{81D60167-4931-47E6-BA6A-407CBD079E47}" type="slidenum">
-              <a:rPr sz="1200" b="1" spc="-95" dirty="0">
-                <a:solidFill>
-                  <a:srgbClr val="FFFFFF"/>
-                </a:solidFill>
-                <a:latin typeface="Tahoma"/>
-                <a:cs typeface="Tahoma"/>
-              </a:rPr>
-              <a:t>10</a:t>
-            </a:fld>
-            <a:endParaRPr sz="1200">
-              <a:latin typeface="Tahoma"/>
-              <a:cs typeface="Tahoma"/>
-            </a:endParaRPr>
-          </a:p>
-        </p:txBody>
-      </p:sp>
-      <p:pic>
-        <p:nvPicPr>
-          <p:cNvPr id="4100" name="Picture 4" descr="7 consejos que necesita saber para implementar la gestión de resultados">
-            <a:extLst>
-              <a:ext uri="{FF2B5EF4-FFF2-40B4-BE49-F238E27FC236}">
-                <a16:creationId xmlns:a16="http://schemas.microsoft.com/office/drawing/2014/main" id="{AF1F15E4-EBC8-4FA9-9376-673316CD3C14}"/>
-              </a:ext>
-            </a:extLst>
-          </p:cNvPr>
-          <p:cNvPicPr>
-            <a:picLocks noChangeAspect="1" noChangeArrowheads="1"/>
-          </p:cNvPicPr>
-          <p:nvPr/>
-        </p:nvPicPr>
-        <p:blipFill>
-          <a:blip r:embed="rId2">
-            <a:extLst>
-              <a:ext uri="{28A0092B-C50C-407E-A947-70E740481C1C}">
-                <a14:useLocalDpi xmlns:a14="http://schemas.microsoft.com/office/drawing/2010/main" val="0"/>
-              </a:ext>
-            </a:extLst>
-          </a:blip>
-          <a:srcRect/>
-          <a:stretch>
-            <a:fillRect/>
-          </a:stretch>
-        </p:blipFill>
-        <p:spPr bwMode="auto">
-          <a:xfrm>
-            <a:off x="2133600" y="1600200"/>
-            <a:ext cx="7391400" cy="4480265"/>
-          </a:xfrm>
-          <a:prstGeom prst="rect">
-            <a:avLst/>
-          </a:prstGeom>
-          <a:noFill/>
-          <a:extLst>
-            <a:ext uri="{909E8E84-426E-40DD-AFC4-6F175D3DCCD1}">
-              <a14:hiddenFill xmlns:a14="http://schemas.microsoft.com/office/drawing/2010/main">
-                <a:solidFill>
-                  <a:srgbClr val="FFFFFF"/>
-                </a:solidFill>
-              </a14:hiddenFill>
-            </a:ext>
-          </a:extLst>
-        </p:spPr>
-      </p:pic>
-    </p:spTree>
-    <p:extLst>
-      <p:ext uri="{BB962C8B-B14F-4D97-AF65-F5344CB8AC3E}">
-        <p14:creationId xmlns:p14="http://schemas.microsoft.com/office/powerpoint/2010/main" val="159880573"/>
-      </p:ext>
-    </p:extLst>
-  </p:cSld>
-  <p:clrMapOvr>
-    <a:masterClrMapping/>
-  </p:clrMapOvr>
-</p:sld>
-</file>
-
-<file path=ppt/slides/slide11.xml><?xml version="1.0" encoding="utf-8"?>
-<p:sld xmlns:a="http://schemas.openxmlformats.org/drawingml/2006/main" xmlns:r="http://schemas.openxmlformats.org/officeDocument/2006/relationships" xmlns:p="http://schemas.openxmlformats.org/presentationml/2006/main">
-  <p:cSld>
-    <p:spTree>
-      <p:nvGrpSpPr>
-        <p:cNvPr id="1" name=""/>
-        <p:cNvGrpSpPr/>
-        <p:nvPr/>
-      </p:nvGrpSpPr>
-      <p:grpSpPr>
-        <a:xfrm>
-          <a:off x="0" y="0"/>
-          <a:ext cx="0" cy="0"/>
-          <a:chOff x="0" y="0"/>
-          <a:chExt cx="0" cy="0"/>
-        </a:xfrm>
-      </p:grpSpPr>
-      <p:sp>
-        <p:nvSpPr>
-          <p:cNvPr id="2" name="Titel 1">
-            <a:extLst>
-              <a:ext uri="{FF2B5EF4-FFF2-40B4-BE49-F238E27FC236}">
-                <a16:creationId xmlns:a16="http://schemas.microsoft.com/office/drawing/2014/main" id="{6807FD7E-4598-F6A1-B683-E1DA54F714D0}"/>
-              </a:ext>
-            </a:extLst>
-          </p:cNvPr>
-          <p:cNvSpPr>
-            <a:spLocks noGrp="1"/>
-          </p:cNvSpPr>
-          <p:nvPr>
-            <p:ph type="title"/>
-          </p:nvPr>
-        </p:nvSpPr>
-        <p:spPr>
-          <a:xfrm>
-            <a:off x="959002" y="48260"/>
-            <a:ext cx="10273995" cy="615553"/>
-          </a:xfrm>
-        </p:spPr>
-        <p:txBody>
-          <a:bodyPr/>
-          <a:lstStyle/>
-          <a:p>
-            <a:r>
-              <a:rPr lang="de-DE" dirty="0" err="1"/>
-              <a:t>Testing</a:t>
-            </a:r>
-            <a:r>
-              <a:rPr lang="de-DE" dirty="0"/>
-              <a:t> Environment</a:t>
-            </a:r>
-          </a:p>
-        </p:txBody>
-      </p:sp>
-      <p:sp>
-        <p:nvSpPr>
-          <p:cNvPr id="3" name="Textplatzhalter 2">
-            <a:extLst>
-              <a:ext uri="{FF2B5EF4-FFF2-40B4-BE49-F238E27FC236}">
-                <a16:creationId xmlns:a16="http://schemas.microsoft.com/office/drawing/2014/main" id="{6C00BB5D-A5BF-B6EF-57BE-6F1047EEAE6C}"/>
-              </a:ext>
-            </a:extLst>
-          </p:cNvPr>
-          <p:cNvSpPr>
-            <a:spLocks noGrp="1"/>
-          </p:cNvSpPr>
-          <p:nvPr>
-            <p:ph type="body" idx="1"/>
-          </p:nvPr>
-        </p:nvSpPr>
-        <p:spPr>
-          <a:xfrm>
-            <a:off x="426821" y="2276347"/>
-            <a:ext cx="11338356" cy="4616648"/>
-          </a:xfrm>
-        </p:spPr>
-        <p:txBody>
-          <a:bodyPr/>
-          <a:lstStyle/>
-          <a:p>
-            <a:r>
-              <a:rPr lang="de-DE" sz="2000" dirty="0" err="1">
-                <a:solidFill>
-                  <a:schemeClr val="tx1"/>
-                </a:solidFill>
-              </a:rPr>
-              <a:t>Tested</a:t>
-            </a:r>
-            <a:r>
-              <a:rPr lang="de-DE" sz="2000" dirty="0">
-                <a:solidFill>
-                  <a:schemeClr val="tx1"/>
-                </a:solidFill>
-              </a:rPr>
-              <a:t> on </a:t>
-            </a:r>
-            <a:r>
-              <a:rPr lang="de-DE" sz="2000" dirty="0" err="1">
-                <a:solidFill>
-                  <a:schemeClr val="tx1"/>
-                </a:solidFill>
-              </a:rPr>
-              <a:t>local</a:t>
-            </a:r>
-            <a:r>
-              <a:rPr lang="de-DE" sz="2000" dirty="0">
-                <a:solidFill>
-                  <a:schemeClr val="tx1"/>
-                </a:solidFill>
-              </a:rPr>
-              <a:t> network on </a:t>
-            </a:r>
-            <a:r>
-              <a:rPr lang="de-DE" sz="2000" dirty="0" err="1">
-                <a:solidFill>
-                  <a:schemeClr val="tx1"/>
-                </a:solidFill>
-              </a:rPr>
-              <a:t>single</a:t>
-            </a:r>
-            <a:r>
-              <a:rPr lang="de-DE" sz="2000" dirty="0">
-                <a:solidFill>
-                  <a:schemeClr val="tx1"/>
-                </a:solidFill>
-              </a:rPr>
-              <a:t> </a:t>
-            </a:r>
-            <a:r>
-              <a:rPr lang="de-DE" sz="2000" dirty="0" err="1">
-                <a:solidFill>
-                  <a:schemeClr val="tx1"/>
-                </a:solidFill>
-              </a:rPr>
-              <a:t>computer</a:t>
-            </a:r>
-            <a:r>
-              <a:rPr lang="de-DE" sz="2000" dirty="0">
-                <a:solidFill>
-                  <a:schemeClr val="tx1"/>
-                </a:solidFill>
-              </a:rPr>
-              <a:t> -&gt; limited </a:t>
-            </a:r>
-            <a:r>
-              <a:rPr lang="de-DE" sz="2000" dirty="0" err="1">
-                <a:solidFill>
-                  <a:schemeClr val="tx1"/>
-                </a:solidFill>
-              </a:rPr>
-              <a:t>testing</a:t>
-            </a:r>
-            <a:r>
-              <a:rPr lang="de-DE" sz="2000" dirty="0">
-                <a:solidFill>
-                  <a:schemeClr val="tx1"/>
-                </a:solidFill>
-              </a:rPr>
-              <a:t> </a:t>
-            </a:r>
-            <a:r>
-              <a:rPr lang="de-DE" sz="2000" dirty="0" err="1">
-                <a:solidFill>
-                  <a:schemeClr val="tx1"/>
-                </a:solidFill>
-              </a:rPr>
-              <a:t>methods</a:t>
-            </a:r>
-            <a:endParaRPr lang="de-DE" sz="2000" dirty="0">
-              <a:solidFill>
-                <a:schemeClr val="tx1"/>
-              </a:solidFill>
-            </a:endParaRPr>
-          </a:p>
-          <a:p>
-            <a:endParaRPr lang="de-DE" sz="2000" dirty="0">
-              <a:solidFill>
-                <a:schemeClr val="tx1"/>
-              </a:solidFill>
-            </a:endParaRPr>
-          </a:p>
-          <a:p>
-            <a:r>
-              <a:rPr lang="de-DE" sz="2000" dirty="0">
-                <a:solidFill>
-                  <a:schemeClr val="tx1"/>
-                </a:solidFill>
-              </a:rPr>
-              <a:t>Single Computer on </a:t>
-            </a:r>
-            <a:r>
-              <a:rPr lang="de-DE" sz="2000" dirty="0" err="1">
-                <a:solidFill>
-                  <a:schemeClr val="tx1"/>
-                </a:solidFill>
-              </a:rPr>
-              <a:t>localhost</a:t>
-            </a:r>
-            <a:r>
-              <a:rPr lang="de-DE" sz="2000" dirty="0">
-                <a:solidFill>
-                  <a:schemeClr val="tx1"/>
-                </a:solidFill>
-              </a:rPr>
-              <a:t> / </a:t>
-            </a:r>
-            <a:r>
-              <a:rPr lang="de-DE" sz="2000" dirty="0" err="1">
-                <a:solidFill>
-                  <a:schemeClr val="tx1"/>
-                </a:solidFill>
-              </a:rPr>
-              <a:t>port</a:t>
-            </a:r>
-            <a:r>
-              <a:rPr lang="de-DE" sz="2000" dirty="0">
-                <a:solidFill>
-                  <a:schemeClr val="tx1"/>
-                </a:solidFill>
-              </a:rPr>
-              <a:t> (</a:t>
-            </a:r>
-            <a:r>
-              <a:rPr lang="de-DE" sz="2000" dirty="0" err="1">
-                <a:solidFill>
-                  <a:schemeClr val="tx1"/>
-                </a:solidFill>
-              </a:rPr>
-              <a:t>server</a:t>
-            </a:r>
-            <a:r>
-              <a:rPr lang="de-DE" sz="2000" dirty="0">
-                <a:solidFill>
-                  <a:schemeClr val="tx1"/>
-                </a:solidFill>
-              </a:rPr>
-              <a:t> </a:t>
-            </a:r>
-            <a:r>
-              <a:rPr lang="de-DE" sz="2000" dirty="0" err="1">
-                <a:solidFill>
-                  <a:schemeClr val="tx1"/>
-                </a:solidFill>
-              </a:rPr>
-              <a:t>fixed</a:t>
-            </a:r>
-            <a:r>
-              <a:rPr lang="de-DE" sz="2000" dirty="0">
-                <a:solidFill>
-                  <a:schemeClr val="tx1"/>
-                </a:solidFill>
-              </a:rPr>
-              <a:t> </a:t>
-            </a:r>
-            <a:r>
-              <a:rPr lang="de-DE" sz="2000" dirty="0" err="1">
-                <a:solidFill>
-                  <a:schemeClr val="tx1"/>
-                </a:solidFill>
-              </a:rPr>
-              <a:t>port</a:t>
-            </a:r>
-            <a:r>
-              <a:rPr lang="de-DE" sz="2000" dirty="0">
-                <a:solidFill>
-                  <a:schemeClr val="tx1"/>
-                </a:solidFill>
-              </a:rPr>
-              <a:t>, </a:t>
-            </a:r>
-            <a:r>
-              <a:rPr lang="de-DE" sz="2000" dirty="0" err="1">
-                <a:solidFill>
-                  <a:schemeClr val="tx1"/>
-                </a:solidFill>
-              </a:rPr>
-              <a:t>clients</a:t>
-            </a:r>
-            <a:r>
-              <a:rPr lang="de-DE" sz="2000" dirty="0">
-                <a:solidFill>
-                  <a:schemeClr val="tx1"/>
-                </a:solidFill>
-              </a:rPr>
-              <a:t> flexible </a:t>
-            </a:r>
-            <a:r>
-              <a:rPr lang="de-DE" sz="2000" dirty="0" err="1">
-                <a:solidFill>
-                  <a:schemeClr val="tx1"/>
-                </a:solidFill>
-              </a:rPr>
-              <a:t>port</a:t>
-            </a:r>
-            <a:r>
-              <a:rPr lang="de-DE" sz="2000" dirty="0">
-                <a:solidFill>
-                  <a:schemeClr val="tx1"/>
-                </a:solidFill>
-              </a:rPr>
-              <a:t>)</a:t>
-            </a:r>
-          </a:p>
-          <a:p>
-            <a:endParaRPr lang="de-DE" sz="2000" dirty="0">
-              <a:solidFill>
-                <a:schemeClr val="tx1"/>
-              </a:solidFill>
-            </a:endParaRPr>
-          </a:p>
-          <a:p>
-            <a:r>
-              <a:rPr lang="de-DE" sz="2000" dirty="0" err="1">
-                <a:solidFill>
-                  <a:schemeClr val="tx1"/>
-                </a:solidFill>
-              </a:rPr>
-              <a:t>Processor</a:t>
-            </a:r>
-            <a:r>
-              <a:rPr lang="de-DE" sz="2000" dirty="0">
-                <a:solidFill>
-                  <a:schemeClr val="tx1"/>
-                </a:solidFill>
-              </a:rPr>
-              <a:t>: Intel(R) Core(TM) i5 CPU M 560 @ 2.67GHz, 2667 MHz – </a:t>
-            </a:r>
-            <a:r>
-              <a:rPr lang="de-DE" sz="2000" b="1" dirty="0">
-                <a:solidFill>
-                  <a:schemeClr val="tx1"/>
-                </a:solidFill>
-              </a:rPr>
-              <a:t>2010</a:t>
-            </a:r>
-          </a:p>
-          <a:p>
-            <a:endParaRPr lang="de-DE" sz="2000" b="1" dirty="0">
-              <a:solidFill>
-                <a:schemeClr val="tx1"/>
-              </a:solidFill>
-            </a:endParaRPr>
-          </a:p>
-          <a:p>
-            <a:endParaRPr lang="de-DE" sz="2000" b="1" dirty="0">
-              <a:solidFill>
-                <a:schemeClr val="tx1"/>
-              </a:solidFill>
-            </a:endParaRPr>
-          </a:p>
-          <a:p>
-            <a:r>
-              <a:rPr lang="de-DE" sz="2000" b="1" dirty="0" err="1">
-                <a:solidFill>
-                  <a:schemeClr val="tx1"/>
-                </a:solidFill>
-              </a:rPr>
-              <a:t>Better</a:t>
-            </a:r>
-            <a:r>
-              <a:rPr lang="de-DE" sz="2000" b="1" dirty="0">
-                <a:solidFill>
-                  <a:schemeClr val="tx1"/>
-                </a:solidFill>
-              </a:rPr>
-              <a:t>:</a:t>
-            </a:r>
-            <a:r>
-              <a:rPr lang="de-DE" sz="2000" dirty="0">
-                <a:solidFill>
-                  <a:schemeClr val="tx1"/>
-                </a:solidFill>
-              </a:rPr>
-              <a:t> Open Port on Firewall on </a:t>
-            </a:r>
-            <a:r>
-              <a:rPr lang="de-DE" sz="2000" dirty="0" err="1">
-                <a:solidFill>
-                  <a:schemeClr val="tx1"/>
-                </a:solidFill>
-              </a:rPr>
-              <a:t>router</a:t>
-            </a:r>
-            <a:r>
-              <a:rPr lang="de-DE" sz="2000" dirty="0">
-                <a:solidFill>
-                  <a:schemeClr val="tx1"/>
-                </a:solidFill>
-              </a:rPr>
-              <a:t> and </a:t>
-            </a:r>
-            <a:r>
-              <a:rPr lang="de-DE" sz="2000" dirty="0" err="1">
-                <a:solidFill>
-                  <a:schemeClr val="tx1"/>
-                </a:solidFill>
-              </a:rPr>
-              <a:t>sending</a:t>
-            </a:r>
-            <a:r>
-              <a:rPr lang="de-DE" sz="2000" dirty="0">
-                <a:solidFill>
-                  <a:schemeClr val="tx1"/>
-                </a:solidFill>
-              </a:rPr>
-              <a:t> </a:t>
-            </a:r>
-            <a:r>
-              <a:rPr lang="de-DE" sz="2000" dirty="0" err="1">
-                <a:solidFill>
-                  <a:schemeClr val="tx1"/>
-                </a:solidFill>
-              </a:rPr>
-              <a:t>packets</a:t>
-            </a:r>
-            <a:r>
-              <a:rPr lang="de-DE" sz="2000" dirty="0">
-                <a:solidFill>
-                  <a:schemeClr val="tx1"/>
-                </a:solidFill>
-              </a:rPr>
-              <a:t> </a:t>
-            </a:r>
-            <a:r>
-              <a:rPr lang="de-DE" sz="2000" dirty="0" err="1">
-                <a:solidFill>
-                  <a:schemeClr val="tx1"/>
-                </a:solidFill>
-              </a:rPr>
-              <a:t>through</a:t>
-            </a:r>
-            <a:r>
-              <a:rPr lang="de-DE" sz="2000" dirty="0">
-                <a:solidFill>
-                  <a:schemeClr val="tx1"/>
-                </a:solidFill>
-              </a:rPr>
-              <a:t> </a:t>
-            </a:r>
-            <a:r>
-              <a:rPr lang="de-DE" sz="2000" dirty="0" err="1">
-                <a:solidFill>
-                  <a:schemeClr val="tx1"/>
-                </a:solidFill>
-              </a:rPr>
-              <a:t>internet</a:t>
-            </a:r>
-            <a:r>
-              <a:rPr lang="de-DE" sz="2000" dirty="0">
-                <a:solidFill>
-                  <a:schemeClr val="tx1"/>
-                </a:solidFill>
-              </a:rPr>
-              <a:t> (not possible at </a:t>
-            </a:r>
-            <a:r>
-              <a:rPr lang="de-DE" sz="2000" dirty="0" err="1">
-                <a:solidFill>
-                  <a:schemeClr val="tx1"/>
-                </a:solidFill>
-              </a:rPr>
-              <a:t>the</a:t>
-            </a:r>
-            <a:r>
-              <a:rPr lang="de-DE" sz="2000" dirty="0">
-                <a:solidFill>
-                  <a:schemeClr val="tx1"/>
-                </a:solidFill>
-              </a:rPr>
-              <a:t> </a:t>
-            </a:r>
-            <a:r>
-              <a:rPr lang="de-DE" sz="2000" dirty="0" err="1">
-                <a:solidFill>
-                  <a:schemeClr val="tx1"/>
-                </a:solidFill>
-              </a:rPr>
-              <a:t>university</a:t>
-            </a:r>
-            <a:r>
-              <a:rPr lang="de-DE" sz="2000" dirty="0">
-                <a:solidFill>
-                  <a:schemeClr val="tx1"/>
-                </a:solidFill>
-              </a:rPr>
-              <a:t> (</a:t>
-            </a:r>
-            <a:r>
-              <a:rPr lang="de-DE" sz="2000" dirty="0" err="1">
-                <a:solidFill>
-                  <a:schemeClr val="tx1"/>
-                </a:solidFill>
-              </a:rPr>
-              <a:t>with</a:t>
-            </a:r>
-            <a:r>
-              <a:rPr lang="de-DE" sz="2000" dirty="0">
-                <a:solidFill>
-                  <a:schemeClr val="tx1"/>
-                </a:solidFill>
-              </a:rPr>
-              <a:t> </a:t>
-            </a:r>
-            <a:r>
-              <a:rPr lang="de-DE" sz="2000" dirty="0" err="1">
-                <a:solidFill>
-                  <a:schemeClr val="tx1"/>
-                </a:solidFill>
-              </a:rPr>
-              <a:t>student</a:t>
-            </a:r>
-            <a:r>
-              <a:rPr lang="de-DE" sz="2000" dirty="0">
-                <a:solidFill>
-                  <a:schemeClr val="tx1"/>
-                </a:solidFill>
-              </a:rPr>
-              <a:t> </a:t>
-            </a:r>
-            <a:r>
-              <a:rPr lang="de-DE" sz="2000" dirty="0" err="1">
-                <a:solidFill>
-                  <a:schemeClr val="tx1"/>
-                </a:solidFill>
-              </a:rPr>
-              <a:t>account</a:t>
-            </a:r>
-            <a:r>
-              <a:rPr lang="de-DE" sz="2000" dirty="0">
-                <a:solidFill>
-                  <a:schemeClr val="tx1"/>
-                </a:solidFill>
-              </a:rPr>
-              <a:t>) </a:t>
-            </a:r>
-            <a:r>
-              <a:rPr lang="de-DE" sz="2000" dirty="0" err="1">
-                <a:solidFill>
-                  <a:schemeClr val="tx1"/>
-                </a:solidFill>
-              </a:rPr>
-              <a:t>or</a:t>
-            </a:r>
-            <a:r>
-              <a:rPr lang="de-DE" sz="2000" dirty="0">
-                <a:solidFill>
-                  <a:schemeClr val="tx1"/>
-                </a:solidFill>
-              </a:rPr>
-              <a:t> in </a:t>
-            </a:r>
-            <a:r>
-              <a:rPr lang="de-DE" sz="2000" dirty="0" err="1">
-                <a:solidFill>
-                  <a:schemeClr val="tx1"/>
-                </a:solidFill>
-              </a:rPr>
-              <a:t>my</a:t>
-            </a:r>
-            <a:r>
-              <a:rPr lang="de-DE" sz="2000" dirty="0">
-                <a:solidFill>
-                  <a:schemeClr val="tx1"/>
-                </a:solidFill>
-              </a:rPr>
-              <a:t> </a:t>
-            </a:r>
-            <a:r>
-              <a:rPr lang="de-DE" sz="2000" dirty="0" err="1">
-                <a:solidFill>
-                  <a:schemeClr val="tx1"/>
-                </a:solidFill>
-              </a:rPr>
-              <a:t>home</a:t>
-            </a:r>
-            <a:r>
-              <a:rPr lang="de-DE" sz="2000" dirty="0">
-                <a:solidFill>
-                  <a:schemeClr val="tx1"/>
-                </a:solidFill>
-              </a:rPr>
-              <a:t> (</a:t>
-            </a:r>
-            <a:r>
-              <a:rPr lang="de-DE" sz="2000" dirty="0" err="1">
-                <a:solidFill>
-                  <a:schemeClr val="tx1"/>
-                </a:solidFill>
-              </a:rPr>
-              <a:t>no</a:t>
-            </a:r>
-            <a:r>
-              <a:rPr lang="de-DE" sz="2000" dirty="0">
-                <a:solidFill>
-                  <a:schemeClr val="tx1"/>
-                </a:solidFill>
-              </a:rPr>
-              <a:t> </a:t>
-            </a:r>
-            <a:r>
-              <a:rPr lang="de-DE" sz="2000" dirty="0" err="1">
-                <a:solidFill>
-                  <a:schemeClr val="tx1"/>
-                </a:solidFill>
-              </a:rPr>
-              <a:t>access</a:t>
-            </a:r>
-            <a:r>
-              <a:rPr lang="de-DE" sz="2000" dirty="0">
-                <a:solidFill>
-                  <a:schemeClr val="tx1"/>
-                </a:solidFill>
-              </a:rPr>
-              <a:t>)</a:t>
-            </a:r>
-          </a:p>
-          <a:p>
-            <a:endParaRPr lang="de-DE" sz="2000" dirty="0">
-              <a:solidFill>
-                <a:schemeClr val="tx1"/>
-              </a:solidFill>
-            </a:endParaRPr>
-          </a:p>
-          <a:p>
-            <a:r>
-              <a:rPr lang="de-DE" sz="2000" dirty="0">
-                <a:solidFill>
-                  <a:schemeClr val="tx1"/>
-                </a:solidFill>
-              </a:rPr>
-              <a:t>Advantages </a:t>
-            </a:r>
-            <a:r>
-              <a:rPr lang="de-DE" sz="2000" dirty="0" err="1">
-                <a:solidFill>
-                  <a:schemeClr val="tx1"/>
-                </a:solidFill>
-              </a:rPr>
-              <a:t>more</a:t>
-            </a:r>
-            <a:r>
-              <a:rPr lang="de-DE" sz="2000" dirty="0">
-                <a:solidFill>
-                  <a:schemeClr val="tx1"/>
-                </a:solidFill>
-              </a:rPr>
-              <a:t> </a:t>
-            </a:r>
-            <a:r>
-              <a:rPr lang="de-DE" sz="2000" dirty="0" err="1">
-                <a:solidFill>
-                  <a:schemeClr val="tx1"/>
-                </a:solidFill>
-              </a:rPr>
-              <a:t>clear</a:t>
-            </a:r>
-            <a:r>
-              <a:rPr lang="de-DE" sz="2000" dirty="0">
-                <a:solidFill>
-                  <a:schemeClr val="tx1"/>
-                </a:solidFill>
-              </a:rPr>
-              <a:t> </a:t>
-            </a:r>
-            <a:r>
-              <a:rPr lang="de-DE" sz="2000" dirty="0" err="1">
-                <a:solidFill>
-                  <a:schemeClr val="tx1"/>
-                </a:solidFill>
-              </a:rPr>
-              <a:t>between</a:t>
-            </a:r>
-            <a:r>
-              <a:rPr lang="de-DE" sz="2000" dirty="0">
-                <a:solidFill>
-                  <a:schemeClr val="tx1"/>
-                </a:solidFill>
-              </a:rPr>
-              <a:t> TCP / UDP</a:t>
-            </a:r>
-          </a:p>
-          <a:p>
-            <a:endParaRPr lang="de-DE" sz="2000" b="1" dirty="0">
-              <a:solidFill>
-                <a:schemeClr val="tx1"/>
-              </a:solidFill>
-            </a:endParaRPr>
-          </a:p>
-          <a:p>
-            <a:endParaRPr lang="de-DE" sz="2000" b="1" dirty="0">
-              <a:solidFill>
-                <a:schemeClr val="tx1"/>
-              </a:solidFill>
-            </a:endParaRPr>
-          </a:p>
-          <a:p>
-            <a:endParaRPr lang="de-DE" sz="2000" dirty="0">
-              <a:solidFill>
-                <a:schemeClr val="tx1"/>
-              </a:solidFill>
-            </a:endParaRPr>
-          </a:p>
-          <a:p>
-            <a:endParaRPr lang="de-DE" sz="2000" dirty="0">
-              <a:solidFill>
-                <a:schemeClr val="tx1"/>
-              </a:solidFill>
-            </a:endParaRPr>
-          </a:p>
-        </p:txBody>
-      </p:sp>
-    </p:spTree>
-    <p:extLst>
-      <p:ext uri="{BB962C8B-B14F-4D97-AF65-F5344CB8AC3E}">
-        <p14:creationId xmlns:p14="http://schemas.microsoft.com/office/powerpoint/2010/main" val="572562583"/>
-      </p:ext>
-    </p:extLst>
-  </p:cSld>
-  <p:clrMapOvr>
-    <a:masterClrMapping/>
-  </p:clrMapOvr>
-</p:sld>
-</file>
-
-<file path=ppt/slides/slide12.xml><?xml version="1.0" encoding="utf-8"?>
-<p:sld xmlns:a="http://schemas.openxmlformats.org/drawingml/2006/main" xmlns:r="http://schemas.openxmlformats.org/officeDocument/2006/relationships" xmlns:p="http://schemas.openxmlformats.org/presentationml/2006/main">
-  <p:cSld>
-    <p:spTree>
-      <p:nvGrpSpPr>
-        <p:cNvPr id="1" name=""/>
-        <p:cNvGrpSpPr/>
-        <p:nvPr/>
-      </p:nvGrpSpPr>
-      <p:grpSpPr>
-        <a:xfrm>
-          <a:off x="0" y="0"/>
-          <a:ext cx="0" cy="0"/>
-          <a:chOff x="0" y="0"/>
-          <a:chExt cx="0" cy="0"/>
-        </a:xfrm>
-      </p:grpSpPr>
-      <p:sp>
-        <p:nvSpPr>
           <p:cNvPr id="2" name="Titel 1">
             <a:extLst>
               <a:ext uri="{FF2B5EF4-FFF2-40B4-BE49-F238E27FC236}">
@@ -4570,7 +3400,7 @@
 </p:sld>
 </file>
 
-<file path=ppt/slides/slide13.xml><?xml version="1.0" encoding="utf-8"?>
+<file path=ppt/slides/slide11.xml><?xml version="1.0" encoding="utf-8"?>
 <p:sld xmlns:a="http://schemas.openxmlformats.org/drawingml/2006/main" xmlns:r="http://schemas.openxmlformats.org/officeDocument/2006/relationships" xmlns:p="http://schemas.openxmlformats.org/presentationml/2006/main">
   <p:cSld>
     <p:spTree>
@@ -5487,7 +4317,7 @@
 </p:sld>
 </file>
 
-<file path=ppt/slides/slide14.xml><?xml version="1.0" encoding="utf-8"?>
+<file path=ppt/slides/slide12.xml><?xml version="1.0" encoding="utf-8"?>
 <p:sld xmlns:a="http://schemas.openxmlformats.org/drawingml/2006/main" xmlns:r="http://schemas.openxmlformats.org/officeDocument/2006/relationships" xmlns:p="http://schemas.openxmlformats.org/presentationml/2006/main">
   <p:cSld>
     <p:spTree>
@@ -6384,6 +5214,82 @@
       <p:sp>
         <p:nvSpPr>
           <p:cNvPr id="2" name="object 2"/>
+          <p:cNvSpPr txBox="1"/>
+          <p:nvPr/>
+        </p:nvSpPr>
+        <p:spPr>
+          <a:xfrm>
+            <a:off x="3657600" y="2667000"/>
+            <a:ext cx="9677400" cy="936154"/>
+          </a:xfrm>
+          <a:prstGeom prst="rect">
+            <a:avLst/>
+          </a:prstGeom>
+        </p:spPr>
+        <p:txBody>
+          <a:bodyPr vert="horz" wrap="square" lIns="0" tIns="12700" rIns="0" bIns="0" rtlCol="0">
+            <a:spAutoFit/>
+          </a:bodyPr>
+          <a:lstStyle/>
+          <a:p>
+            <a:pPr marL="12700">
+              <a:lnSpc>
+                <a:spcPct val="100000"/>
+              </a:lnSpc>
+              <a:spcBef>
+                <a:spcPts val="100"/>
+              </a:spcBef>
+            </a:pPr>
+            <a:r>
+              <a:rPr lang="es-CL" sz="6000" spc="60" dirty="0">
+                <a:solidFill>
+                  <a:srgbClr val="F1F1F1"/>
+                </a:solidFill>
+                <a:latin typeface="Times New Roman" panose="02020603050405020304" pitchFamily="18" charset="0"/>
+                <a:cs typeface="Times New Roman" panose="02020603050405020304" pitchFamily="18" charset="0"/>
+              </a:rPr>
+              <a:t>Muestra de chat</a:t>
+            </a:r>
+            <a:endParaRPr sz="6000" dirty="0">
+              <a:latin typeface="Times New Roman" panose="02020603050405020304" pitchFamily="18" charset="0"/>
+              <a:cs typeface="Times New Roman" panose="02020603050405020304" pitchFamily="18" charset="0"/>
+            </a:endParaRPr>
+          </a:p>
+        </p:txBody>
+      </p:sp>
+    </p:spTree>
+    <p:extLst>
+      <p:ext uri="{BB962C8B-B14F-4D97-AF65-F5344CB8AC3E}">
+        <p14:creationId xmlns:p14="http://schemas.microsoft.com/office/powerpoint/2010/main" val="3901825574"/>
+      </p:ext>
+    </p:extLst>
+  </p:cSld>
+  <p:clrMapOvr>
+    <a:masterClrMapping/>
+  </p:clrMapOvr>
+</p:sld>
+</file>
+
+<file path=ppt/slides/slide5.xml><?xml version="1.0" encoding="utf-8"?>
+<p:sld xmlns:a="http://schemas.openxmlformats.org/drawingml/2006/main" xmlns:r="http://schemas.openxmlformats.org/officeDocument/2006/relationships" xmlns:p="http://schemas.openxmlformats.org/presentationml/2006/main">
+  <p:cSld>
+    <p:spTree>
+      <p:nvGrpSpPr>
+        <p:cNvPr id="1" name=""/>
+        <p:cNvGrpSpPr/>
+        <p:nvPr/>
+      </p:nvGrpSpPr>
+      <p:grpSpPr>
+        <a:xfrm>
+          <a:off x="0" y="0"/>
+          <a:ext cx="0" cy="0"/>
+          <a:chOff x="0" y="0"/>
+          <a:chExt cx="0" cy="0"/>
+        </a:xfrm>
+      </p:grpSpPr>
+      <p:sp>
+        <p:nvSpPr>
+          <p:cNvPr id="2" name="object 2"/>
           <p:cNvSpPr txBox="1">
             <a:spLocks noGrp="1"/>
           </p:cNvSpPr>
@@ -6419,86 +5325,11 @@
                 <a:latin typeface="Times New Roman" panose="02020603050405020304" pitchFamily="18" charset="0"/>
                 <a:cs typeface="Times New Roman" panose="02020603050405020304" pitchFamily="18" charset="0"/>
               </a:rPr>
-              <a:t>Situación actual</a:t>
+              <a:t>Server </a:t>
             </a:r>
             <a:endParaRPr sz="4400" dirty="0">
               <a:latin typeface="Times New Roman" panose="02020603050405020304" pitchFamily="18" charset="0"/>
               <a:cs typeface="Times New Roman" panose="02020603050405020304" pitchFamily="18" charset="0"/>
-            </a:endParaRPr>
-          </a:p>
-        </p:txBody>
-      </p:sp>
-      <p:sp>
-        <p:nvSpPr>
-          <p:cNvPr id="12" name="object 12"/>
-          <p:cNvSpPr txBox="1">
-            <a:spLocks noGrp="1"/>
-          </p:cNvSpPr>
-          <p:nvPr>
-            <p:ph type="body" idx="1"/>
-          </p:nvPr>
-        </p:nvSpPr>
-        <p:spPr>
-          <a:xfrm>
-            <a:off x="167513" y="1676400"/>
-            <a:ext cx="11847576" cy="777136"/>
-          </a:xfrm>
-          <a:prstGeom prst="rect">
-            <a:avLst/>
-          </a:prstGeom>
-        </p:spPr>
-        <p:txBody>
-          <a:bodyPr vert="horz" wrap="square" lIns="0" tIns="12700" rIns="0" bIns="0" rtlCol="0">
-            <a:spAutoFit/>
-          </a:bodyPr>
-          <a:lstStyle/>
-          <a:p>
-            <a:pPr algn="l">
-              <a:lnSpc>
-                <a:spcPct val="100000"/>
-              </a:lnSpc>
-              <a:spcBef>
-                <a:spcPts val="100"/>
-              </a:spcBef>
-            </a:pPr>
-            <a:endParaRPr lang="es-ES" sz="1600" spc="45" dirty="0">
-              <a:solidFill>
-                <a:schemeClr val="tx1"/>
-              </a:solidFill>
-              <a:latin typeface="Times New Roman" panose="02020603050405020304" pitchFamily="18" charset="0"/>
-              <a:cs typeface="Times New Roman" panose="02020603050405020304" pitchFamily="18" charset="0"/>
-            </a:endParaRPr>
-          </a:p>
-          <a:p>
-            <a:pPr algn="l">
-              <a:lnSpc>
-                <a:spcPct val="100000"/>
-              </a:lnSpc>
-              <a:spcBef>
-                <a:spcPts val="100"/>
-              </a:spcBef>
-            </a:pPr>
-            <a:endParaRPr lang="es-ES" sz="1600" spc="45" dirty="0">
-              <a:solidFill>
-                <a:schemeClr val="tx1"/>
-              </a:solidFill>
-              <a:latin typeface="Times New Roman" panose="02020603050405020304" pitchFamily="18" charset="0"/>
-              <a:cs typeface="Times New Roman" panose="02020603050405020304" pitchFamily="18" charset="0"/>
-            </a:endParaRPr>
-          </a:p>
-          <a:p>
-            <a:pPr algn="l">
-              <a:lnSpc>
-                <a:spcPct val="100000"/>
-              </a:lnSpc>
-              <a:spcBef>
-                <a:spcPts val="100"/>
-              </a:spcBef>
-            </a:pPr>
-            <a:endParaRPr lang="es-ES" sz="1600" spc="45" dirty="0">
-              <a:solidFill>
-                <a:schemeClr val="tx1"/>
-              </a:solidFill>
             </a:endParaRPr>
           </a:p>
         </p:txBody>
@@ -6807,1186 +5638,7 @@
                 <a:latin typeface="Tahoma"/>
                 <a:cs typeface="Tahoma"/>
               </a:rPr>
-              <a:t>4</a:t>
-            </a:fld>
-            <a:endParaRPr sz="1200">
-              <a:latin typeface="Tahoma"/>
-              <a:cs typeface="Tahoma"/>
-            </a:endParaRPr>
-          </a:p>
-        </p:txBody>
-      </p:sp>
-      <p:cxnSp>
-        <p:nvCxnSpPr>
-          <p:cNvPr id="19" name="Conector recto de flecha 18">
-            <a:extLst>
-              <a:ext uri="{FF2B5EF4-FFF2-40B4-BE49-F238E27FC236}">
-                <a16:creationId xmlns:a16="http://schemas.microsoft.com/office/drawing/2014/main" id="{3D10E8FF-9724-469E-8D5C-786BE629C0F1}"/>
-              </a:ext>
-            </a:extLst>
-          </p:cNvPr>
-          <p:cNvCxnSpPr/>
-          <p:nvPr/>
-        </p:nvCxnSpPr>
-        <p:spPr>
-          <a:xfrm flipV="1">
-            <a:off x="1238250" y="6807835"/>
-            <a:ext cx="228600" cy="45085"/>
-          </a:xfrm>
-          <a:prstGeom prst="straightConnector1">
-            <a:avLst/>
-          </a:prstGeom>
-          <a:ln>
-            <a:tailEnd type="triangle"/>
-          </a:ln>
-        </p:spPr>
-        <p:style>
-          <a:lnRef idx="1">
-            <a:schemeClr val="accent1"/>
-          </a:lnRef>
-          <a:fillRef idx="0">
-            <a:schemeClr val="accent1"/>
-          </a:fillRef>
-          <a:effectRef idx="0">
-            <a:schemeClr val="accent1"/>
-          </a:effectRef>
-          <a:fontRef idx="minor">
-            <a:schemeClr val="tx1"/>
-          </a:fontRef>
-        </p:style>
-      </p:cxnSp>
-      <p:cxnSp>
-        <p:nvCxnSpPr>
-          <p:cNvPr id="20" name="Conector recto de flecha 19">
-            <a:extLst>
-              <a:ext uri="{FF2B5EF4-FFF2-40B4-BE49-F238E27FC236}">
-                <a16:creationId xmlns:a16="http://schemas.microsoft.com/office/drawing/2014/main" id="{2B8EED7F-768E-41D8-9D6A-1BE411ABD8A3}"/>
-              </a:ext>
-            </a:extLst>
-          </p:cNvPr>
-          <p:cNvCxnSpPr/>
-          <p:nvPr/>
-        </p:nvCxnSpPr>
-        <p:spPr>
-          <a:xfrm>
-            <a:off x="2447925" y="6793230"/>
-            <a:ext cx="266700" cy="0"/>
-          </a:xfrm>
-          <a:prstGeom prst="straightConnector1">
-            <a:avLst/>
-          </a:prstGeom>
-          <a:ln>
-            <a:tailEnd type="triangle"/>
-          </a:ln>
-        </p:spPr>
-        <p:style>
-          <a:lnRef idx="1">
-            <a:schemeClr val="accent1"/>
-          </a:lnRef>
-          <a:fillRef idx="0">
-            <a:schemeClr val="accent1"/>
-          </a:fillRef>
-          <a:effectRef idx="0">
-            <a:schemeClr val="accent1"/>
-          </a:effectRef>
-          <a:fontRef idx="minor">
-            <a:schemeClr val="tx1"/>
-          </a:fontRef>
-        </p:style>
-      </p:cxnSp>
-      <p:cxnSp>
-        <p:nvCxnSpPr>
-          <p:cNvPr id="21" name="Conector recto de flecha 20">
-            <a:extLst>
-              <a:ext uri="{FF2B5EF4-FFF2-40B4-BE49-F238E27FC236}">
-                <a16:creationId xmlns:a16="http://schemas.microsoft.com/office/drawing/2014/main" id="{0EDAE25B-DFC4-4217-8F60-07DDAD81E33B}"/>
-              </a:ext>
-            </a:extLst>
-          </p:cNvPr>
-          <p:cNvCxnSpPr/>
-          <p:nvPr/>
-        </p:nvCxnSpPr>
-        <p:spPr>
-          <a:xfrm>
-            <a:off x="3886200" y="6793230"/>
-            <a:ext cx="571500" cy="0"/>
-          </a:xfrm>
-          <a:prstGeom prst="straightConnector1">
-            <a:avLst/>
-          </a:prstGeom>
-          <a:ln>
-            <a:tailEnd type="triangle"/>
-          </a:ln>
-        </p:spPr>
-        <p:style>
-          <a:lnRef idx="1">
-            <a:schemeClr val="accent1"/>
-          </a:lnRef>
-          <a:fillRef idx="0">
-            <a:schemeClr val="accent1"/>
-          </a:fillRef>
-          <a:effectRef idx="0">
-            <a:schemeClr val="accent1"/>
-          </a:effectRef>
-          <a:fontRef idx="minor">
-            <a:schemeClr val="tx1"/>
-          </a:fontRef>
-        </p:style>
-      </p:cxnSp>
-      <p:cxnSp>
-        <p:nvCxnSpPr>
-          <p:cNvPr id="22" name="Conector recto de flecha 21">
-            <a:extLst>
-              <a:ext uri="{FF2B5EF4-FFF2-40B4-BE49-F238E27FC236}">
-                <a16:creationId xmlns:a16="http://schemas.microsoft.com/office/drawing/2014/main" id="{91F46358-C6DF-421C-BFFA-262E5C4E77A8}"/>
-              </a:ext>
-            </a:extLst>
-          </p:cNvPr>
-          <p:cNvCxnSpPr/>
-          <p:nvPr/>
-        </p:nvCxnSpPr>
-        <p:spPr>
-          <a:xfrm flipV="1">
-            <a:off x="5705475" y="6383655"/>
-            <a:ext cx="447675" cy="466725"/>
-          </a:xfrm>
-          <a:prstGeom prst="straightConnector1">
-            <a:avLst/>
-          </a:prstGeom>
-          <a:ln>
-            <a:tailEnd type="triangle"/>
-          </a:ln>
-        </p:spPr>
-        <p:style>
-          <a:lnRef idx="1">
-            <a:schemeClr val="accent1"/>
-          </a:lnRef>
-          <a:fillRef idx="0">
-            <a:schemeClr val="accent1"/>
-          </a:fillRef>
-          <a:effectRef idx="0">
-            <a:schemeClr val="accent1"/>
-          </a:effectRef>
-          <a:fontRef idx="minor">
-            <a:schemeClr val="tx1"/>
-          </a:fontRef>
-        </p:style>
-      </p:cxnSp>
-      <p:cxnSp>
-        <p:nvCxnSpPr>
-          <p:cNvPr id="23" name="Conector recto 22">
-            <a:extLst>
-              <a:ext uri="{FF2B5EF4-FFF2-40B4-BE49-F238E27FC236}">
-                <a16:creationId xmlns:a16="http://schemas.microsoft.com/office/drawing/2014/main" id="{754BD022-DC7A-4A70-BEA3-B653950BB225}"/>
-              </a:ext>
-            </a:extLst>
-          </p:cNvPr>
-          <p:cNvCxnSpPr/>
-          <p:nvPr/>
-        </p:nvCxnSpPr>
-        <p:spPr>
-          <a:xfrm flipH="1">
-            <a:off x="5162550" y="7850505"/>
-            <a:ext cx="1047750" cy="0"/>
-          </a:xfrm>
-          <a:prstGeom prst="line">
-            <a:avLst/>
-          </a:prstGeom>
-        </p:spPr>
-        <p:style>
-          <a:lnRef idx="1">
-            <a:schemeClr val="accent1"/>
-          </a:lnRef>
-          <a:fillRef idx="0">
-            <a:schemeClr val="accent1"/>
-          </a:fillRef>
-          <a:effectRef idx="0">
-            <a:schemeClr val="accent1"/>
-          </a:effectRef>
-          <a:fontRef idx="minor">
-            <a:schemeClr val="tx1"/>
-          </a:fontRef>
-        </p:style>
-      </p:cxnSp>
-      <p:cxnSp>
-        <p:nvCxnSpPr>
-          <p:cNvPr id="24" name="Conector recto de flecha 23">
-            <a:extLst>
-              <a:ext uri="{FF2B5EF4-FFF2-40B4-BE49-F238E27FC236}">
-                <a16:creationId xmlns:a16="http://schemas.microsoft.com/office/drawing/2014/main" id="{4FE4F95C-E871-4DE0-95B8-B5772B5014C3}"/>
-              </a:ext>
-            </a:extLst>
-          </p:cNvPr>
-          <p:cNvCxnSpPr/>
-          <p:nvPr/>
-        </p:nvCxnSpPr>
-        <p:spPr>
-          <a:xfrm flipH="1" flipV="1">
-            <a:off x="5143500" y="7212330"/>
-            <a:ext cx="28575" cy="647700"/>
-          </a:xfrm>
-          <a:prstGeom prst="straightConnector1">
-            <a:avLst/>
-          </a:prstGeom>
-          <a:ln>
-            <a:tailEnd type="triangle"/>
-          </a:ln>
-        </p:spPr>
-        <p:style>
-          <a:lnRef idx="1">
-            <a:schemeClr val="accent1"/>
-          </a:lnRef>
-          <a:fillRef idx="0">
-            <a:schemeClr val="accent1"/>
-          </a:fillRef>
-          <a:effectRef idx="0">
-            <a:schemeClr val="accent1"/>
-          </a:effectRef>
-          <a:fontRef idx="minor">
-            <a:schemeClr val="tx1"/>
-          </a:fontRef>
-        </p:style>
-      </p:cxnSp>
-      <p:cxnSp>
-        <p:nvCxnSpPr>
-          <p:cNvPr id="25" name="Conector recto de flecha 24">
-            <a:extLst>
-              <a:ext uri="{FF2B5EF4-FFF2-40B4-BE49-F238E27FC236}">
-                <a16:creationId xmlns:a16="http://schemas.microsoft.com/office/drawing/2014/main" id="{B7A83D79-DE98-437C-BD59-BC84E9A2B92F}"/>
-              </a:ext>
-            </a:extLst>
-          </p:cNvPr>
-          <p:cNvCxnSpPr/>
-          <p:nvPr/>
-        </p:nvCxnSpPr>
-        <p:spPr>
-          <a:xfrm>
-            <a:off x="5619750" y="6888480"/>
-            <a:ext cx="504825" cy="485775"/>
-          </a:xfrm>
-          <a:prstGeom prst="straightConnector1">
-            <a:avLst/>
-          </a:prstGeom>
-          <a:ln>
-            <a:tailEnd type="triangle"/>
-          </a:ln>
-        </p:spPr>
-        <p:style>
-          <a:lnRef idx="1">
-            <a:schemeClr val="accent1"/>
-          </a:lnRef>
-          <a:fillRef idx="0">
-            <a:schemeClr val="accent1"/>
-          </a:fillRef>
-          <a:effectRef idx="0">
-            <a:schemeClr val="accent1"/>
-          </a:effectRef>
-          <a:fontRef idx="minor">
-            <a:schemeClr val="tx1"/>
-          </a:fontRef>
-        </p:style>
-      </p:cxnSp>
-      <p:sp>
-        <p:nvSpPr>
-          <p:cNvPr id="9" name="Rectangle 14">
-            <a:extLst>
-              <a:ext uri="{FF2B5EF4-FFF2-40B4-BE49-F238E27FC236}">
-                <a16:creationId xmlns:a16="http://schemas.microsoft.com/office/drawing/2014/main" id="{09287384-6272-4EE3-B30B-AAF17BEF0006}"/>
-              </a:ext>
-            </a:extLst>
-          </p:cNvPr>
-          <p:cNvSpPr>
-            <a:spLocks noChangeArrowheads="1"/>
-          </p:cNvSpPr>
-          <p:nvPr/>
-        </p:nvSpPr>
-        <p:spPr bwMode="auto">
-          <a:xfrm>
-            <a:off x="0" y="0"/>
-            <a:ext cx="12192000" cy="457200"/>
-          </a:xfrm>
-          <a:prstGeom prst="rect">
-            <a:avLst/>
-          </a:prstGeom>
-          <a:noFill/>
-          <a:ln>
-            <a:noFill/>
-          </a:ln>
-          <a:effectLst/>
-          <a:extLst>
-            <a:ext uri="{909E8E84-426E-40DD-AFC4-6F175D3DCCD1}">
-              <a14:hiddenFill xmlns:a14="http://schemas.microsoft.com/office/drawing/2010/main">
-                <a:solidFill>
-                  <a:schemeClr val="accent1"/>
-                </a:solidFill>
-              </a14:hiddenFill>
-            </a:ext>
-            <a:ext uri="{91240B29-F687-4F45-9708-019B960494DF}">
-              <a14:hiddenLine xmlns:a14="http://schemas.microsoft.com/office/drawing/2010/main" w="9525">
-                <a:solidFill>
-                  <a:schemeClr val="tx1"/>
-                </a:solidFill>
-                <a:miter lim="800000"/>
-                <a:headEnd/>
-                <a:tailEnd/>
-              </a14:hiddenLine>
-            </a:ext>
-            <a:ext uri="{AF507438-7753-43E0-B8FC-AC1667EBCBE1}">
-              <a14:hiddenEffects xmlns:a14="http://schemas.microsoft.com/office/drawing/2010/main">
-                <a:effectLst>
-                  <a:outerShdw dist="35921" dir="2700000" algn="ctr" rotWithShape="0">
-                    <a:schemeClr val="bg2"/>
-                  </a:outerShdw>
-                </a:effectLst>
-              </a14:hiddenEffects>
-            </a:ext>
-          </a:extLst>
-        </p:spPr>
-        <p:txBody>
-          <a:bodyPr vert="horz" wrap="none" lIns="91440" tIns="25392" rIns="91440" bIns="45720" numCol="1" anchor="ctr" anchorCtr="0" compatLnSpc="1">
-            <a:prstTxWarp prst="textNoShape">
-              <a:avLst/>
-            </a:prstTxWarp>
-            <a:spAutoFit/>
-          </a:bodyPr>
-          <a:lstStyle/>
-          <a:p>
-            <a:pPr marL="0" marR="0" lvl="0" indent="0" algn="l" defTabSz="914400" rtl="0" eaLnBrk="0" fontAlgn="base" latinLnBrk="0" hangingPunct="0">
-              <a:lnSpc>
-                <a:spcPct val="100000"/>
-              </a:lnSpc>
-              <a:spcBef>
-                <a:spcPct val="0"/>
-              </a:spcBef>
-              <a:spcAft>
-                <a:spcPct val="0"/>
-              </a:spcAft>
-              <a:buClrTx/>
-              <a:buSzTx/>
-              <a:buFontTx/>
-              <a:buNone/>
-              <a:tabLst/>
-            </a:pPr>
-            <a:endParaRPr kumimoji="0" lang="es-CL" altLang="es-CL" sz="1600" b="0" i="0" u="none" strike="noStrike" cap="none" normalizeH="0" baseline="0">
-              <a:ln>
-                <a:noFill/>
-              </a:ln>
-              <a:solidFill>
-                <a:srgbClr val="2E74B5"/>
-              </a:solidFill>
-              <a:effectLst/>
-              <a:latin typeface="Arial" panose="020B0604020202020204" pitchFamily="34" charset="0"/>
-              <a:ea typeface="Times New Roman" panose="02020603050405020304" pitchFamily="18" charset="0"/>
-              <a:cs typeface="Times New Roman" panose="02020603050405020304" pitchFamily="18" charset="0"/>
-            </a:endParaRPr>
-          </a:p>
-          <a:p>
-            <a:pPr marL="0" marR="0" lvl="0" indent="0" algn="l" defTabSz="914400" rtl="0" eaLnBrk="0" fontAlgn="base" latinLnBrk="0" hangingPunct="0">
-              <a:lnSpc>
-                <a:spcPct val="100000"/>
-              </a:lnSpc>
-              <a:spcBef>
-                <a:spcPct val="0"/>
-              </a:spcBef>
-              <a:spcAft>
-                <a:spcPct val="0"/>
-              </a:spcAft>
-              <a:buClrTx/>
-              <a:buSzTx/>
-              <a:buFontTx/>
-              <a:buNone/>
-              <a:tabLst/>
-            </a:pPr>
-            <a:endParaRPr kumimoji="0" lang="es-CL" altLang="es-CL" sz="1800" b="0" i="0" u="none" strike="noStrike" cap="none" normalizeH="0" baseline="0">
-              <a:ln>
-                <a:noFill/>
-              </a:ln>
-              <a:solidFill>
-                <a:schemeClr val="tx1"/>
-              </a:solidFill>
-              <a:effectLst/>
-              <a:latin typeface="Arial" panose="020B0604020202020204" pitchFamily="34" charset="0"/>
-            </a:endParaRPr>
-          </a:p>
-        </p:txBody>
-      </p:sp>
-      <p:sp>
-        <p:nvSpPr>
-          <p:cNvPr id="10" name="Rectangle 20">
-            <a:extLst>
-              <a:ext uri="{FF2B5EF4-FFF2-40B4-BE49-F238E27FC236}">
-                <a16:creationId xmlns:a16="http://schemas.microsoft.com/office/drawing/2014/main" id="{516C8423-1643-4C89-931A-A869313764E8}"/>
-              </a:ext>
-            </a:extLst>
-          </p:cNvPr>
-          <p:cNvSpPr>
-            <a:spLocks noChangeArrowheads="1"/>
-          </p:cNvSpPr>
-          <p:nvPr/>
-        </p:nvSpPr>
-        <p:spPr bwMode="auto">
-          <a:xfrm>
-            <a:off x="0" y="914400"/>
-            <a:ext cx="12192000" cy="0"/>
-          </a:xfrm>
-          <a:prstGeom prst="rect">
-            <a:avLst/>
-          </a:prstGeom>
-          <a:noFill/>
-          <a:ln>
-            <a:noFill/>
-          </a:ln>
-          <a:effectLst/>
-          <a:extLst>
-            <a:ext uri="{909E8E84-426E-40DD-AFC4-6F175D3DCCD1}">
-              <a14:hiddenFill xmlns:a14="http://schemas.microsoft.com/office/drawing/2010/main">
-                <a:solidFill>
-                  <a:schemeClr val="accent1"/>
-                </a:solidFill>
-              </a14:hiddenFill>
-            </a:ext>
-            <a:ext uri="{91240B29-F687-4F45-9708-019B960494DF}">
-              <a14:hiddenLine xmlns:a14="http://schemas.microsoft.com/office/drawing/2010/main" w="9525">
-                <a:solidFill>
-                  <a:schemeClr val="tx1"/>
-                </a:solidFill>
-                <a:miter lim="800000"/>
-                <a:headEnd/>
-                <a:tailEnd/>
-              </a14:hiddenLine>
-            </a:ext>
-            <a:ext uri="{AF507438-7753-43E0-B8FC-AC1667EBCBE1}">
-              <a14:hiddenEffects xmlns:a14="http://schemas.microsoft.com/office/drawing/2010/main">
-                <a:effectLst>
-                  <a:outerShdw dist="35921" dir="2700000" algn="ctr" rotWithShape="0">
-                    <a:schemeClr val="bg2"/>
-                  </a:outerShdw>
-                </a:effectLst>
-              </a14:hiddenEffects>
-            </a:ext>
-          </a:extLst>
-        </p:spPr>
-        <p:txBody>
-          <a:bodyPr vert="horz" wrap="square" lIns="91440" tIns="45720" rIns="91440" bIns="45720" numCol="1" anchor="ctr" anchorCtr="0" compatLnSpc="1">
-            <a:prstTxWarp prst="textNoShape">
-              <a:avLst/>
-            </a:prstTxWarp>
-            <a:spAutoFit/>
-          </a:bodyPr>
-          <a:lstStyle/>
-          <a:p>
-            <a:pPr marL="0" marR="0" lvl="0" indent="0" algn="l" defTabSz="914400" rtl="0" eaLnBrk="0" fontAlgn="base" latinLnBrk="0" hangingPunct="0">
-              <a:lnSpc>
-                <a:spcPct val="100000"/>
-              </a:lnSpc>
-              <a:spcBef>
-                <a:spcPct val="0"/>
-              </a:spcBef>
-              <a:spcAft>
-                <a:spcPct val="0"/>
-              </a:spcAft>
-              <a:buClrTx/>
-              <a:buSzTx/>
-              <a:buFontTx/>
-              <a:buNone/>
-              <a:tabLst/>
-            </a:pPr>
-            <a:endParaRPr kumimoji="0" lang="es-CL" altLang="es-CL" sz="1600" b="0" i="0" u="none" strike="noStrike" cap="none" normalizeH="0" baseline="0">
-              <a:ln>
-                <a:noFill/>
-              </a:ln>
-              <a:solidFill>
-                <a:srgbClr val="2E74B5"/>
-              </a:solidFill>
-              <a:effectLst/>
-              <a:latin typeface="Arial" panose="020B0604020202020204" pitchFamily="34" charset="0"/>
-              <a:ea typeface="Times New Roman" panose="02020603050405020304" pitchFamily="18" charset="0"/>
-              <a:cs typeface="Times New Roman" panose="02020603050405020304" pitchFamily="18" charset="0"/>
-            </a:endParaRPr>
-          </a:p>
-          <a:p>
-            <a:pPr marL="0" marR="0" lvl="0" indent="0" algn="l" defTabSz="914400" rtl="0" eaLnBrk="0" fontAlgn="base" latinLnBrk="0" hangingPunct="0">
-              <a:lnSpc>
-                <a:spcPct val="100000"/>
-              </a:lnSpc>
-              <a:spcBef>
-                <a:spcPct val="0"/>
-              </a:spcBef>
-              <a:spcAft>
-                <a:spcPct val="0"/>
-              </a:spcAft>
-              <a:buClrTx/>
-              <a:buSzTx/>
-              <a:buFontTx/>
-              <a:buNone/>
-              <a:tabLst/>
-            </a:pPr>
-            <a:br>
-              <a:rPr kumimoji="0" lang="es-CL" altLang="es-CL" sz="1400" b="0" i="0" u="none" strike="noStrike" cap="none" normalizeH="0" baseline="0">
-                <a:ln>
-                  <a:noFill/>
-                </a:ln>
-                <a:solidFill>
-                  <a:schemeClr val="tx1"/>
-                </a:solidFill>
-                <a:effectLst/>
-                <a:latin typeface="Arial" panose="020B0604020202020204" pitchFamily="34" charset="0"/>
-                <a:ea typeface="Calibri" panose="020F0502020204030204" pitchFamily="34" charset="0"/>
-                <a:cs typeface="Times New Roman" panose="02020603050405020304" pitchFamily="18" charset="0"/>
-              </a:rPr>
-            </a:br>
-            <a:endParaRPr kumimoji="0" lang="es-CL" altLang="es-CL" sz="1800" b="0" i="0" u="none" strike="noStrike" cap="none" normalizeH="0" baseline="0">
-              <a:ln>
-                <a:noFill/>
-              </a:ln>
-              <a:solidFill>
-                <a:schemeClr val="tx1"/>
-              </a:solidFill>
-              <a:effectLst/>
-              <a:latin typeface="Arial" panose="020B0604020202020204" pitchFamily="34" charset="0"/>
-            </a:endParaRPr>
-          </a:p>
-        </p:txBody>
-      </p:sp>
-      <p:pic>
-        <p:nvPicPr>
-          <p:cNvPr id="4" name="Imagen 3">
-            <a:extLst>
-              <a:ext uri="{FF2B5EF4-FFF2-40B4-BE49-F238E27FC236}">
-                <a16:creationId xmlns:a16="http://schemas.microsoft.com/office/drawing/2014/main" id="{BA194523-A388-445D-B415-8974E1722224}"/>
-              </a:ext>
-            </a:extLst>
-          </p:cNvPr>
-          <p:cNvPicPr>
-            <a:picLocks noChangeAspect="1"/>
-          </p:cNvPicPr>
-          <p:nvPr/>
-        </p:nvPicPr>
-        <p:blipFill>
-          <a:blip r:embed="rId2"/>
-          <a:stretch>
-            <a:fillRect/>
-          </a:stretch>
-        </p:blipFill>
-        <p:spPr>
-          <a:xfrm>
-            <a:off x="2200274" y="1705374"/>
-            <a:ext cx="7458075" cy="4359193"/>
-          </a:xfrm>
-          <a:prstGeom prst="rect">
-            <a:avLst/>
-          </a:prstGeom>
-        </p:spPr>
-      </p:pic>
-    </p:spTree>
-    <p:extLst>
-      <p:ext uri="{BB962C8B-B14F-4D97-AF65-F5344CB8AC3E}">
-        <p14:creationId xmlns:p14="http://schemas.microsoft.com/office/powerpoint/2010/main" val="1472417928"/>
-      </p:ext>
-    </p:extLst>
-  </p:cSld>
-  <p:clrMapOvr>
-    <a:masterClrMapping/>
-  </p:clrMapOvr>
-</p:sld>
-</file>
-
-<file path=ppt/slides/slide5.xml><?xml version="1.0" encoding="utf-8"?>
-<p:sld xmlns:a="http://schemas.openxmlformats.org/drawingml/2006/main" xmlns:r="http://schemas.openxmlformats.org/officeDocument/2006/relationships" xmlns:p="http://schemas.openxmlformats.org/presentationml/2006/main">
-  <p:cSld>
-    <p:spTree>
-      <p:nvGrpSpPr>
-        <p:cNvPr id="1" name=""/>
-        <p:cNvGrpSpPr/>
-        <p:nvPr/>
-      </p:nvGrpSpPr>
-      <p:grpSpPr>
-        <a:xfrm>
-          <a:off x="0" y="0"/>
-          <a:ext cx="0" cy="0"/>
-          <a:chOff x="0" y="0"/>
-          <a:chExt cx="0" cy="0"/>
-        </a:xfrm>
-      </p:grpSpPr>
-      <p:sp>
-        <p:nvSpPr>
-          <p:cNvPr id="2" name="Titel 1">
-            <a:extLst>
-              <a:ext uri="{FF2B5EF4-FFF2-40B4-BE49-F238E27FC236}">
-                <a16:creationId xmlns:a16="http://schemas.microsoft.com/office/drawing/2014/main" id="{DBC39896-A229-7DC3-ED7D-471B504A57B7}"/>
-              </a:ext>
-            </a:extLst>
-          </p:cNvPr>
-          <p:cNvSpPr>
-            <a:spLocks noGrp="1"/>
-          </p:cNvSpPr>
-          <p:nvPr>
-            <p:ph type="title"/>
-          </p:nvPr>
-        </p:nvSpPr>
-        <p:spPr>
-          <a:xfrm>
-            <a:off x="959002" y="48260"/>
-            <a:ext cx="10273995" cy="615553"/>
-          </a:xfrm>
-        </p:spPr>
-        <p:txBody>
-          <a:bodyPr/>
-          <a:lstStyle/>
-          <a:p>
-            <a:r>
-              <a:rPr lang="es-ES" sz="4000" dirty="0">
-                <a:latin typeface="Times New Roman" panose="02020603050405020304" pitchFamily="18" charset="0"/>
-                <a:cs typeface="Times New Roman" panose="02020603050405020304" pitchFamily="18" charset="0"/>
-              </a:rPr>
-              <a:t>Situación actual - Lo que queda por hacer</a:t>
-            </a:r>
-            <a:endParaRPr lang="de-DE" dirty="0"/>
-          </a:p>
-        </p:txBody>
-      </p:sp>
-      <p:sp>
-        <p:nvSpPr>
-          <p:cNvPr id="3" name="Textplatzhalter 2">
-            <a:extLst>
-              <a:ext uri="{FF2B5EF4-FFF2-40B4-BE49-F238E27FC236}">
-                <a16:creationId xmlns:a16="http://schemas.microsoft.com/office/drawing/2014/main" id="{CC570786-0875-3C54-CB36-EA1FA694BA5B}"/>
-              </a:ext>
-            </a:extLst>
-          </p:cNvPr>
-          <p:cNvSpPr>
-            <a:spLocks noGrp="1"/>
-          </p:cNvSpPr>
-          <p:nvPr>
-            <p:ph type="body" idx="1"/>
-          </p:nvPr>
-        </p:nvSpPr>
-        <p:spPr>
-          <a:xfrm>
-            <a:off x="989762" y="2079246"/>
-            <a:ext cx="4830979" cy="3886200"/>
-          </a:xfrm>
-        </p:spPr>
-        <p:txBody>
-          <a:bodyPr/>
-          <a:lstStyle/>
-          <a:p>
-            <a:r>
-              <a:rPr lang="es-ES" sz="3000" dirty="0">
-                <a:solidFill>
-                  <a:schemeClr val="tx1"/>
-                </a:solidFill>
-              </a:rPr>
-              <a:t>Crear pruebas de rendimiento y efectuarlas para poder comprobar la seguridad, velocidad y usabilidad, aparte de hacer una mejora en la interfaz de usuario</a:t>
-            </a:r>
-          </a:p>
-        </p:txBody>
-      </p:sp>
-      <p:pic>
-        <p:nvPicPr>
-          <p:cNvPr id="1026" name="Picture 2" descr="Ventajas y desventajas de los servidores web dedicados - WireNet Chile">
-            <a:extLst>
-              <a:ext uri="{FF2B5EF4-FFF2-40B4-BE49-F238E27FC236}">
-                <a16:creationId xmlns:a16="http://schemas.microsoft.com/office/drawing/2014/main" id="{9CC95CF4-246A-4968-A79E-6494EA3934BF}"/>
-              </a:ext>
-            </a:extLst>
-          </p:cNvPr>
-          <p:cNvPicPr>
-            <a:picLocks noChangeAspect="1" noChangeArrowheads="1"/>
-          </p:cNvPicPr>
-          <p:nvPr/>
-        </p:nvPicPr>
-        <p:blipFill>
-          <a:blip r:embed="rId2">
-            <a:extLst>
-              <a:ext uri="{28A0092B-C50C-407E-A947-70E740481C1C}">
-                <a14:useLocalDpi xmlns:a14="http://schemas.microsoft.com/office/drawing/2010/main" val="0"/>
-              </a:ext>
-            </a:extLst>
-          </a:blip>
-          <a:srcRect/>
-          <a:stretch>
-            <a:fillRect/>
-          </a:stretch>
-        </p:blipFill>
-        <p:spPr bwMode="auto">
-          <a:xfrm>
-            <a:off x="6096000" y="2076450"/>
-            <a:ext cx="5201355" cy="3829050"/>
-          </a:xfrm>
-          <a:prstGeom prst="rect">
-            <a:avLst/>
-          </a:prstGeom>
-          <a:noFill/>
-          <a:extLst>
-            <a:ext uri="{909E8E84-426E-40DD-AFC4-6F175D3DCCD1}">
-              <a14:hiddenFill xmlns:a14="http://schemas.microsoft.com/office/drawing/2010/main">
-                <a:solidFill>
-                  <a:srgbClr val="FFFFFF"/>
-                </a:solidFill>
-              </a14:hiddenFill>
-            </a:ext>
-          </a:extLst>
-        </p:spPr>
-      </p:pic>
-    </p:spTree>
-    <p:extLst>
-      <p:ext uri="{BB962C8B-B14F-4D97-AF65-F5344CB8AC3E}">
-        <p14:creationId xmlns:p14="http://schemas.microsoft.com/office/powerpoint/2010/main" val="59583048"/>
-      </p:ext>
-    </p:extLst>
-  </p:cSld>
-  <p:clrMapOvr>
-    <a:masterClrMapping/>
-  </p:clrMapOvr>
-</p:sld>
-</file>
-
-<file path=ppt/slides/slide6.xml><?xml version="1.0" encoding="utf-8"?>
-<p:sld xmlns:a="http://schemas.openxmlformats.org/drawingml/2006/main" xmlns:r="http://schemas.openxmlformats.org/officeDocument/2006/relationships" xmlns:p="http://schemas.openxmlformats.org/presentationml/2006/main">
-  <p:cSld>
-    <p:spTree>
-      <p:nvGrpSpPr>
-        <p:cNvPr id="1" name=""/>
-        <p:cNvGrpSpPr/>
-        <p:nvPr/>
-      </p:nvGrpSpPr>
-      <p:grpSpPr>
-        <a:xfrm>
-          <a:off x="0" y="0"/>
-          <a:ext cx="0" cy="0"/>
-          <a:chOff x="0" y="0"/>
-          <a:chExt cx="0" cy="0"/>
-        </a:xfrm>
-      </p:grpSpPr>
-      <p:sp>
-        <p:nvSpPr>
-          <p:cNvPr id="2" name="object 2"/>
-          <p:cNvSpPr txBox="1"/>
-          <p:nvPr/>
-        </p:nvSpPr>
-        <p:spPr>
-          <a:xfrm>
-            <a:off x="3657600" y="2667000"/>
-            <a:ext cx="9677400" cy="936154"/>
-          </a:xfrm>
-          <a:prstGeom prst="rect">
-            <a:avLst/>
-          </a:prstGeom>
-        </p:spPr>
-        <p:txBody>
-          <a:bodyPr vert="horz" wrap="square" lIns="0" tIns="12700" rIns="0" bIns="0" rtlCol="0">
-            <a:spAutoFit/>
-          </a:bodyPr>
-          <a:lstStyle/>
-          <a:p>
-            <a:pPr marL="12700">
-              <a:lnSpc>
-                <a:spcPct val="100000"/>
-              </a:lnSpc>
-              <a:spcBef>
-                <a:spcPts val="100"/>
-              </a:spcBef>
-            </a:pPr>
-            <a:r>
-              <a:rPr lang="es-CL" sz="6000" spc="60" dirty="0">
-                <a:solidFill>
-                  <a:srgbClr val="F1F1F1"/>
-                </a:solidFill>
-                <a:latin typeface="Times New Roman" panose="02020603050405020304" pitchFamily="18" charset="0"/>
-                <a:cs typeface="Times New Roman" panose="02020603050405020304" pitchFamily="18" charset="0"/>
-              </a:rPr>
-              <a:t>Muestra de chat</a:t>
-            </a:r>
-            <a:endParaRPr sz="6000" dirty="0">
-              <a:latin typeface="Times New Roman" panose="02020603050405020304" pitchFamily="18" charset="0"/>
-              <a:cs typeface="Times New Roman" panose="02020603050405020304" pitchFamily="18" charset="0"/>
-            </a:endParaRPr>
-          </a:p>
-        </p:txBody>
-      </p:sp>
-    </p:spTree>
-    <p:extLst>
-      <p:ext uri="{BB962C8B-B14F-4D97-AF65-F5344CB8AC3E}">
-        <p14:creationId xmlns:p14="http://schemas.microsoft.com/office/powerpoint/2010/main" val="3901825574"/>
-      </p:ext>
-    </p:extLst>
-  </p:cSld>
-  <p:clrMapOvr>
-    <a:masterClrMapping/>
-  </p:clrMapOvr>
-</p:sld>
-</file>
-
-<file path=ppt/slides/slide7.xml><?xml version="1.0" encoding="utf-8"?>
-<p:sld xmlns:a="http://schemas.openxmlformats.org/drawingml/2006/main" xmlns:r="http://schemas.openxmlformats.org/officeDocument/2006/relationships" xmlns:p="http://schemas.openxmlformats.org/presentationml/2006/main">
-  <p:cSld>
-    <p:spTree>
-      <p:nvGrpSpPr>
-        <p:cNvPr id="1" name=""/>
-        <p:cNvGrpSpPr/>
-        <p:nvPr/>
-      </p:nvGrpSpPr>
-      <p:grpSpPr>
-        <a:xfrm>
-          <a:off x="0" y="0"/>
-          <a:ext cx="0" cy="0"/>
-          <a:chOff x="0" y="0"/>
-          <a:chExt cx="0" cy="0"/>
-        </a:xfrm>
-      </p:grpSpPr>
-      <p:sp>
-        <p:nvSpPr>
-          <p:cNvPr id="2" name="object 2"/>
-          <p:cNvSpPr txBox="1">
-            <a:spLocks noGrp="1"/>
-          </p:cNvSpPr>
-          <p:nvPr>
-            <p:ph type="title"/>
-          </p:nvPr>
-        </p:nvSpPr>
-        <p:spPr>
-          <a:xfrm>
-            <a:off x="533400" y="287527"/>
-            <a:ext cx="9296400" cy="696595"/>
-          </a:xfrm>
-          <a:prstGeom prst="rect">
-            <a:avLst/>
-          </a:prstGeom>
-        </p:spPr>
-        <p:txBody>
-          <a:bodyPr vert="horz" wrap="square" lIns="0" tIns="12700" rIns="0" bIns="0" rtlCol="0">
-            <a:spAutoFit/>
-          </a:bodyPr>
-          <a:lstStyle/>
-          <a:p>
-            <a:pPr marL="12700" algn="ctr">
-              <a:lnSpc>
-                <a:spcPct val="100000"/>
-              </a:lnSpc>
-              <a:spcBef>
-                <a:spcPts val="100"/>
-              </a:spcBef>
-            </a:pPr>
-            <a:r>
-              <a:rPr lang="es-ES" sz="4400" dirty="0">
-                <a:latin typeface="Times New Roman" panose="02020603050405020304" pitchFamily="18" charset="0"/>
-                <a:cs typeface="Times New Roman" panose="02020603050405020304" pitchFamily="18" charset="0"/>
-              </a:rPr>
-              <a:t>Server </a:t>
-            </a:r>
-            <a:endParaRPr sz="4400" dirty="0">
-              <a:latin typeface="Times New Roman" panose="02020603050405020304" pitchFamily="18" charset="0"/>
-              <a:cs typeface="Times New Roman" panose="02020603050405020304" pitchFamily="18" charset="0"/>
-            </a:endParaRPr>
-          </a:p>
-        </p:txBody>
-      </p:sp>
-      <p:sp>
-        <p:nvSpPr>
-          <p:cNvPr id="13" name="object 13"/>
-          <p:cNvSpPr/>
-          <p:nvPr/>
-        </p:nvSpPr>
-        <p:spPr>
-          <a:xfrm>
-            <a:off x="115823" y="6356603"/>
-            <a:ext cx="2988945" cy="364490"/>
-          </a:xfrm>
-          <a:custGeom>
-            <a:avLst/>
-            <a:gdLst/>
-            <a:ahLst/>
-            <a:cxnLst/>
-            <a:rect l="l" t="t" r="r" b="b"/>
-            <a:pathLst>
-              <a:path w="2988945" h="364490">
-                <a:moveTo>
-                  <a:pt x="2988564" y="0"/>
-                </a:moveTo>
-                <a:lnTo>
-                  <a:pt x="0" y="0"/>
-                </a:lnTo>
-                <a:lnTo>
-                  <a:pt x="0" y="364236"/>
-                </a:lnTo>
-                <a:lnTo>
-                  <a:pt x="2988564" y="364236"/>
-                </a:lnTo>
-                <a:lnTo>
-                  <a:pt x="2988564" y="0"/>
-                </a:lnTo>
-                <a:close/>
-              </a:path>
-            </a:pathLst>
-          </a:custGeom>
-          <a:solidFill>
-            <a:srgbClr val="585858"/>
-          </a:solidFill>
-        </p:spPr>
-        <p:txBody>
-          <a:bodyPr wrap="square" lIns="0" tIns="0" rIns="0" bIns="0" rtlCol="0"/>
-          <a:lstStyle/>
-          <a:p>
-            <a:endParaRPr/>
-          </a:p>
-        </p:txBody>
-      </p:sp>
-      <p:sp>
-        <p:nvSpPr>
-          <p:cNvPr id="14" name="object 14"/>
-          <p:cNvSpPr/>
-          <p:nvPr/>
-        </p:nvSpPr>
-        <p:spPr>
-          <a:xfrm>
-            <a:off x="3194304" y="6356603"/>
-            <a:ext cx="6040120" cy="364490"/>
-          </a:xfrm>
-          <a:custGeom>
-            <a:avLst/>
-            <a:gdLst/>
-            <a:ahLst/>
-            <a:cxnLst/>
-            <a:rect l="l" t="t" r="r" b="b"/>
-            <a:pathLst>
-              <a:path w="6040120" h="364490">
-                <a:moveTo>
-                  <a:pt x="6039612" y="0"/>
-                </a:moveTo>
-                <a:lnTo>
-                  <a:pt x="0" y="0"/>
-                </a:lnTo>
-                <a:lnTo>
-                  <a:pt x="0" y="364236"/>
-                </a:lnTo>
-                <a:lnTo>
-                  <a:pt x="6039612" y="364236"/>
-                </a:lnTo>
-                <a:lnTo>
-                  <a:pt x="6039612" y="0"/>
-                </a:lnTo>
-                <a:close/>
-              </a:path>
-            </a:pathLst>
-          </a:custGeom>
-          <a:solidFill>
-            <a:srgbClr val="585858"/>
-          </a:solidFill>
-        </p:spPr>
-        <p:txBody>
-          <a:bodyPr wrap="square" lIns="0" tIns="0" rIns="0" bIns="0" rtlCol="0"/>
-          <a:lstStyle/>
-          <a:p>
-            <a:endParaRPr/>
-          </a:p>
-        </p:txBody>
-      </p:sp>
-      <p:sp>
-        <p:nvSpPr>
-          <p:cNvPr id="15" name="object 15"/>
-          <p:cNvSpPr/>
-          <p:nvPr/>
-        </p:nvSpPr>
-        <p:spPr>
-          <a:xfrm>
-            <a:off x="9323831" y="6356603"/>
-            <a:ext cx="2743200" cy="364490"/>
-          </a:xfrm>
-          <a:custGeom>
-            <a:avLst/>
-            <a:gdLst/>
-            <a:ahLst/>
-            <a:cxnLst/>
-            <a:rect l="l" t="t" r="r" b="b"/>
-            <a:pathLst>
-              <a:path w="2743200" h="364490">
-                <a:moveTo>
-                  <a:pt x="2743200" y="0"/>
-                </a:moveTo>
-                <a:lnTo>
-                  <a:pt x="0" y="0"/>
-                </a:lnTo>
-                <a:lnTo>
-                  <a:pt x="0" y="364236"/>
-                </a:lnTo>
-                <a:lnTo>
-                  <a:pt x="2743200" y="364236"/>
-                </a:lnTo>
-                <a:lnTo>
-                  <a:pt x="2743200" y="0"/>
-                </a:lnTo>
-                <a:close/>
-              </a:path>
-            </a:pathLst>
-          </a:custGeom>
-          <a:solidFill>
-            <a:srgbClr val="585858"/>
-          </a:solidFill>
-        </p:spPr>
-        <p:txBody>
-          <a:bodyPr wrap="square" lIns="0" tIns="0" rIns="0" bIns="0" rtlCol="0"/>
-          <a:lstStyle/>
-          <a:p>
-            <a:endParaRPr/>
-          </a:p>
-        </p:txBody>
-      </p:sp>
-      <p:sp>
-        <p:nvSpPr>
-          <p:cNvPr id="16" name="object 16"/>
-          <p:cNvSpPr txBox="1">
-            <a:spLocks noGrp="1"/>
-          </p:cNvSpPr>
-          <p:nvPr>
-            <p:ph type="ftr" sz="quarter" idx="5"/>
-          </p:nvPr>
-        </p:nvSpPr>
-        <p:spPr>
-          <a:xfrm>
-            <a:off x="194562" y="6431705"/>
-            <a:ext cx="2853438" cy="198772"/>
-          </a:xfrm>
-          <a:prstGeom prst="rect">
-            <a:avLst/>
-          </a:prstGeom>
-        </p:spPr>
-        <p:txBody>
-          <a:bodyPr vert="horz" wrap="square" lIns="0" tIns="13970" rIns="0" bIns="0" rtlCol="0">
-            <a:spAutoFit/>
-          </a:bodyPr>
-          <a:lstStyle/>
-          <a:p>
-            <a:pPr marL="12700">
-              <a:lnSpc>
-                <a:spcPct val="100000"/>
-              </a:lnSpc>
-              <a:spcBef>
-                <a:spcPts val="110"/>
-              </a:spcBef>
-            </a:pPr>
-            <a:r>
-              <a:rPr lang="es-CL" spc="-25" dirty="0">
-                <a:latin typeface="Times New Roman" panose="02020603050405020304" pitchFamily="18" charset="0"/>
-                <a:cs typeface="Times New Roman" panose="02020603050405020304" pitchFamily="18" charset="0"/>
-              </a:rPr>
-              <a:t>Fernández  </a:t>
-            </a:r>
-            <a:r>
-              <a:rPr lang="es-CL" spc="-15" dirty="0">
-                <a:latin typeface="Times New Roman" panose="02020603050405020304" pitchFamily="18" charset="0"/>
-                <a:cs typeface="Times New Roman" panose="02020603050405020304" pitchFamily="18" charset="0"/>
-              </a:rPr>
-              <a:t>–</a:t>
-            </a:r>
-            <a:r>
-              <a:rPr lang="es-CL" spc="-30" dirty="0">
-                <a:latin typeface="Times New Roman" panose="02020603050405020304" pitchFamily="18" charset="0"/>
-                <a:cs typeface="Times New Roman" panose="02020603050405020304" pitchFamily="18" charset="0"/>
-              </a:rPr>
-              <a:t> </a:t>
-            </a:r>
-            <a:r>
-              <a:rPr lang="es-CL" spc="-100" dirty="0">
-                <a:latin typeface="Times New Roman" panose="02020603050405020304" pitchFamily="18" charset="0"/>
-                <a:cs typeface="Times New Roman" panose="02020603050405020304" pitchFamily="18" charset="0"/>
-              </a:rPr>
-              <a:t>2022</a:t>
-            </a:r>
-          </a:p>
-        </p:txBody>
-      </p:sp>
-      <p:sp>
-        <p:nvSpPr>
-          <p:cNvPr id="17" name="object 17"/>
-          <p:cNvSpPr txBox="1">
-            <a:spLocks noGrp="1"/>
-          </p:cNvSpPr>
-          <p:nvPr>
-            <p:ph type="dt" sz="half" idx="6"/>
-          </p:nvPr>
-        </p:nvSpPr>
-        <p:spPr>
-          <a:xfrm>
-            <a:off x="4113403" y="6431705"/>
-            <a:ext cx="4649597" cy="198772"/>
-          </a:xfrm>
-          <a:prstGeom prst="rect">
-            <a:avLst/>
-          </a:prstGeom>
-        </p:spPr>
-        <p:txBody>
-          <a:bodyPr vert="horz" wrap="square" lIns="0" tIns="13970" rIns="0" bIns="0" rtlCol="0">
-            <a:spAutoFit/>
-          </a:bodyPr>
-          <a:lstStyle/>
-          <a:p>
-            <a:pPr marL="12700">
-              <a:spcBef>
-                <a:spcPts val="110"/>
-              </a:spcBef>
-            </a:pPr>
-            <a:r>
-              <a:rPr lang="es-ES" sz="1200" dirty="0">
-                <a:solidFill>
-                  <a:schemeClr val="bg1"/>
-                </a:solidFill>
-                <a:latin typeface="Times New Roman" panose="02020603050405020304" pitchFamily="18" charset="0"/>
-                <a:cs typeface="Times New Roman" panose="02020603050405020304" pitchFamily="18" charset="0"/>
-              </a:rPr>
-              <a:t>Consultoría de Proyecto Informático - </a:t>
-            </a:r>
-            <a:r>
-              <a:rPr lang="es-CL" sz="1200" spc="60" dirty="0">
-                <a:solidFill>
-                  <a:srgbClr val="F1F1F1"/>
-                </a:solidFill>
-                <a:latin typeface="Times New Roman" panose="02020603050405020304" pitchFamily="18" charset="0"/>
-                <a:cs typeface="Times New Roman" panose="02020603050405020304" pitchFamily="18" charset="0"/>
-              </a:rPr>
-              <a:t>Informe de formulación</a:t>
-            </a:r>
-          </a:p>
-        </p:txBody>
-      </p:sp>
-      <p:sp>
-        <p:nvSpPr>
-          <p:cNvPr id="18" name="object 18"/>
-          <p:cNvSpPr txBox="1"/>
-          <p:nvPr/>
-        </p:nvSpPr>
-        <p:spPr>
-          <a:xfrm>
-            <a:off x="11767439" y="6431705"/>
-            <a:ext cx="247650" cy="212725"/>
-          </a:xfrm>
-          <a:prstGeom prst="rect">
-            <a:avLst/>
-          </a:prstGeom>
-        </p:spPr>
-        <p:txBody>
-          <a:bodyPr vert="horz" wrap="square" lIns="0" tIns="13970" rIns="0" bIns="0" rtlCol="0">
-            <a:spAutoFit/>
-          </a:bodyPr>
-          <a:lstStyle/>
-          <a:p>
-            <a:pPr marL="38100">
-              <a:lnSpc>
-                <a:spcPct val="100000"/>
-              </a:lnSpc>
-              <a:spcBef>
-                <a:spcPts val="110"/>
-              </a:spcBef>
-            </a:pPr>
-            <a:fld id="{81D60167-4931-47E6-BA6A-407CBD079E47}" type="slidenum">
-              <a:rPr sz="1200" b="1" spc="-95" dirty="0">
-                <a:solidFill>
-                  <a:srgbClr val="FFFFFF"/>
-                </a:solidFill>
-                <a:latin typeface="Tahoma"/>
-                <a:cs typeface="Tahoma"/>
-              </a:rPr>
-              <a:t>7</a:t>
+              <a:t>5</a:t>
             </a:fld>
             <a:endParaRPr sz="1200">
               <a:latin typeface="Tahoma"/>
@@ -8044,7 +5696,7 @@
 </p:sld>
 </file>
 
-<file path=ppt/slides/slide8.xml><?xml version="1.0" encoding="utf-8"?>
+<file path=ppt/slides/slide6.xml><?xml version="1.0" encoding="utf-8"?>
 <p:sld xmlns:a="http://schemas.openxmlformats.org/drawingml/2006/main" xmlns:r="http://schemas.openxmlformats.org/officeDocument/2006/relationships" xmlns:p="http://schemas.openxmlformats.org/presentationml/2006/main">
   <p:cSld>
     <p:spTree>
@@ -8412,7 +6064,7 @@
                 <a:latin typeface="Tahoma"/>
                 <a:cs typeface="Tahoma"/>
               </a:rPr>
-              <a:t>8</a:t>
+              <a:t>6</a:t>
             </a:fld>
             <a:endParaRPr sz="1200">
               <a:latin typeface="Tahoma"/>
@@ -8470,7 +6122,7 @@
 </p:sld>
 </file>
 
-<file path=ppt/slides/slide9.xml><?xml version="1.0" encoding="utf-8"?>
+<file path=ppt/slides/slide7.xml><?xml version="1.0" encoding="utf-8"?>
 <p:sld xmlns:a="http://schemas.openxmlformats.org/drawingml/2006/main" xmlns:r="http://schemas.openxmlformats.org/officeDocument/2006/relationships" xmlns:p="http://schemas.openxmlformats.org/presentationml/2006/main">
   <p:cSld>
     <p:spTree>
@@ -8577,6 +6229,1174 @@
     <p:extLst>
       <p:ext uri="{BB962C8B-B14F-4D97-AF65-F5344CB8AC3E}">
         <p14:creationId xmlns:p14="http://schemas.microsoft.com/office/powerpoint/2010/main" val="639100015"/>
+      </p:ext>
+    </p:extLst>
+  </p:cSld>
+  <p:clrMapOvr>
+    <a:masterClrMapping/>
+  </p:clrMapOvr>
+</p:sld>
+</file>
+
+<file path=ppt/slides/slide8.xml><?xml version="1.0" encoding="utf-8"?>
+<p:sld xmlns:a="http://schemas.openxmlformats.org/drawingml/2006/main" xmlns:r="http://schemas.openxmlformats.org/officeDocument/2006/relationships" xmlns:p="http://schemas.openxmlformats.org/presentationml/2006/main">
+  <p:cSld>
+    <p:spTree>
+      <p:nvGrpSpPr>
+        <p:cNvPr id="1" name=""/>
+        <p:cNvGrpSpPr/>
+        <p:nvPr/>
+      </p:nvGrpSpPr>
+      <p:grpSpPr>
+        <a:xfrm>
+          <a:off x="0" y="0"/>
+          <a:ext cx="0" cy="0"/>
+          <a:chOff x="0" y="0"/>
+          <a:chExt cx="0" cy="0"/>
+        </a:xfrm>
+      </p:grpSpPr>
+      <p:sp>
+        <p:nvSpPr>
+          <p:cNvPr id="2" name="object 2"/>
+          <p:cNvSpPr txBox="1">
+            <a:spLocks noGrp="1"/>
+          </p:cNvSpPr>
+          <p:nvPr>
+            <p:ph type="title"/>
+          </p:nvPr>
+        </p:nvSpPr>
+        <p:spPr>
+          <a:xfrm>
+            <a:off x="533400" y="287527"/>
+            <a:ext cx="9296400" cy="696595"/>
+          </a:xfrm>
+          <a:prstGeom prst="rect">
+            <a:avLst/>
+          </a:prstGeom>
+        </p:spPr>
+        <p:txBody>
+          <a:bodyPr vert="horz" wrap="square" lIns="0" tIns="12700" rIns="0" bIns="0" rtlCol="0">
+            <a:spAutoFit/>
+          </a:bodyPr>
+          <a:lstStyle/>
+          <a:p>
+            <a:pPr marL="12700" algn="ctr">
+              <a:lnSpc>
+                <a:spcPct val="100000"/>
+              </a:lnSpc>
+              <a:spcBef>
+                <a:spcPts val="100"/>
+              </a:spcBef>
+            </a:pPr>
+            <a:r>
+              <a:rPr lang="es-ES" sz="4400" dirty="0" err="1">
+                <a:latin typeface="Times New Roman" panose="02020603050405020304" pitchFamily="18" charset="0"/>
+                <a:cs typeface="Times New Roman" panose="02020603050405020304" pitchFamily="18" charset="0"/>
+              </a:rPr>
+              <a:t>Results</a:t>
+            </a:r>
+            <a:r>
+              <a:rPr lang="es-ES" sz="4400" dirty="0">
+                <a:latin typeface="Times New Roman" panose="02020603050405020304" pitchFamily="18" charset="0"/>
+                <a:cs typeface="Times New Roman" panose="02020603050405020304" pitchFamily="18" charset="0"/>
+              </a:rPr>
+              <a:t> </a:t>
+            </a:r>
+            <a:endParaRPr sz="4400" dirty="0">
+              <a:latin typeface="Times New Roman" panose="02020603050405020304" pitchFamily="18" charset="0"/>
+              <a:cs typeface="Times New Roman" panose="02020603050405020304" pitchFamily="18" charset="0"/>
+            </a:endParaRPr>
+          </a:p>
+        </p:txBody>
+      </p:sp>
+      <p:sp>
+        <p:nvSpPr>
+          <p:cNvPr id="13" name="object 13"/>
+          <p:cNvSpPr/>
+          <p:nvPr/>
+        </p:nvSpPr>
+        <p:spPr>
+          <a:xfrm>
+            <a:off x="115823" y="6356603"/>
+            <a:ext cx="2988945" cy="364490"/>
+          </a:xfrm>
+          <a:custGeom>
+            <a:avLst/>
+            <a:gdLst/>
+            <a:ahLst/>
+            <a:cxnLst/>
+            <a:rect l="l" t="t" r="r" b="b"/>
+            <a:pathLst>
+              <a:path w="2988945" h="364490">
+                <a:moveTo>
+                  <a:pt x="2988564" y="0"/>
+                </a:moveTo>
+                <a:lnTo>
+                  <a:pt x="0" y="0"/>
+                </a:lnTo>
+                <a:lnTo>
+                  <a:pt x="0" y="364236"/>
+                </a:lnTo>
+                <a:lnTo>
+                  <a:pt x="2988564" y="364236"/>
+                </a:lnTo>
+                <a:lnTo>
+                  <a:pt x="2988564" y="0"/>
+                </a:lnTo>
+                <a:close/>
+              </a:path>
+            </a:pathLst>
+          </a:custGeom>
+          <a:solidFill>
+            <a:srgbClr val="585858"/>
+          </a:solidFill>
+        </p:spPr>
+        <p:txBody>
+          <a:bodyPr wrap="square" lIns="0" tIns="0" rIns="0" bIns="0" rtlCol="0"/>
+          <a:lstStyle/>
+          <a:p>
+            <a:endParaRPr/>
+          </a:p>
+        </p:txBody>
+      </p:sp>
+      <p:sp>
+        <p:nvSpPr>
+          <p:cNvPr id="14" name="object 14"/>
+          <p:cNvSpPr/>
+          <p:nvPr/>
+        </p:nvSpPr>
+        <p:spPr>
+          <a:xfrm>
+            <a:off x="3194304" y="6356603"/>
+            <a:ext cx="6040120" cy="364490"/>
+          </a:xfrm>
+          <a:custGeom>
+            <a:avLst/>
+            <a:gdLst/>
+            <a:ahLst/>
+            <a:cxnLst/>
+            <a:rect l="l" t="t" r="r" b="b"/>
+            <a:pathLst>
+              <a:path w="6040120" h="364490">
+                <a:moveTo>
+                  <a:pt x="6039612" y="0"/>
+                </a:moveTo>
+                <a:lnTo>
+                  <a:pt x="0" y="0"/>
+                </a:lnTo>
+                <a:lnTo>
+                  <a:pt x="0" y="364236"/>
+                </a:lnTo>
+                <a:lnTo>
+                  <a:pt x="6039612" y="364236"/>
+                </a:lnTo>
+                <a:lnTo>
+                  <a:pt x="6039612" y="0"/>
+                </a:lnTo>
+                <a:close/>
+              </a:path>
+            </a:pathLst>
+          </a:custGeom>
+          <a:solidFill>
+            <a:srgbClr val="585858"/>
+          </a:solidFill>
+        </p:spPr>
+        <p:txBody>
+          <a:bodyPr wrap="square" lIns="0" tIns="0" rIns="0" bIns="0" rtlCol="0"/>
+          <a:lstStyle/>
+          <a:p>
+            <a:endParaRPr/>
+          </a:p>
+        </p:txBody>
+      </p:sp>
+      <p:sp>
+        <p:nvSpPr>
+          <p:cNvPr id="15" name="object 15"/>
+          <p:cNvSpPr/>
+          <p:nvPr/>
+        </p:nvSpPr>
+        <p:spPr>
+          <a:xfrm>
+            <a:off x="9323831" y="6356603"/>
+            <a:ext cx="2743200" cy="364490"/>
+          </a:xfrm>
+          <a:custGeom>
+            <a:avLst/>
+            <a:gdLst/>
+            <a:ahLst/>
+            <a:cxnLst/>
+            <a:rect l="l" t="t" r="r" b="b"/>
+            <a:pathLst>
+              <a:path w="2743200" h="364490">
+                <a:moveTo>
+                  <a:pt x="2743200" y="0"/>
+                </a:moveTo>
+                <a:lnTo>
+                  <a:pt x="0" y="0"/>
+                </a:lnTo>
+                <a:lnTo>
+                  <a:pt x="0" y="364236"/>
+                </a:lnTo>
+                <a:lnTo>
+                  <a:pt x="2743200" y="364236"/>
+                </a:lnTo>
+                <a:lnTo>
+                  <a:pt x="2743200" y="0"/>
+                </a:lnTo>
+                <a:close/>
+              </a:path>
+            </a:pathLst>
+          </a:custGeom>
+          <a:solidFill>
+            <a:srgbClr val="585858"/>
+          </a:solidFill>
+        </p:spPr>
+        <p:txBody>
+          <a:bodyPr wrap="square" lIns="0" tIns="0" rIns="0" bIns="0" rtlCol="0"/>
+          <a:lstStyle/>
+          <a:p>
+            <a:endParaRPr/>
+          </a:p>
+        </p:txBody>
+      </p:sp>
+      <p:sp>
+        <p:nvSpPr>
+          <p:cNvPr id="16" name="object 16"/>
+          <p:cNvSpPr txBox="1">
+            <a:spLocks noGrp="1"/>
+          </p:cNvSpPr>
+          <p:nvPr>
+            <p:ph type="ftr" sz="quarter" idx="5"/>
+          </p:nvPr>
+        </p:nvSpPr>
+        <p:spPr>
+          <a:xfrm>
+            <a:off x="194562" y="6431705"/>
+            <a:ext cx="2853438" cy="198772"/>
+          </a:xfrm>
+          <a:prstGeom prst="rect">
+            <a:avLst/>
+          </a:prstGeom>
+        </p:spPr>
+        <p:txBody>
+          <a:bodyPr vert="horz" wrap="square" lIns="0" tIns="13970" rIns="0" bIns="0" rtlCol="0">
+            <a:spAutoFit/>
+          </a:bodyPr>
+          <a:lstStyle/>
+          <a:p>
+            <a:pPr marL="12700">
+              <a:lnSpc>
+                <a:spcPct val="100000"/>
+              </a:lnSpc>
+              <a:spcBef>
+                <a:spcPts val="110"/>
+              </a:spcBef>
+            </a:pPr>
+            <a:r>
+              <a:rPr lang="es-CL" spc="-25" dirty="0">
+                <a:latin typeface="Times New Roman" panose="02020603050405020304" pitchFamily="18" charset="0"/>
+                <a:cs typeface="Times New Roman" panose="02020603050405020304" pitchFamily="18" charset="0"/>
+              </a:rPr>
+              <a:t>Fernández  </a:t>
+            </a:r>
+            <a:r>
+              <a:rPr lang="es-CL" spc="-15" dirty="0">
+                <a:latin typeface="Times New Roman" panose="02020603050405020304" pitchFamily="18" charset="0"/>
+                <a:cs typeface="Times New Roman" panose="02020603050405020304" pitchFamily="18" charset="0"/>
+              </a:rPr>
+              <a:t>–</a:t>
+            </a:r>
+            <a:r>
+              <a:rPr lang="es-CL" spc="-30" dirty="0">
+                <a:latin typeface="Times New Roman" panose="02020603050405020304" pitchFamily="18" charset="0"/>
+                <a:cs typeface="Times New Roman" panose="02020603050405020304" pitchFamily="18" charset="0"/>
+              </a:rPr>
+              <a:t> </a:t>
+            </a:r>
+            <a:r>
+              <a:rPr lang="es-CL" spc="-100" dirty="0">
+                <a:latin typeface="Times New Roman" panose="02020603050405020304" pitchFamily="18" charset="0"/>
+                <a:cs typeface="Times New Roman" panose="02020603050405020304" pitchFamily="18" charset="0"/>
+              </a:rPr>
+              <a:t>2022</a:t>
+            </a:r>
+          </a:p>
+        </p:txBody>
+      </p:sp>
+      <p:sp>
+        <p:nvSpPr>
+          <p:cNvPr id="17" name="object 17"/>
+          <p:cNvSpPr txBox="1">
+            <a:spLocks noGrp="1"/>
+          </p:cNvSpPr>
+          <p:nvPr>
+            <p:ph type="dt" sz="half" idx="6"/>
+          </p:nvPr>
+        </p:nvSpPr>
+        <p:spPr>
+          <a:xfrm>
+            <a:off x="4113403" y="6431705"/>
+            <a:ext cx="4649597" cy="198772"/>
+          </a:xfrm>
+          <a:prstGeom prst="rect">
+            <a:avLst/>
+          </a:prstGeom>
+        </p:spPr>
+        <p:txBody>
+          <a:bodyPr vert="horz" wrap="square" lIns="0" tIns="13970" rIns="0" bIns="0" rtlCol="0">
+            <a:spAutoFit/>
+          </a:bodyPr>
+          <a:lstStyle/>
+          <a:p>
+            <a:pPr marL="12700">
+              <a:spcBef>
+                <a:spcPts val="110"/>
+              </a:spcBef>
+            </a:pPr>
+            <a:r>
+              <a:rPr lang="es-ES" sz="1200" dirty="0">
+                <a:solidFill>
+                  <a:schemeClr val="bg1"/>
+                </a:solidFill>
+                <a:latin typeface="Times New Roman" panose="02020603050405020304" pitchFamily="18" charset="0"/>
+                <a:cs typeface="Times New Roman" panose="02020603050405020304" pitchFamily="18" charset="0"/>
+              </a:rPr>
+              <a:t>Consultoría de Proyecto Informático - </a:t>
+            </a:r>
+            <a:r>
+              <a:rPr lang="es-CL" sz="1200" spc="60" dirty="0">
+                <a:solidFill>
+                  <a:srgbClr val="F1F1F1"/>
+                </a:solidFill>
+                <a:latin typeface="Times New Roman" panose="02020603050405020304" pitchFamily="18" charset="0"/>
+                <a:cs typeface="Times New Roman" panose="02020603050405020304" pitchFamily="18" charset="0"/>
+              </a:rPr>
+              <a:t>Informe de formulación</a:t>
+            </a:r>
+          </a:p>
+        </p:txBody>
+      </p:sp>
+      <p:sp>
+        <p:nvSpPr>
+          <p:cNvPr id="18" name="object 18"/>
+          <p:cNvSpPr txBox="1"/>
+          <p:nvPr/>
+        </p:nvSpPr>
+        <p:spPr>
+          <a:xfrm>
+            <a:off x="11767439" y="6431705"/>
+            <a:ext cx="247650" cy="212725"/>
+          </a:xfrm>
+          <a:prstGeom prst="rect">
+            <a:avLst/>
+          </a:prstGeom>
+        </p:spPr>
+        <p:txBody>
+          <a:bodyPr vert="horz" wrap="square" lIns="0" tIns="13970" rIns="0" bIns="0" rtlCol="0">
+            <a:spAutoFit/>
+          </a:bodyPr>
+          <a:lstStyle/>
+          <a:p>
+            <a:pPr marL="38100">
+              <a:lnSpc>
+                <a:spcPct val="100000"/>
+              </a:lnSpc>
+              <a:spcBef>
+                <a:spcPts val="110"/>
+              </a:spcBef>
+            </a:pPr>
+            <a:fld id="{81D60167-4931-47E6-BA6A-407CBD079E47}" type="slidenum">
+              <a:rPr sz="1200" b="1" spc="-95" dirty="0">
+                <a:solidFill>
+                  <a:srgbClr val="FFFFFF"/>
+                </a:solidFill>
+                <a:latin typeface="Tahoma"/>
+                <a:cs typeface="Tahoma"/>
+              </a:rPr>
+              <a:t>8</a:t>
+            </a:fld>
+            <a:endParaRPr sz="1200">
+              <a:latin typeface="Tahoma"/>
+              <a:cs typeface="Tahoma"/>
+            </a:endParaRPr>
+          </a:p>
+        </p:txBody>
+      </p:sp>
+      <p:pic>
+        <p:nvPicPr>
+          <p:cNvPr id="4100" name="Picture 4" descr="7 consejos que necesita saber para implementar la gestión de resultados">
+            <a:extLst>
+              <a:ext uri="{FF2B5EF4-FFF2-40B4-BE49-F238E27FC236}">
+                <a16:creationId xmlns:a16="http://schemas.microsoft.com/office/drawing/2014/main" id="{AF1F15E4-EBC8-4FA9-9376-673316CD3C14}"/>
+              </a:ext>
+            </a:extLst>
+          </p:cNvPr>
+          <p:cNvPicPr>
+            <a:picLocks noChangeAspect="1" noChangeArrowheads="1"/>
+          </p:cNvPicPr>
+          <p:nvPr/>
+        </p:nvPicPr>
+        <p:blipFill>
+          <a:blip r:embed="rId2">
+            <a:extLst>
+              <a:ext uri="{28A0092B-C50C-407E-A947-70E740481C1C}">
+                <a14:useLocalDpi xmlns:a14="http://schemas.microsoft.com/office/drawing/2010/main" val="0"/>
+              </a:ext>
+            </a:extLst>
+          </a:blip>
+          <a:srcRect/>
+          <a:stretch>
+            <a:fillRect/>
+          </a:stretch>
+        </p:blipFill>
+        <p:spPr bwMode="auto">
+          <a:xfrm>
+            <a:off x="2133600" y="1600200"/>
+            <a:ext cx="7391400" cy="4480265"/>
+          </a:xfrm>
+          <a:prstGeom prst="rect">
+            <a:avLst/>
+          </a:prstGeom>
+          <a:noFill/>
+          <a:extLst>
+            <a:ext uri="{909E8E84-426E-40DD-AFC4-6F175D3DCCD1}">
+              <a14:hiddenFill xmlns:a14="http://schemas.microsoft.com/office/drawing/2010/main">
+                <a:solidFill>
+                  <a:srgbClr val="FFFFFF"/>
+                </a:solidFill>
+              </a14:hiddenFill>
+            </a:ext>
+          </a:extLst>
+        </p:spPr>
+      </p:pic>
+    </p:spTree>
+    <p:extLst>
+      <p:ext uri="{BB962C8B-B14F-4D97-AF65-F5344CB8AC3E}">
+        <p14:creationId xmlns:p14="http://schemas.microsoft.com/office/powerpoint/2010/main" val="159880573"/>
+      </p:ext>
+    </p:extLst>
+  </p:cSld>
+  <p:clrMapOvr>
+    <a:masterClrMapping/>
+  </p:clrMapOvr>
+</p:sld>
+</file>
+
+<file path=ppt/slides/slide9.xml><?xml version="1.0" encoding="utf-8"?>
+<p:sld xmlns:a="http://schemas.openxmlformats.org/drawingml/2006/main" xmlns:r="http://schemas.openxmlformats.org/officeDocument/2006/relationships" xmlns:p="http://schemas.openxmlformats.org/presentationml/2006/main">
+  <p:cSld>
+    <p:spTree>
+      <p:nvGrpSpPr>
+        <p:cNvPr id="1" name=""/>
+        <p:cNvGrpSpPr/>
+        <p:nvPr/>
+      </p:nvGrpSpPr>
+      <p:grpSpPr>
+        <a:xfrm>
+          <a:off x="0" y="0"/>
+          <a:ext cx="0" cy="0"/>
+          <a:chOff x="0" y="0"/>
+          <a:chExt cx="0" cy="0"/>
+        </a:xfrm>
+      </p:grpSpPr>
+      <p:sp>
+        <p:nvSpPr>
+          <p:cNvPr id="2" name="Titel 1">
+            <a:extLst>
+              <a:ext uri="{FF2B5EF4-FFF2-40B4-BE49-F238E27FC236}">
+                <a16:creationId xmlns:a16="http://schemas.microsoft.com/office/drawing/2014/main" id="{6807FD7E-4598-F6A1-B683-E1DA54F714D0}"/>
+              </a:ext>
+            </a:extLst>
+          </p:cNvPr>
+          <p:cNvSpPr>
+            <a:spLocks noGrp="1"/>
+          </p:cNvSpPr>
+          <p:nvPr>
+            <p:ph type="title"/>
+          </p:nvPr>
+        </p:nvSpPr>
+        <p:spPr>
+          <a:xfrm>
+            <a:off x="959002" y="48260"/>
+            <a:ext cx="10273995" cy="615553"/>
+          </a:xfrm>
+        </p:spPr>
+        <p:txBody>
+          <a:bodyPr/>
+          <a:lstStyle/>
+          <a:p>
+            <a:r>
+              <a:rPr lang="de-DE" dirty="0" err="1"/>
+              <a:t>Testing</a:t>
+            </a:r>
+            <a:r>
+              <a:rPr lang="de-DE" dirty="0"/>
+              <a:t> Environment</a:t>
+            </a:r>
+          </a:p>
+        </p:txBody>
+      </p:sp>
+      <p:sp>
+        <p:nvSpPr>
+          <p:cNvPr id="3" name="Textplatzhalter 2">
+            <a:extLst>
+              <a:ext uri="{FF2B5EF4-FFF2-40B4-BE49-F238E27FC236}">
+                <a16:creationId xmlns:a16="http://schemas.microsoft.com/office/drawing/2014/main" id="{6C00BB5D-A5BF-B6EF-57BE-6F1047EEAE6C}"/>
+              </a:ext>
+            </a:extLst>
+          </p:cNvPr>
+          <p:cNvSpPr>
+            <a:spLocks noGrp="1"/>
+          </p:cNvSpPr>
+          <p:nvPr>
+            <p:ph type="body" idx="1"/>
+          </p:nvPr>
+        </p:nvSpPr>
+        <p:spPr>
+          <a:xfrm>
+            <a:off x="426821" y="2276347"/>
+            <a:ext cx="11338356" cy="4616648"/>
+          </a:xfrm>
+        </p:spPr>
+        <p:txBody>
+          <a:bodyPr/>
+          <a:lstStyle/>
+          <a:p>
+            <a:r>
+              <a:rPr lang="de-DE" sz="2000" dirty="0" err="1">
+                <a:solidFill>
+                  <a:schemeClr val="tx1"/>
+                </a:solidFill>
+              </a:rPr>
+              <a:t>Tested</a:t>
+            </a:r>
+            <a:r>
+              <a:rPr lang="de-DE" sz="2000" dirty="0">
+                <a:solidFill>
+                  <a:schemeClr val="tx1"/>
+                </a:solidFill>
+              </a:rPr>
+              <a:t> on </a:t>
+            </a:r>
+            <a:r>
+              <a:rPr lang="de-DE" sz="2000" dirty="0" err="1">
+                <a:solidFill>
+                  <a:schemeClr val="tx1"/>
+                </a:solidFill>
+              </a:rPr>
+              <a:t>local</a:t>
+            </a:r>
+            <a:r>
+              <a:rPr lang="de-DE" sz="2000" dirty="0">
+                <a:solidFill>
+                  <a:schemeClr val="tx1"/>
+                </a:solidFill>
+              </a:rPr>
+              <a:t> network on </a:t>
+            </a:r>
+            <a:r>
+              <a:rPr lang="de-DE" sz="2000" dirty="0" err="1">
+                <a:solidFill>
+                  <a:schemeClr val="tx1"/>
+                </a:solidFill>
+              </a:rPr>
+              <a:t>single</a:t>
+            </a:r>
+            <a:r>
+              <a:rPr lang="de-DE" sz="2000" dirty="0">
+                <a:solidFill>
+                  <a:schemeClr val="tx1"/>
+                </a:solidFill>
+              </a:rPr>
+              <a:t> </a:t>
+            </a:r>
+            <a:r>
+              <a:rPr lang="de-DE" sz="2000" dirty="0" err="1">
+                <a:solidFill>
+                  <a:schemeClr val="tx1"/>
+                </a:solidFill>
+              </a:rPr>
+              <a:t>computer</a:t>
+            </a:r>
+            <a:r>
+              <a:rPr lang="de-DE" sz="2000" dirty="0">
+                <a:solidFill>
+                  <a:schemeClr val="tx1"/>
+                </a:solidFill>
+              </a:rPr>
+              <a:t> -&gt; limited </a:t>
+            </a:r>
+            <a:r>
+              <a:rPr lang="de-DE" sz="2000" dirty="0" err="1">
+                <a:solidFill>
+                  <a:schemeClr val="tx1"/>
+                </a:solidFill>
+              </a:rPr>
+              <a:t>testing</a:t>
+            </a:r>
+            <a:r>
+              <a:rPr lang="de-DE" sz="2000" dirty="0">
+                <a:solidFill>
+                  <a:schemeClr val="tx1"/>
+                </a:solidFill>
+              </a:rPr>
+              <a:t> </a:t>
+            </a:r>
+            <a:r>
+              <a:rPr lang="de-DE" sz="2000" dirty="0" err="1">
+                <a:solidFill>
+                  <a:schemeClr val="tx1"/>
+                </a:solidFill>
+              </a:rPr>
+              <a:t>methods</a:t>
+            </a:r>
+            <a:endParaRPr lang="de-DE" sz="2000" dirty="0">
+              <a:solidFill>
+                <a:schemeClr val="tx1"/>
+              </a:solidFill>
+            </a:endParaRPr>
+          </a:p>
+          <a:p>
+            <a:endParaRPr lang="de-DE" sz="2000" dirty="0">
+              <a:solidFill>
+                <a:schemeClr val="tx1"/>
+              </a:solidFill>
+            </a:endParaRPr>
+          </a:p>
+          <a:p>
+            <a:r>
+              <a:rPr lang="de-DE" sz="2000" dirty="0">
+                <a:solidFill>
+                  <a:schemeClr val="tx1"/>
+                </a:solidFill>
+              </a:rPr>
+              <a:t>Single Computer on </a:t>
+            </a:r>
+            <a:r>
+              <a:rPr lang="de-DE" sz="2000" dirty="0" err="1">
+                <a:solidFill>
+                  <a:schemeClr val="tx1"/>
+                </a:solidFill>
+              </a:rPr>
+              <a:t>localhost</a:t>
+            </a:r>
+            <a:r>
+              <a:rPr lang="de-DE" sz="2000" dirty="0">
+                <a:solidFill>
+                  <a:schemeClr val="tx1"/>
+                </a:solidFill>
+              </a:rPr>
+              <a:t> / </a:t>
+            </a:r>
+            <a:r>
+              <a:rPr lang="de-DE" sz="2000" dirty="0" err="1">
+                <a:solidFill>
+                  <a:schemeClr val="tx1"/>
+                </a:solidFill>
+              </a:rPr>
+              <a:t>port</a:t>
+            </a:r>
+            <a:r>
+              <a:rPr lang="de-DE" sz="2000" dirty="0">
+                <a:solidFill>
+                  <a:schemeClr val="tx1"/>
+                </a:solidFill>
+              </a:rPr>
+              <a:t> (</a:t>
+            </a:r>
+            <a:r>
+              <a:rPr lang="de-DE" sz="2000" dirty="0" err="1">
+                <a:solidFill>
+                  <a:schemeClr val="tx1"/>
+                </a:solidFill>
+              </a:rPr>
+              <a:t>server</a:t>
+            </a:r>
+            <a:r>
+              <a:rPr lang="de-DE" sz="2000" dirty="0">
+                <a:solidFill>
+                  <a:schemeClr val="tx1"/>
+                </a:solidFill>
+              </a:rPr>
+              <a:t> </a:t>
+            </a:r>
+            <a:r>
+              <a:rPr lang="de-DE" sz="2000" dirty="0" err="1">
+                <a:solidFill>
+                  <a:schemeClr val="tx1"/>
+                </a:solidFill>
+              </a:rPr>
+              <a:t>fixed</a:t>
+            </a:r>
+            <a:r>
+              <a:rPr lang="de-DE" sz="2000" dirty="0">
+                <a:solidFill>
+                  <a:schemeClr val="tx1"/>
+                </a:solidFill>
+              </a:rPr>
+              <a:t> </a:t>
+            </a:r>
+            <a:r>
+              <a:rPr lang="de-DE" sz="2000" dirty="0" err="1">
+                <a:solidFill>
+                  <a:schemeClr val="tx1"/>
+                </a:solidFill>
+              </a:rPr>
+              <a:t>port</a:t>
+            </a:r>
+            <a:r>
+              <a:rPr lang="de-DE" sz="2000" dirty="0">
+                <a:solidFill>
+                  <a:schemeClr val="tx1"/>
+                </a:solidFill>
+              </a:rPr>
+              <a:t>, </a:t>
+            </a:r>
+            <a:r>
+              <a:rPr lang="de-DE" sz="2000" dirty="0" err="1">
+                <a:solidFill>
+                  <a:schemeClr val="tx1"/>
+                </a:solidFill>
+              </a:rPr>
+              <a:t>clients</a:t>
+            </a:r>
+            <a:r>
+              <a:rPr lang="de-DE" sz="2000" dirty="0">
+                <a:solidFill>
+                  <a:schemeClr val="tx1"/>
+                </a:solidFill>
+              </a:rPr>
+              <a:t> flexible </a:t>
+            </a:r>
+            <a:r>
+              <a:rPr lang="de-DE" sz="2000" dirty="0" err="1">
+                <a:solidFill>
+                  <a:schemeClr val="tx1"/>
+                </a:solidFill>
+              </a:rPr>
+              <a:t>port</a:t>
+            </a:r>
+            <a:r>
+              <a:rPr lang="de-DE" sz="2000" dirty="0">
+                <a:solidFill>
+                  <a:schemeClr val="tx1"/>
+                </a:solidFill>
+              </a:rPr>
+              <a:t>)</a:t>
+            </a:r>
+          </a:p>
+          <a:p>
+            <a:endParaRPr lang="de-DE" sz="2000" dirty="0">
+              <a:solidFill>
+                <a:schemeClr val="tx1"/>
+              </a:solidFill>
+            </a:endParaRPr>
+          </a:p>
+          <a:p>
+            <a:r>
+              <a:rPr lang="de-DE" sz="2000" dirty="0" err="1">
+                <a:solidFill>
+                  <a:schemeClr val="tx1"/>
+                </a:solidFill>
+              </a:rPr>
+              <a:t>Processor</a:t>
+            </a:r>
+            <a:r>
+              <a:rPr lang="de-DE" sz="2000" dirty="0">
+                <a:solidFill>
+                  <a:schemeClr val="tx1"/>
+                </a:solidFill>
+              </a:rPr>
+              <a:t>: Intel(R) Core(TM) i5 CPU M 560 @ 2.67GHz, 2667 MHz – </a:t>
+            </a:r>
+            <a:r>
+              <a:rPr lang="de-DE" sz="2000" b="1" dirty="0">
+                <a:solidFill>
+                  <a:schemeClr val="tx1"/>
+                </a:solidFill>
+              </a:rPr>
+              <a:t>2010</a:t>
+            </a:r>
+          </a:p>
+          <a:p>
+            <a:endParaRPr lang="de-DE" sz="2000" b="1" dirty="0">
+              <a:solidFill>
+                <a:schemeClr val="tx1"/>
+              </a:solidFill>
+            </a:endParaRPr>
+          </a:p>
+          <a:p>
+            <a:endParaRPr lang="de-DE" sz="2000" b="1" dirty="0">
+              <a:solidFill>
+                <a:schemeClr val="tx1"/>
+              </a:solidFill>
+            </a:endParaRPr>
+          </a:p>
+          <a:p>
+            <a:r>
+              <a:rPr lang="de-DE" sz="2000" b="1" dirty="0" err="1">
+                <a:solidFill>
+                  <a:schemeClr val="tx1"/>
+                </a:solidFill>
+              </a:rPr>
+              <a:t>Better</a:t>
+            </a:r>
+            <a:r>
+              <a:rPr lang="de-DE" sz="2000" b="1" dirty="0">
+                <a:solidFill>
+                  <a:schemeClr val="tx1"/>
+                </a:solidFill>
+              </a:rPr>
+              <a:t>:</a:t>
+            </a:r>
+            <a:r>
+              <a:rPr lang="de-DE" sz="2000" dirty="0">
+                <a:solidFill>
+                  <a:schemeClr val="tx1"/>
+                </a:solidFill>
+              </a:rPr>
+              <a:t> Open Port on Firewall on </a:t>
+            </a:r>
+            <a:r>
+              <a:rPr lang="de-DE" sz="2000" dirty="0" err="1">
+                <a:solidFill>
+                  <a:schemeClr val="tx1"/>
+                </a:solidFill>
+              </a:rPr>
+              <a:t>router</a:t>
+            </a:r>
+            <a:r>
+              <a:rPr lang="de-DE" sz="2000" dirty="0">
+                <a:solidFill>
+                  <a:schemeClr val="tx1"/>
+                </a:solidFill>
+              </a:rPr>
+              <a:t> and </a:t>
+            </a:r>
+            <a:r>
+              <a:rPr lang="de-DE" sz="2000" dirty="0" err="1">
+                <a:solidFill>
+                  <a:schemeClr val="tx1"/>
+                </a:solidFill>
+              </a:rPr>
+              <a:t>sending</a:t>
+            </a:r>
+            <a:r>
+              <a:rPr lang="de-DE" sz="2000" dirty="0">
+                <a:solidFill>
+                  <a:schemeClr val="tx1"/>
+                </a:solidFill>
+              </a:rPr>
+              <a:t> </a:t>
+            </a:r>
+            <a:r>
+              <a:rPr lang="de-DE" sz="2000" dirty="0" err="1">
+                <a:solidFill>
+                  <a:schemeClr val="tx1"/>
+                </a:solidFill>
+              </a:rPr>
+              <a:t>packets</a:t>
+            </a:r>
+            <a:r>
+              <a:rPr lang="de-DE" sz="2000" dirty="0">
+                <a:solidFill>
+                  <a:schemeClr val="tx1"/>
+                </a:solidFill>
+              </a:rPr>
+              <a:t> </a:t>
+            </a:r>
+            <a:r>
+              <a:rPr lang="de-DE" sz="2000" dirty="0" err="1">
+                <a:solidFill>
+                  <a:schemeClr val="tx1"/>
+                </a:solidFill>
+              </a:rPr>
+              <a:t>through</a:t>
+            </a:r>
+            <a:r>
+              <a:rPr lang="de-DE" sz="2000" dirty="0">
+                <a:solidFill>
+                  <a:schemeClr val="tx1"/>
+                </a:solidFill>
+              </a:rPr>
+              <a:t> </a:t>
+            </a:r>
+            <a:r>
+              <a:rPr lang="de-DE" sz="2000" dirty="0" err="1">
+                <a:solidFill>
+                  <a:schemeClr val="tx1"/>
+                </a:solidFill>
+              </a:rPr>
+              <a:t>internet</a:t>
+            </a:r>
+            <a:r>
+              <a:rPr lang="de-DE" sz="2000" dirty="0">
+                <a:solidFill>
+                  <a:schemeClr val="tx1"/>
+                </a:solidFill>
+              </a:rPr>
+              <a:t> (not possible at </a:t>
+            </a:r>
+            <a:r>
+              <a:rPr lang="de-DE" sz="2000" dirty="0" err="1">
+                <a:solidFill>
+                  <a:schemeClr val="tx1"/>
+                </a:solidFill>
+              </a:rPr>
+              <a:t>the</a:t>
+            </a:r>
+            <a:r>
+              <a:rPr lang="de-DE" sz="2000" dirty="0">
+                <a:solidFill>
+                  <a:schemeClr val="tx1"/>
+                </a:solidFill>
+              </a:rPr>
+              <a:t> </a:t>
+            </a:r>
+            <a:r>
+              <a:rPr lang="de-DE" sz="2000" dirty="0" err="1">
+                <a:solidFill>
+                  <a:schemeClr val="tx1"/>
+                </a:solidFill>
+              </a:rPr>
+              <a:t>university</a:t>
+            </a:r>
+            <a:r>
+              <a:rPr lang="de-DE" sz="2000" dirty="0">
+                <a:solidFill>
+                  <a:schemeClr val="tx1"/>
+                </a:solidFill>
+              </a:rPr>
+              <a:t> (</a:t>
+            </a:r>
+            <a:r>
+              <a:rPr lang="de-DE" sz="2000" dirty="0" err="1">
+                <a:solidFill>
+                  <a:schemeClr val="tx1"/>
+                </a:solidFill>
+              </a:rPr>
+              <a:t>with</a:t>
+            </a:r>
+            <a:r>
+              <a:rPr lang="de-DE" sz="2000" dirty="0">
+                <a:solidFill>
+                  <a:schemeClr val="tx1"/>
+                </a:solidFill>
+              </a:rPr>
+              <a:t> </a:t>
+            </a:r>
+            <a:r>
+              <a:rPr lang="de-DE" sz="2000" dirty="0" err="1">
+                <a:solidFill>
+                  <a:schemeClr val="tx1"/>
+                </a:solidFill>
+              </a:rPr>
+              <a:t>student</a:t>
+            </a:r>
+            <a:r>
+              <a:rPr lang="de-DE" sz="2000" dirty="0">
+                <a:solidFill>
+                  <a:schemeClr val="tx1"/>
+                </a:solidFill>
+              </a:rPr>
+              <a:t> </a:t>
+            </a:r>
+            <a:r>
+              <a:rPr lang="de-DE" sz="2000" dirty="0" err="1">
+                <a:solidFill>
+                  <a:schemeClr val="tx1"/>
+                </a:solidFill>
+              </a:rPr>
+              <a:t>account</a:t>
+            </a:r>
+            <a:r>
+              <a:rPr lang="de-DE" sz="2000" dirty="0">
+                <a:solidFill>
+                  <a:schemeClr val="tx1"/>
+                </a:solidFill>
+              </a:rPr>
+              <a:t>) </a:t>
+            </a:r>
+            <a:r>
+              <a:rPr lang="de-DE" sz="2000" dirty="0" err="1">
+                <a:solidFill>
+                  <a:schemeClr val="tx1"/>
+                </a:solidFill>
+              </a:rPr>
+              <a:t>or</a:t>
+            </a:r>
+            <a:r>
+              <a:rPr lang="de-DE" sz="2000" dirty="0">
+                <a:solidFill>
+                  <a:schemeClr val="tx1"/>
+                </a:solidFill>
+              </a:rPr>
+              <a:t> in </a:t>
+            </a:r>
+            <a:r>
+              <a:rPr lang="de-DE" sz="2000" dirty="0" err="1">
+                <a:solidFill>
+                  <a:schemeClr val="tx1"/>
+                </a:solidFill>
+              </a:rPr>
+              <a:t>my</a:t>
+            </a:r>
+            <a:r>
+              <a:rPr lang="de-DE" sz="2000" dirty="0">
+                <a:solidFill>
+                  <a:schemeClr val="tx1"/>
+                </a:solidFill>
+              </a:rPr>
+              <a:t> </a:t>
+            </a:r>
+            <a:r>
+              <a:rPr lang="de-DE" sz="2000" dirty="0" err="1">
+                <a:solidFill>
+                  <a:schemeClr val="tx1"/>
+                </a:solidFill>
+              </a:rPr>
+              <a:t>home</a:t>
+            </a:r>
+            <a:r>
+              <a:rPr lang="de-DE" sz="2000" dirty="0">
+                <a:solidFill>
+                  <a:schemeClr val="tx1"/>
+                </a:solidFill>
+              </a:rPr>
+              <a:t> (</a:t>
+            </a:r>
+            <a:r>
+              <a:rPr lang="de-DE" sz="2000" dirty="0" err="1">
+                <a:solidFill>
+                  <a:schemeClr val="tx1"/>
+                </a:solidFill>
+              </a:rPr>
+              <a:t>no</a:t>
+            </a:r>
+            <a:r>
+              <a:rPr lang="de-DE" sz="2000" dirty="0">
+                <a:solidFill>
+                  <a:schemeClr val="tx1"/>
+                </a:solidFill>
+              </a:rPr>
+              <a:t> </a:t>
+            </a:r>
+            <a:r>
+              <a:rPr lang="de-DE" sz="2000" dirty="0" err="1">
+                <a:solidFill>
+                  <a:schemeClr val="tx1"/>
+                </a:solidFill>
+              </a:rPr>
+              <a:t>access</a:t>
+            </a:r>
+            <a:r>
+              <a:rPr lang="de-DE" sz="2000" dirty="0">
+                <a:solidFill>
+                  <a:schemeClr val="tx1"/>
+                </a:solidFill>
+              </a:rPr>
+              <a:t>)</a:t>
+            </a:r>
+          </a:p>
+          <a:p>
+            <a:endParaRPr lang="de-DE" sz="2000" dirty="0">
+              <a:solidFill>
+                <a:schemeClr val="tx1"/>
+              </a:solidFill>
+            </a:endParaRPr>
+          </a:p>
+          <a:p>
+            <a:r>
+              <a:rPr lang="de-DE" sz="2000" dirty="0">
+                <a:solidFill>
+                  <a:schemeClr val="tx1"/>
+                </a:solidFill>
+              </a:rPr>
+              <a:t>Advantages </a:t>
+            </a:r>
+            <a:r>
+              <a:rPr lang="de-DE" sz="2000" dirty="0" err="1">
+                <a:solidFill>
+                  <a:schemeClr val="tx1"/>
+                </a:solidFill>
+              </a:rPr>
+              <a:t>more</a:t>
+            </a:r>
+            <a:r>
+              <a:rPr lang="de-DE" sz="2000" dirty="0">
+                <a:solidFill>
+                  <a:schemeClr val="tx1"/>
+                </a:solidFill>
+              </a:rPr>
+              <a:t> </a:t>
+            </a:r>
+            <a:r>
+              <a:rPr lang="de-DE" sz="2000" dirty="0" err="1">
+                <a:solidFill>
+                  <a:schemeClr val="tx1"/>
+                </a:solidFill>
+              </a:rPr>
+              <a:t>clear</a:t>
+            </a:r>
+            <a:r>
+              <a:rPr lang="de-DE" sz="2000" dirty="0">
+                <a:solidFill>
+                  <a:schemeClr val="tx1"/>
+                </a:solidFill>
+              </a:rPr>
+              <a:t> </a:t>
+            </a:r>
+            <a:r>
+              <a:rPr lang="de-DE" sz="2000" dirty="0" err="1">
+                <a:solidFill>
+                  <a:schemeClr val="tx1"/>
+                </a:solidFill>
+              </a:rPr>
+              <a:t>between</a:t>
+            </a:r>
+            <a:r>
+              <a:rPr lang="de-DE" sz="2000" dirty="0">
+                <a:solidFill>
+                  <a:schemeClr val="tx1"/>
+                </a:solidFill>
+              </a:rPr>
+              <a:t> TCP / UDP</a:t>
+            </a:r>
+          </a:p>
+          <a:p>
+            <a:endParaRPr lang="de-DE" sz="2000" b="1" dirty="0">
+              <a:solidFill>
+                <a:schemeClr val="tx1"/>
+              </a:solidFill>
+            </a:endParaRPr>
+          </a:p>
+          <a:p>
+            <a:endParaRPr lang="de-DE" sz="2000" b="1" dirty="0">
+              <a:solidFill>
+                <a:schemeClr val="tx1"/>
+              </a:solidFill>
+            </a:endParaRPr>
+          </a:p>
+          <a:p>
+            <a:endParaRPr lang="de-DE" sz="2000" dirty="0">
+              <a:solidFill>
+                <a:schemeClr val="tx1"/>
+              </a:solidFill>
+            </a:endParaRPr>
+          </a:p>
+          <a:p>
+            <a:endParaRPr lang="de-DE" sz="2000" dirty="0">
+              <a:solidFill>
+                <a:schemeClr val="tx1"/>
+              </a:solidFill>
+            </a:endParaRPr>
+          </a:p>
+        </p:txBody>
+      </p:sp>
+    </p:spTree>
+    <p:extLst>
+      <p:ext uri="{BB962C8B-B14F-4D97-AF65-F5344CB8AC3E}">
+        <p14:creationId xmlns:p14="http://schemas.microsoft.com/office/powerpoint/2010/main" val="572562583"/>
       </p:ext>
     </p:extLst>
   </p:cSld>
